--- a/Fake news detection.pptx
+++ b/Fake news detection.pptx
@@ -4,28 +4,45 @@
   <p:sldMasterIdLst>
     <p:sldMasterId id="2147483648" r:id="rId1"/>
   </p:sldMasterIdLst>
+  <p:notesMasterIdLst>
+    <p:notesMasterId r:id="rId37"/>
+  </p:notesMasterIdLst>
   <p:sldIdLst>
     <p:sldId id="259" r:id="rId2"/>
-    <p:sldId id="256" r:id="rId3"/>
-    <p:sldId id="261" r:id="rId4"/>
-    <p:sldId id="260" r:id="rId5"/>
-    <p:sldId id="262" r:id="rId6"/>
+    <p:sldId id="298" r:id="rId3"/>
+    <p:sldId id="256" r:id="rId4"/>
+    <p:sldId id="261" r:id="rId5"/>
+    <p:sldId id="296" r:id="rId6"/>
     <p:sldId id="258" r:id="rId7"/>
-    <p:sldId id="264" r:id="rId8"/>
-    <p:sldId id="269" r:id="rId9"/>
-    <p:sldId id="272" r:id="rId10"/>
-    <p:sldId id="273" r:id="rId11"/>
-    <p:sldId id="270" r:id="rId12"/>
-    <p:sldId id="274" r:id="rId13"/>
-    <p:sldId id="275" r:id="rId14"/>
-    <p:sldId id="271" r:id="rId15"/>
-    <p:sldId id="266" r:id="rId16"/>
-    <p:sldId id="267" r:id="rId17"/>
-    <p:sldId id="276" r:id="rId18"/>
-    <p:sldId id="268" r:id="rId19"/>
-    <p:sldId id="265" r:id="rId20"/>
-    <p:sldId id="263" r:id="rId21"/>
-    <p:sldId id="257" r:id="rId22"/>
+    <p:sldId id="283" r:id="rId8"/>
+    <p:sldId id="282" r:id="rId9"/>
+    <p:sldId id="284" r:id="rId10"/>
+    <p:sldId id="285" r:id="rId11"/>
+    <p:sldId id="288" r:id="rId12"/>
+    <p:sldId id="286" r:id="rId13"/>
+    <p:sldId id="262" r:id="rId14"/>
+    <p:sldId id="287" r:id="rId15"/>
+    <p:sldId id="297" r:id="rId16"/>
+    <p:sldId id="260" r:id="rId17"/>
+    <p:sldId id="280" r:id="rId18"/>
+    <p:sldId id="281" r:id="rId19"/>
+    <p:sldId id="269" r:id="rId20"/>
+    <p:sldId id="294" r:id="rId21"/>
+    <p:sldId id="289" r:id="rId22"/>
+    <p:sldId id="290" r:id="rId23"/>
+    <p:sldId id="291" r:id="rId24"/>
+    <p:sldId id="293" r:id="rId25"/>
+    <p:sldId id="292" r:id="rId26"/>
+    <p:sldId id="295" r:id="rId27"/>
+    <p:sldId id="279" r:id="rId28"/>
+    <p:sldId id="271" r:id="rId29"/>
+    <p:sldId id="274" r:id="rId30"/>
+    <p:sldId id="275" r:id="rId31"/>
+    <p:sldId id="276" r:id="rId32"/>
+    <p:sldId id="266" r:id="rId33"/>
+    <p:sldId id="267" r:id="rId34"/>
+    <p:sldId id="268" r:id="rId35"/>
+    <p:sldId id="257" r:id="rId36"/>
   </p:sldIdLst>
   <p:sldSz cx="12192000" cy="6858000"/>
   <p:notesSz cx="6858000" cy="9144000"/>
@@ -132,6 +149,355 @@
 </p:presentation>
 </file>
 
+<file path=ppt/notesMasters/notesMaster1.xml><?xml version="1.0" encoding="utf-8"?>
+<p:notesMaster xmlns:a="http://schemas.openxmlformats.org/drawingml/2006/main" xmlns:r="http://schemas.openxmlformats.org/officeDocument/2006/relationships" xmlns:p="http://schemas.openxmlformats.org/presentationml/2006/main">
+  <p:cSld>
+    <p:bg>
+      <p:bgRef idx="1001">
+        <a:schemeClr val="bg1"/>
+      </p:bgRef>
+    </p:bg>
+    <p:spTree>
+      <p:nvGrpSpPr>
+        <p:cNvPr id="1" name=""/>
+        <p:cNvGrpSpPr/>
+        <p:nvPr/>
+      </p:nvGrpSpPr>
+      <p:grpSpPr>
+        <a:xfrm>
+          <a:off x="0" y="0"/>
+          <a:ext cx="0" cy="0"/>
+          <a:chOff x="0" y="0"/>
+          <a:chExt cx="0" cy="0"/>
+        </a:xfrm>
+      </p:grpSpPr>
+      <p:sp>
+        <p:nvSpPr>
+          <p:cNvPr id="2" name="页眉占位符 1"/>
+          <p:cNvSpPr>
+            <a:spLocks noGrp="1"/>
+          </p:cNvSpPr>
+          <p:nvPr>
+            <p:ph type="hdr" sz="quarter"/>
+          </p:nvPr>
+        </p:nvSpPr>
+        <p:spPr>
+          <a:xfrm>
+            <a:off x="0" y="0"/>
+            <a:ext cx="2971800" cy="458788"/>
+          </a:xfrm>
+          <a:prstGeom prst="rect">
+            <a:avLst/>
+          </a:prstGeom>
+        </p:spPr>
+        <p:txBody>
+          <a:bodyPr vert="horz" lIns="91440" tIns="45720" rIns="91440" bIns="45720" rtlCol="0"/>
+          <a:lstStyle>
+            <a:lvl1pPr algn="l">
+              <a:defRPr sz="1200"/>
+            </a:lvl1pPr>
+          </a:lstStyle>
+          <a:p>
+            <a:endParaRPr lang="zh-CN" altLang="en-US"/>
+          </a:p>
+        </p:txBody>
+      </p:sp>
+      <p:sp>
+        <p:nvSpPr>
+          <p:cNvPr id="3" name="日期占位符 2"/>
+          <p:cNvSpPr>
+            <a:spLocks noGrp="1"/>
+          </p:cNvSpPr>
+          <p:nvPr>
+            <p:ph type="dt" idx="1"/>
+          </p:nvPr>
+        </p:nvSpPr>
+        <p:spPr>
+          <a:xfrm>
+            <a:off x="3884613" y="0"/>
+            <a:ext cx="2971800" cy="458788"/>
+          </a:xfrm>
+          <a:prstGeom prst="rect">
+            <a:avLst/>
+          </a:prstGeom>
+        </p:spPr>
+        <p:txBody>
+          <a:bodyPr vert="horz" lIns="91440" tIns="45720" rIns="91440" bIns="45720" rtlCol="0"/>
+          <a:lstStyle>
+            <a:lvl1pPr algn="r">
+              <a:defRPr sz="1200"/>
+            </a:lvl1pPr>
+          </a:lstStyle>
+          <a:p>
+            <a:fld id="{B7EF1935-0C8A-458D-B5D5-0867ADB17737}" type="datetimeFigureOut">
+              <a:rPr lang="zh-CN" altLang="en-US" smtClean="0"/>
+              <a:t>2023/5/7</a:t>
+            </a:fld>
+            <a:endParaRPr lang="zh-CN" altLang="en-US"/>
+          </a:p>
+        </p:txBody>
+      </p:sp>
+      <p:sp>
+        <p:nvSpPr>
+          <p:cNvPr id="4" name="幻灯片图像占位符 3"/>
+          <p:cNvSpPr>
+            <a:spLocks noGrp="1" noRot="1" noChangeAspect="1"/>
+          </p:cNvSpPr>
+          <p:nvPr>
+            <p:ph type="sldImg" idx="2"/>
+          </p:nvPr>
+        </p:nvSpPr>
+        <p:spPr>
+          <a:xfrm>
+            <a:off x="685800" y="1143000"/>
+            <a:ext cx="5486400" cy="3086100"/>
+          </a:xfrm>
+          <a:prstGeom prst="rect">
+            <a:avLst/>
+          </a:prstGeom>
+          <a:noFill/>
+          <a:ln w="12700">
+            <a:solidFill>
+              <a:prstClr val="black"/>
+            </a:solidFill>
+          </a:ln>
+        </p:spPr>
+        <p:txBody>
+          <a:bodyPr vert="horz" lIns="91440" tIns="45720" rIns="91440" bIns="45720" rtlCol="0" anchor="ctr"/>
+          <a:lstStyle/>
+          <a:p>
+            <a:endParaRPr lang="zh-CN" altLang="en-US"/>
+          </a:p>
+        </p:txBody>
+      </p:sp>
+      <p:sp>
+        <p:nvSpPr>
+          <p:cNvPr id="5" name="备注占位符 4"/>
+          <p:cNvSpPr>
+            <a:spLocks noGrp="1"/>
+          </p:cNvSpPr>
+          <p:nvPr>
+            <p:ph type="body" sz="quarter" idx="3"/>
+          </p:nvPr>
+        </p:nvSpPr>
+        <p:spPr>
+          <a:xfrm>
+            <a:off x="685800" y="4400550"/>
+            <a:ext cx="5486400" cy="3600450"/>
+          </a:xfrm>
+          <a:prstGeom prst="rect">
+            <a:avLst/>
+          </a:prstGeom>
+        </p:spPr>
+        <p:txBody>
+          <a:bodyPr vert="horz" lIns="91440" tIns="45720" rIns="91440" bIns="45720" rtlCol="0"/>
+          <a:lstStyle/>
+          <a:p>
+            <a:pPr lvl="0"/>
+            <a:r>
+              <a:rPr lang="zh-CN" altLang="en-US"/>
+              <a:t>单击此处编辑母版文本样式</a:t>
+            </a:r>
+          </a:p>
+          <a:p>
+            <a:pPr lvl="1"/>
+            <a:r>
+              <a:rPr lang="zh-CN" altLang="en-US"/>
+              <a:t>二级</a:t>
+            </a:r>
+          </a:p>
+          <a:p>
+            <a:pPr lvl="2"/>
+            <a:r>
+              <a:rPr lang="zh-CN" altLang="en-US"/>
+              <a:t>三级</a:t>
+            </a:r>
+          </a:p>
+          <a:p>
+            <a:pPr lvl="3"/>
+            <a:r>
+              <a:rPr lang="zh-CN" altLang="en-US"/>
+              <a:t>四级</a:t>
+            </a:r>
+          </a:p>
+          <a:p>
+            <a:pPr lvl="4"/>
+            <a:r>
+              <a:rPr lang="zh-CN" altLang="en-US"/>
+              <a:t>五级</a:t>
+            </a:r>
+          </a:p>
+        </p:txBody>
+      </p:sp>
+      <p:sp>
+        <p:nvSpPr>
+          <p:cNvPr id="6" name="页脚占位符 5"/>
+          <p:cNvSpPr>
+            <a:spLocks noGrp="1"/>
+          </p:cNvSpPr>
+          <p:nvPr>
+            <p:ph type="ftr" sz="quarter" idx="4"/>
+          </p:nvPr>
+        </p:nvSpPr>
+        <p:spPr>
+          <a:xfrm>
+            <a:off x="0" y="8685213"/>
+            <a:ext cx="2971800" cy="458787"/>
+          </a:xfrm>
+          <a:prstGeom prst="rect">
+            <a:avLst/>
+          </a:prstGeom>
+        </p:spPr>
+        <p:txBody>
+          <a:bodyPr vert="horz" lIns="91440" tIns="45720" rIns="91440" bIns="45720" rtlCol="0" anchor="b"/>
+          <a:lstStyle>
+            <a:lvl1pPr algn="l">
+              <a:defRPr sz="1200"/>
+            </a:lvl1pPr>
+          </a:lstStyle>
+          <a:p>
+            <a:endParaRPr lang="zh-CN" altLang="en-US"/>
+          </a:p>
+        </p:txBody>
+      </p:sp>
+      <p:sp>
+        <p:nvSpPr>
+          <p:cNvPr id="7" name="灯片编号占位符 6"/>
+          <p:cNvSpPr>
+            <a:spLocks noGrp="1"/>
+          </p:cNvSpPr>
+          <p:nvPr>
+            <p:ph type="sldNum" sz="quarter" idx="5"/>
+          </p:nvPr>
+        </p:nvSpPr>
+        <p:spPr>
+          <a:xfrm>
+            <a:off x="3884613" y="8685213"/>
+            <a:ext cx="2971800" cy="458787"/>
+          </a:xfrm>
+          <a:prstGeom prst="rect">
+            <a:avLst/>
+          </a:prstGeom>
+        </p:spPr>
+        <p:txBody>
+          <a:bodyPr vert="horz" lIns="91440" tIns="45720" rIns="91440" bIns="45720" rtlCol="0" anchor="b"/>
+          <a:lstStyle>
+            <a:lvl1pPr algn="r">
+              <a:defRPr sz="1200"/>
+            </a:lvl1pPr>
+          </a:lstStyle>
+          <a:p>
+            <a:fld id="{9F2F0099-2497-477F-A2C4-DB1E5D474174}" type="slidenum">
+              <a:rPr lang="zh-CN" altLang="en-US" smtClean="0"/>
+              <a:t>‹#›</a:t>
+            </a:fld>
+            <a:endParaRPr lang="zh-CN" altLang="en-US"/>
+          </a:p>
+        </p:txBody>
+      </p:sp>
+    </p:spTree>
+    <p:extLst>
+      <p:ext uri="{BB962C8B-B14F-4D97-AF65-F5344CB8AC3E}">
+        <p14:creationId xmlns:p14="http://schemas.microsoft.com/office/powerpoint/2010/main" val="586117102"/>
+      </p:ext>
+    </p:extLst>
+  </p:cSld>
+  <p:clrMap bg1="lt1" tx1="dk1" bg2="lt2" tx2="dk2" accent1="accent1" accent2="accent2" accent3="accent3" accent4="accent4" accent5="accent5" accent6="accent6" hlink="hlink" folHlink="folHlink"/>
+  <p:notesStyle>
+    <a:lvl1pPr marL="0" algn="l" defTabSz="914400" rtl="0" eaLnBrk="1" latinLnBrk="0" hangingPunct="1">
+      <a:defRPr sz="1200" kern="1200">
+        <a:solidFill>
+          <a:schemeClr val="tx1"/>
+        </a:solidFill>
+        <a:latin typeface="+mn-lt"/>
+        <a:ea typeface="+mn-ea"/>
+        <a:cs typeface="+mn-cs"/>
+      </a:defRPr>
+    </a:lvl1pPr>
+    <a:lvl2pPr marL="457200" algn="l" defTabSz="914400" rtl="0" eaLnBrk="1" latinLnBrk="0" hangingPunct="1">
+      <a:defRPr sz="1200" kern="1200">
+        <a:solidFill>
+          <a:schemeClr val="tx1"/>
+        </a:solidFill>
+        <a:latin typeface="+mn-lt"/>
+        <a:ea typeface="+mn-ea"/>
+        <a:cs typeface="+mn-cs"/>
+      </a:defRPr>
+    </a:lvl2pPr>
+    <a:lvl3pPr marL="914400" algn="l" defTabSz="914400" rtl="0" eaLnBrk="1" latinLnBrk="0" hangingPunct="1">
+      <a:defRPr sz="1200" kern="1200">
+        <a:solidFill>
+          <a:schemeClr val="tx1"/>
+        </a:solidFill>
+        <a:latin typeface="+mn-lt"/>
+        <a:ea typeface="+mn-ea"/>
+        <a:cs typeface="+mn-cs"/>
+      </a:defRPr>
+    </a:lvl3pPr>
+    <a:lvl4pPr marL="1371600" algn="l" defTabSz="914400" rtl="0" eaLnBrk="1" latinLnBrk="0" hangingPunct="1">
+      <a:defRPr sz="1200" kern="1200">
+        <a:solidFill>
+          <a:schemeClr val="tx1"/>
+        </a:solidFill>
+        <a:latin typeface="+mn-lt"/>
+        <a:ea typeface="+mn-ea"/>
+        <a:cs typeface="+mn-cs"/>
+      </a:defRPr>
+    </a:lvl4pPr>
+    <a:lvl5pPr marL="1828800" algn="l" defTabSz="914400" rtl="0" eaLnBrk="1" latinLnBrk="0" hangingPunct="1">
+      <a:defRPr sz="1200" kern="1200">
+        <a:solidFill>
+          <a:schemeClr val="tx1"/>
+        </a:solidFill>
+        <a:latin typeface="+mn-lt"/>
+        <a:ea typeface="+mn-ea"/>
+        <a:cs typeface="+mn-cs"/>
+      </a:defRPr>
+    </a:lvl5pPr>
+    <a:lvl6pPr marL="2286000" algn="l" defTabSz="914400" rtl="0" eaLnBrk="1" latinLnBrk="0" hangingPunct="1">
+      <a:defRPr sz="1200" kern="1200">
+        <a:solidFill>
+          <a:schemeClr val="tx1"/>
+        </a:solidFill>
+        <a:latin typeface="+mn-lt"/>
+        <a:ea typeface="+mn-ea"/>
+        <a:cs typeface="+mn-cs"/>
+      </a:defRPr>
+    </a:lvl6pPr>
+    <a:lvl7pPr marL="2743200" algn="l" defTabSz="914400" rtl="0" eaLnBrk="1" latinLnBrk="0" hangingPunct="1">
+      <a:defRPr sz="1200" kern="1200">
+        <a:solidFill>
+          <a:schemeClr val="tx1"/>
+        </a:solidFill>
+        <a:latin typeface="+mn-lt"/>
+        <a:ea typeface="+mn-ea"/>
+        <a:cs typeface="+mn-cs"/>
+      </a:defRPr>
+    </a:lvl7pPr>
+    <a:lvl8pPr marL="3200400" algn="l" defTabSz="914400" rtl="0" eaLnBrk="1" latinLnBrk="0" hangingPunct="1">
+      <a:defRPr sz="1200" kern="1200">
+        <a:solidFill>
+          <a:schemeClr val="tx1"/>
+        </a:solidFill>
+        <a:latin typeface="+mn-lt"/>
+        <a:ea typeface="+mn-ea"/>
+        <a:cs typeface="+mn-cs"/>
+      </a:defRPr>
+    </a:lvl8pPr>
+    <a:lvl9pPr marL="3657600" algn="l" defTabSz="914400" rtl="0" eaLnBrk="1" latinLnBrk="0" hangingPunct="1">
+      <a:defRPr sz="1200" kern="1200">
+        <a:solidFill>
+          <a:schemeClr val="tx1"/>
+        </a:solidFill>
+        <a:latin typeface="+mn-lt"/>
+        <a:ea typeface="+mn-ea"/>
+        <a:cs typeface="+mn-cs"/>
+      </a:defRPr>
+    </a:lvl9pPr>
+  </p:notesStyle>
+</p:notesMaster>
+</file>
+
 <file path=ppt/slideLayouts/slideLayout1.xml><?xml version="1.0" encoding="utf-8"?>
 <p:sldLayout xmlns:a="http://schemas.openxmlformats.org/drawingml/2006/main" xmlns:r="http://schemas.openxmlformats.org/officeDocument/2006/relationships" xmlns:p="http://schemas.openxmlformats.org/presentationml/2006/main" type="title" preserve="1">
   <p:cSld name="标题幻灯片">
@@ -279,7 +645,7 @@
           <a:p>
             <a:fld id="{751B62E5-E2C4-4127-A5CE-30343A701486}" type="datetimeFigureOut">
               <a:rPr lang="zh-CN" altLang="en-US" smtClean="0"/>
-              <a:t>2023/5/5</a:t>
+              <a:t>2023/5/7</a:t>
             </a:fld>
             <a:endParaRPr lang="zh-CN" altLang="en-US"/>
           </a:p>
@@ -477,7 +843,7 @@
           <a:p>
             <a:fld id="{751B62E5-E2C4-4127-A5CE-30343A701486}" type="datetimeFigureOut">
               <a:rPr lang="zh-CN" altLang="en-US" smtClean="0"/>
-              <a:t>2023/5/5</a:t>
+              <a:t>2023/5/7</a:t>
             </a:fld>
             <a:endParaRPr lang="zh-CN" altLang="en-US"/>
           </a:p>
@@ -685,7 +1051,7 @@
           <a:p>
             <a:fld id="{751B62E5-E2C4-4127-A5CE-30343A701486}" type="datetimeFigureOut">
               <a:rPr lang="zh-CN" altLang="en-US" smtClean="0"/>
-              <a:t>2023/5/5</a:t>
+              <a:t>2023/5/7</a:t>
             </a:fld>
             <a:endParaRPr lang="zh-CN" altLang="en-US"/>
           </a:p>
@@ -883,7 +1249,7 @@
           <a:p>
             <a:fld id="{751B62E5-E2C4-4127-A5CE-30343A701486}" type="datetimeFigureOut">
               <a:rPr lang="zh-CN" altLang="en-US" smtClean="0"/>
-              <a:t>2023/5/5</a:t>
+              <a:t>2023/5/7</a:t>
             </a:fld>
             <a:endParaRPr lang="zh-CN" altLang="en-US"/>
           </a:p>
@@ -1158,7 +1524,7 @@
           <a:p>
             <a:fld id="{751B62E5-E2C4-4127-A5CE-30343A701486}" type="datetimeFigureOut">
               <a:rPr lang="zh-CN" altLang="en-US" smtClean="0"/>
-              <a:t>2023/5/5</a:t>
+              <a:t>2023/5/7</a:t>
             </a:fld>
             <a:endParaRPr lang="zh-CN" altLang="en-US"/>
           </a:p>
@@ -1423,7 +1789,7 @@
           <a:p>
             <a:fld id="{751B62E5-E2C4-4127-A5CE-30343A701486}" type="datetimeFigureOut">
               <a:rPr lang="zh-CN" altLang="en-US" smtClean="0"/>
-              <a:t>2023/5/5</a:t>
+              <a:t>2023/5/7</a:t>
             </a:fld>
             <a:endParaRPr lang="zh-CN" altLang="en-US"/>
           </a:p>
@@ -1835,7 +2201,7 @@
           <a:p>
             <a:fld id="{751B62E5-E2C4-4127-A5CE-30343A701486}" type="datetimeFigureOut">
               <a:rPr lang="zh-CN" altLang="en-US" smtClean="0"/>
-              <a:t>2023/5/5</a:t>
+              <a:t>2023/5/7</a:t>
             </a:fld>
             <a:endParaRPr lang="zh-CN" altLang="en-US"/>
           </a:p>
@@ -1976,7 +2342,7 @@
           <a:p>
             <a:fld id="{751B62E5-E2C4-4127-A5CE-30343A701486}" type="datetimeFigureOut">
               <a:rPr lang="zh-CN" altLang="en-US" smtClean="0"/>
-              <a:t>2023/5/5</a:t>
+              <a:t>2023/5/7</a:t>
             </a:fld>
             <a:endParaRPr lang="zh-CN" altLang="en-US"/>
           </a:p>
@@ -2089,7 +2455,7 @@
           <a:p>
             <a:fld id="{751B62E5-E2C4-4127-A5CE-30343A701486}" type="datetimeFigureOut">
               <a:rPr lang="zh-CN" altLang="en-US" smtClean="0"/>
-              <a:t>2023/5/5</a:t>
+              <a:t>2023/5/7</a:t>
             </a:fld>
             <a:endParaRPr lang="zh-CN" altLang="en-US"/>
           </a:p>
@@ -2400,7 +2766,7 @@
           <a:p>
             <a:fld id="{751B62E5-E2C4-4127-A5CE-30343A701486}" type="datetimeFigureOut">
               <a:rPr lang="zh-CN" altLang="en-US" smtClean="0"/>
-              <a:t>2023/5/5</a:t>
+              <a:t>2023/5/7</a:t>
             </a:fld>
             <a:endParaRPr lang="zh-CN" altLang="en-US"/>
           </a:p>
@@ -2688,7 +3054,7 @@
           <a:p>
             <a:fld id="{751B62E5-E2C4-4127-A5CE-30343A701486}" type="datetimeFigureOut">
               <a:rPr lang="zh-CN" altLang="en-US" smtClean="0"/>
-              <a:t>2023/5/5</a:t>
+              <a:t>2023/5/7</a:t>
             </a:fld>
             <a:endParaRPr lang="zh-CN" altLang="en-US"/>
           </a:p>
@@ -2929,7 +3295,7 @@
           <a:p>
             <a:fld id="{751B62E5-E2C4-4127-A5CE-30343A701486}" type="datetimeFigureOut">
               <a:rPr lang="zh-CN" altLang="en-US" smtClean="0"/>
-              <a:t>2023/5/5</a:t>
+              <a:t>2023/5/7</a:t>
             </a:fld>
             <a:endParaRPr lang="zh-CN" altLang="en-US"/>
           </a:p>
@@ -3364,12 +3730,14 @@
         </p:nvSpPr>
         <p:spPr>
           <a:xfrm>
-            <a:off x="1081481" y="165580"/>
-            <a:ext cx="10515600" cy="1325563"/>
-          </a:xfrm>
-        </p:spPr>
-        <p:txBody>
-          <a:bodyPr/>
+            <a:off x="639098" y="1694502"/>
+            <a:ext cx="10751507" cy="3468995"/>
+          </a:xfrm>
+        </p:spPr>
+        <p:txBody>
+          <a:bodyPr>
+            <a:normAutofit/>
+          </a:bodyPr>
           <a:lstStyle/>
           <a:p>
             <a:pPr algn="ctr"/>
@@ -3377,6 +3745,9 @@
               <a:rPr lang="en-US" altLang="zh-CN" dirty="0"/>
               <a:t>Fake news detection</a:t>
             </a:r>
+            <a:br>
+              <a:rPr lang="en-US" altLang="zh-CN" dirty="0"/>
+            </a:br>
             <a:endParaRPr lang="zh-CN" altLang="en-US" dirty="0"/>
           </a:p>
         </p:txBody>
@@ -3411,94 +3782,148 @@
           <a:chExt cx="0" cy="0"/>
         </a:xfrm>
       </p:grpSpPr>
+      <p:sp>
+        <p:nvSpPr>
+          <p:cNvPr id="2" name="标题 1">
+            <a:extLst>
+              <a:ext uri="{FF2B5EF4-FFF2-40B4-BE49-F238E27FC236}">
+                <a16:creationId xmlns:a16="http://schemas.microsoft.com/office/drawing/2014/main" id="{84189205-60FA-F488-8419-85200DE2C707}"/>
+              </a:ext>
+            </a:extLst>
+          </p:cNvPr>
+          <p:cNvSpPr>
+            <a:spLocks noGrp="1"/>
+          </p:cNvSpPr>
+          <p:nvPr>
+            <p:ph type="title"/>
+          </p:nvPr>
+        </p:nvSpPr>
+        <p:spPr>
+          <a:xfrm>
+            <a:off x="533401" y="1264356"/>
+            <a:ext cx="6064044" cy="4644832"/>
+          </a:xfrm>
+        </p:spPr>
+        <p:txBody>
+          <a:bodyPr>
+            <a:noAutofit/>
+          </a:bodyPr>
+          <a:lstStyle/>
+          <a:p>
+            <a:r>
+              <a:rPr lang="en-US" altLang="zh-CN" sz="2800" dirty="0"/>
+              <a:t>Cluster </a:t>
+            </a:r>
+            <a:r>
+              <a:rPr lang="zh-CN" altLang="en-US" sz="2800" dirty="0"/>
+              <a:t>应用</a:t>
+            </a:r>
+            <a:br>
+              <a:rPr lang="en-US" altLang="zh-CN" sz="2800" dirty="0"/>
+            </a:br>
+            <a:br>
+              <a:rPr lang="en-US" altLang="zh-CN" sz="2800" dirty="0"/>
+            </a:br>
+            <a:br>
+              <a:rPr lang="en-US" altLang="zh-CN" sz="2800" dirty="0"/>
+            </a:br>
+            <a:r>
+              <a:rPr lang="zh-CN" altLang="en-US" sz="2800" dirty="0"/>
+              <a:t>映射到特征空间的准确性</a:t>
+            </a:r>
+            <a:br>
+              <a:rPr lang="en-US" altLang="zh-CN" sz="2800" dirty="0"/>
+            </a:br>
+            <a:br>
+              <a:rPr lang="en-US" altLang="zh-CN" sz="2800" dirty="0"/>
+            </a:br>
+            <a:br>
+              <a:rPr lang="en-US" altLang="zh-CN" sz="2800" dirty="0"/>
+            </a:br>
+            <a:r>
+              <a:rPr lang="zh-CN" altLang="en-US" sz="2800" dirty="0"/>
+              <a:t>将</a:t>
+            </a:r>
+            <a:r>
+              <a:rPr lang="en-US" altLang="zh-CN" sz="2800" dirty="0"/>
+              <a:t>feature</a:t>
+            </a:r>
+            <a:r>
+              <a:rPr lang="zh-CN" altLang="en-US" sz="2800" dirty="0"/>
+              <a:t>区分开来，样本靠近中心</a:t>
+            </a:r>
+          </a:p>
+        </p:txBody>
+      </p:sp>
+      <p:sp>
+        <p:nvSpPr>
+          <p:cNvPr id="3" name="文本框 2">
+            <a:extLst>
+              <a:ext uri="{FF2B5EF4-FFF2-40B4-BE49-F238E27FC236}">
+                <a16:creationId xmlns:a16="http://schemas.microsoft.com/office/drawing/2014/main" id="{27E37B92-6C24-3156-75F5-DEB43A2AD39B}"/>
+              </a:ext>
+            </a:extLst>
+          </p:cNvPr>
+          <p:cNvSpPr txBox="1"/>
+          <p:nvPr/>
+        </p:nvSpPr>
+        <p:spPr>
+          <a:xfrm>
+            <a:off x="4744064" y="511278"/>
+            <a:ext cx="2703871" cy="461665"/>
+          </a:xfrm>
+          <a:prstGeom prst="rect">
+            <a:avLst/>
+          </a:prstGeom>
+          <a:noFill/>
+        </p:spPr>
+        <p:txBody>
+          <a:bodyPr wrap="square" rtlCol="0">
+            <a:spAutoFit/>
+          </a:bodyPr>
+          <a:lstStyle/>
+          <a:p>
+            <a:r>
+              <a:rPr lang="zh-CN" altLang="en-US" sz="2400" dirty="0"/>
+              <a:t>真假新闻夹杂问题</a:t>
+            </a:r>
+          </a:p>
+        </p:txBody>
+      </p:sp>
       <p:pic>
         <p:nvPicPr>
-          <p:cNvPr id="3074" name="Picture 2" descr="LSTM has 4 neural network layers">
-            <a:extLst>
-              <a:ext uri="{FF2B5EF4-FFF2-40B4-BE49-F238E27FC236}">
-                <a16:creationId xmlns:a16="http://schemas.microsoft.com/office/drawing/2014/main" id="{0C422A75-B7DB-62D8-0758-760916B795AE}"/>
+          <p:cNvPr id="5" name="图片 4">
+            <a:extLst>
+              <a:ext uri="{FF2B5EF4-FFF2-40B4-BE49-F238E27FC236}">
+                <a16:creationId xmlns:a16="http://schemas.microsoft.com/office/drawing/2014/main" id="{B51209B2-F442-8C1C-B056-F1A25B124E98}"/>
               </a:ext>
             </a:extLst>
           </p:cNvPr>
           <p:cNvPicPr>
-            <a:picLocks noGrp="1" noChangeAspect="1" noChangeArrowheads="1"/>
+            <a:picLocks noChangeAspect="1"/>
           </p:cNvPicPr>
-          <p:nvPr>
-            <p:ph idx="1"/>
-          </p:nvPr>
+          <p:nvPr/>
         </p:nvPicPr>
         <p:blipFill>
-          <a:blip r:embed="rId2">
-            <a:extLst>
-              <a:ext uri="{28A0092B-C50C-407E-A947-70E740481C1C}">
-                <a14:useLocalDpi xmlns:a14="http://schemas.microsoft.com/office/drawing/2010/main" val="0"/>
-              </a:ext>
-            </a:extLst>
-          </a:blip>
-          <a:srcRect/>
+          <a:blip r:embed="rId2"/>
           <a:stretch>
             <a:fillRect/>
           </a:stretch>
         </p:blipFill>
-        <p:spPr bwMode="auto">
-          <a:xfrm>
-            <a:off x="428358" y="685084"/>
-            <a:ext cx="10214408" cy="4351338"/>
+        <p:spPr>
+          <a:xfrm>
+            <a:off x="6392723" y="1882404"/>
+            <a:ext cx="5265876" cy="2385267"/>
           </a:xfrm>
           <a:prstGeom prst="rect">
             <a:avLst/>
           </a:prstGeom>
-          <a:noFill/>
-          <a:extLst>
-            <a:ext uri="{909E8E84-426E-40DD-AFC4-6F175D3DCCD1}">
-              <a14:hiddenFill xmlns:a14="http://schemas.microsoft.com/office/drawing/2010/main">
-                <a:solidFill>
-                  <a:srgbClr val="FFFFFF"/>
-                </a:solidFill>
-              </a14:hiddenFill>
-            </a:ext>
-          </a:extLst>
         </p:spPr>
       </p:pic>
-      <p:sp>
-        <p:nvSpPr>
-          <p:cNvPr id="4" name="文本框 3">
-            <a:extLst>
-              <a:ext uri="{FF2B5EF4-FFF2-40B4-BE49-F238E27FC236}">
-                <a16:creationId xmlns:a16="http://schemas.microsoft.com/office/drawing/2014/main" id="{B26E2646-CB04-5FC5-CB95-74B749835F0A}"/>
-              </a:ext>
-            </a:extLst>
-          </p:cNvPr>
-          <p:cNvSpPr txBox="1"/>
-          <p:nvPr/>
-        </p:nvSpPr>
-        <p:spPr>
-          <a:xfrm>
-            <a:off x="707922" y="5402204"/>
-            <a:ext cx="2438400" cy="369332"/>
-          </a:xfrm>
-          <a:prstGeom prst="rect">
-            <a:avLst/>
-          </a:prstGeom>
-          <a:noFill/>
-        </p:spPr>
-        <p:txBody>
-          <a:bodyPr wrap="square" rtlCol="0">
-            <a:spAutoFit/>
-          </a:bodyPr>
-          <a:lstStyle/>
-          <a:p>
-            <a:r>
-              <a:rPr lang="zh-CN" altLang="en-US" dirty="0"/>
-              <a:t>储存门 遗忘门</a:t>
-            </a:r>
-          </a:p>
-        </p:txBody>
-      </p:sp>
     </p:spTree>
     <p:extLst>
       <p:ext uri="{BB962C8B-B14F-4D97-AF65-F5344CB8AC3E}">
-        <p14:creationId xmlns:p14="http://schemas.microsoft.com/office/powerpoint/2010/main" val="1113185020"/>
+        <p14:creationId xmlns:p14="http://schemas.microsoft.com/office/powerpoint/2010/main" val="1795189167"/>
       </p:ext>
     </p:extLst>
   </p:cSld>
@@ -3527,45 +3952,123 @@
       </p:grpSpPr>
       <p:sp>
         <p:nvSpPr>
-          <p:cNvPr id="2" name="标题 1">
-            <a:extLst>
-              <a:ext uri="{FF2B5EF4-FFF2-40B4-BE49-F238E27FC236}">
-                <a16:creationId xmlns:a16="http://schemas.microsoft.com/office/drawing/2014/main" id="{615D8FE2-AFEF-50CC-F9D1-896FE503BE33}"/>
-              </a:ext>
-            </a:extLst>
-          </p:cNvPr>
-          <p:cNvSpPr>
-            <a:spLocks noGrp="1"/>
-          </p:cNvSpPr>
-          <p:nvPr>
-            <p:ph type="ctrTitle"/>
-          </p:nvPr>
-        </p:nvSpPr>
-        <p:spPr/>
-        <p:txBody>
-          <a:bodyPr/>
-          <a:lstStyle/>
-          <a:p>
+          <p:cNvPr id="2" name="文本框 1">
+            <a:extLst>
+              <a:ext uri="{FF2B5EF4-FFF2-40B4-BE49-F238E27FC236}">
+                <a16:creationId xmlns:a16="http://schemas.microsoft.com/office/drawing/2014/main" id="{DA59D7FE-7B1C-DDAC-7D18-6CCAFDF35248}"/>
+              </a:ext>
+            </a:extLst>
+          </p:cNvPr>
+          <p:cNvSpPr txBox="1"/>
+          <p:nvPr/>
+        </p:nvSpPr>
+        <p:spPr>
+          <a:xfrm>
+            <a:off x="314633" y="1389167"/>
+            <a:ext cx="5869858" cy="3139321"/>
+          </a:xfrm>
+          <a:prstGeom prst="rect">
+            <a:avLst/>
+          </a:prstGeom>
+          <a:noFill/>
+        </p:spPr>
+        <p:txBody>
+          <a:bodyPr wrap="square" rtlCol="0">
+            <a:spAutoFit/>
+          </a:bodyPr>
+          <a:lstStyle/>
+          <a:p>
+            <a:r>
+              <a:rPr lang="zh-CN" altLang="en-US" dirty="0"/>
+              <a:t>特征提取</a:t>
+            </a:r>
+            <a:endParaRPr lang="en-US" altLang="zh-CN" dirty="0"/>
+          </a:p>
+          <a:p>
+            <a:endParaRPr lang="en-US" altLang="zh-CN" dirty="0"/>
+          </a:p>
+          <a:p>
+            <a:endParaRPr lang="en-US" altLang="zh-CN" dirty="0"/>
+          </a:p>
+          <a:p>
+            <a:r>
+              <a:rPr lang="zh-CN" altLang="en-US" dirty="0"/>
+              <a:t>多源融合</a:t>
+            </a:r>
+            <a:endParaRPr lang="en-US" altLang="zh-CN" dirty="0"/>
+          </a:p>
+          <a:p>
+            <a:endParaRPr lang="en-US" altLang="zh-CN" dirty="0"/>
+          </a:p>
+          <a:p>
+            <a:endParaRPr lang="en-US" altLang="zh-CN" dirty="0"/>
+          </a:p>
+          <a:p>
+            <a:r>
+              <a:rPr lang="zh-CN" altLang="en-US" dirty="0"/>
+              <a:t>计算</a:t>
+            </a:r>
             <a:r>
               <a:rPr lang="en-US" altLang="zh-CN" dirty="0"/>
-              <a:t>Dataset(</a:t>
+              <a:t>loss (</a:t>
             </a:r>
             <a:r>
               <a:rPr lang="zh-CN" altLang="en-US" dirty="0"/>
-              <a:t>数据集准备</a:t>
+              <a:t>交叉熵</a:t>
             </a:r>
             <a:r>
               <a:rPr lang="en-US" altLang="zh-CN" dirty="0"/>
               <a:t>)</a:t>
             </a:r>
+          </a:p>
+          <a:p>
+            <a:endParaRPr lang="en-US" altLang="zh-CN" dirty="0"/>
+          </a:p>
+          <a:p>
+            <a:endParaRPr lang="en-US" altLang="zh-CN" dirty="0"/>
+          </a:p>
+          <a:p>
+            <a:endParaRPr lang="en-US" altLang="zh-CN" dirty="0"/>
+          </a:p>
+          <a:p>
             <a:endParaRPr lang="zh-CN" altLang="en-US" dirty="0"/>
           </a:p>
         </p:txBody>
       </p:sp>
+      <p:pic>
+        <p:nvPicPr>
+          <p:cNvPr id="4" name="图片 3">
+            <a:extLst>
+              <a:ext uri="{FF2B5EF4-FFF2-40B4-BE49-F238E27FC236}">
+                <a16:creationId xmlns:a16="http://schemas.microsoft.com/office/drawing/2014/main" id="{B449C246-AABB-7625-E116-77C7F4788EC4}"/>
+              </a:ext>
+            </a:extLst>
+          </p:cNvPr>
+          <p:cNvPicPr>
+            <a:picLocks noChangeAspect="1"/>
+          </p:cNvPicPr>
+          <p:nvPr/>
+        </p:nvPicPr>
+        <p:blipFill>
+          <a:blip r:embed="rId2"/>
+          <a:stretch>
+            <a:fillRect/>
+          </a:stretch>
+        </p:blipFill>
+        <p:spPr>
+          <a:xfrm>
+            <a:off x="3130676" y="717757"/>
+            <a:ext cx="8614043" cy="4751076"/>
+          </a:xfrm>
+          <a:prstGeom prst="rect">
+            <a:avLst/>
+          </a:prstGeom>
+        </p:spPr>
+      </p:pic>
     </p:spTree>
     <p:extLst>
       <p:ext uri="{BB962C8B-B14F-4D97-AF65-F5344CB8AC3E}">
-        <p14:creationId xmlns:p14="http://schemas.microsoft.com/office/powerpoint/2010/main" val="1215891234"/>
+        <p14:creationId xmlns:p14="http://schemas.microsoft.com/office/powerpoint/2010/main" val="226524898"/>
       </p:ext>
     </p:extLst>
   </p:cSld>
@@ -3592,70 +4095,118 @@
           <a:chExt cx="0" cy="0"/>
         </a:xfrm>
       </p:grpSpPr>
-      <p:pic>
-        <p:nvPicPr>
-          <p:cNvPr id="6" name="图片 5">
-            <a:extLst>
-              <a:ext uri="{FF2B5EF4-FFF2-40B4-BE49-F238E27FC236}">
-                <a16:creationId xmlns:a16="http://schemas.microsoft.com/office/drawing/2014/main" id="{463D15C5-1DF8-E76B-28AB-5FEB779FC934}"/>
-              </a:ext>
-            </a:extLst>
-          </p:cNvPr>
-          <p:cNvPicPr>
-            <a:picLocks noChangeAspect="1"/>
-          </p:cNvPicPr>
-          <p:nvPr/>
-        </p:nvPicPr>
-        <p:blipFill>
-          <a:blip r:embed="rId2"/>
-          <a:stretch>
-            <a:fillRect/>
-          </a:stretch>
-        </p:blipFill>
-        <p:spPr>
-          <a:xfrm>
-            <a:off x="954077" y="2026479"/>
-            <a:ext cx="6134632" cy="4496190"/>
-          </a:xfrm>
-          <a:prstGeom prst="rect">
-            <a:avLst/>
-          </a:prstGeom>
-        </p:spPr>
-      </p:pic>
-      <p:pic>
-        <p:nvPicPr>
-          <p:cNvPr id="10" name="图片 9">
-            <a:extLst>
-              <a:ext uri="{FF2B5EF4-FFF2-40B4-BE49-F238E27FC236}">
-                <a16:creationId xmlns:a16="http://schemas.microsoft.com/office/drawing/2014/main" id="{C834D18F-93C6-2CA9-FBFF-0D74973F0D0D}"/>
-              </a:ext>
-            </a:extLst>
-          </p:cNvPr>
-          <p:cNvPicPr>
-            <a:picLocks noChangeAspect="1"/>
-          </p:cNvPicPr>
-          <p:nvPr/>
-        </p:nvPicPr>
-        <p:blipFill>
-          <a:blip r:embed="rId3"/>
-          <a:stretch>
-            <a:fillRect/>
-          </a:stretch>
-        </p:blipFill>
-        <p:spPr>
-          <a:xfrm>
-            <a:off x="4523507" y="258245"/>
-            <a:ext cx="7254869" cy="5082980"/>
-          </a:xfrm>
-          <a:prstGeom prst="rect">
-            <a:avLst/>
-          </a:prstGeom>
-        </p:spPr>
-      </p:pic>
+      <p:sp>
+        <p:nvSpPr>
+          <p:cNvPr id="2" name="标题 1">
+            <a:extLst>
+              <a:ext uri="{FF2B5EF4-FFF2-40B4-BE49-F238E27FC236}">
+                <a16:creationId xmlns:a16="http://schemas.microsoft.com/office/drawing/2014/main" id="{5126CF99-FF6A-ECE2-3838-0CF114B2033A}"/>
+              </a:ext>
+            </a:extLst>
+          </p:cNvPr>
+          <p:cNvSpPr>
+            <a:spLocks noGrp="1"/>
+          </p:cNvSpPr>
+          <p:nvPr>
+            <p:ph type="title"/>
+          </p:nvPr>
+        </p:nvSpPr>
+        <p:spPr/>
+        <p:txBody>
+          <a:bodyPr>
+            <a:normAutofit/>
+          </a:bodyPr>
+          <a:lstStyle/>
+          <a:p>
+            <a:pPr algn="ctr"/>
+            <a:r>
+              <a:rPr lang="zh-CN" altLang="en-US" sz="3600" dirty="0"/>
+              <a:t>数据类型</a:t>
+            </a:r>
+            <a:r>
+              <a:rPr lang="en-US" altLang="zh-CN" sz="3600" dirty="0"/>
+              <a:t>:</a:t>
+            </a:r>
+            <a:endParaRPr lang="zh-CN" altLang="en-US" sz="3600" dirty="0"/>
+          </a:p>
+        </p:txBody>
+      </p:sp>
+      <p:sp>
+        <p:nvSpPr>
+          <p:cNvPr id="3" name="内容占位符 2">
+            <a:extLst>
+              <a:ext uri="{FF2B5EF4-FFF2-40B4-BE49-F238E27FC236}">
+                <a16:creationId xmlns:a16="http://schemas.microsoft.com/office/drawing/2014/main" id="{7B23CCF7-AEDC-CA28-DB25-D8066C988AC7}"/>
+              </a:ext>
+            </a:extLst>
+          </p:cNvPr>
+          <p:cNvSpPr>
+            <a:spLocks noGrp="1"/>
+          </p:cNvSpPr>
+          <p:nvPr>
+            <p:ph idx="1"/>
+          </p:nvPr>
+        </p:nvSpPr>
+        <p:spPr/>
+        <p:txBody>
+          <a:bodyPr/>
+          <a:lstStyle/>
+          <a:p>
+            <a:endParaRPr lang="en-US" altLang="zh-CN" sz="2800" dirty="0"/>
+          </a:p>
+          <a:p>
+            <a:endParaRPr lang="en-US" altLang="zh-CN" dirty="0"/>
+          </a:p>
+          <a:p>
+            <a:r>
+              <a:rPr lang="zh-CN" altLang="en-US" sz="2800" dirty="0"/>
+              <a:t> 报告类数据</a:t>
+            </a:r>
+            <a:r>
+              <a:rPr lang="en-US" altLang="zh-CN" sz="2800" dirty="0"/>
+              <a:t>: </a:t>
+            </a:r>
+            <a:r>
+              <a:rPr lang="zh-CN" altLang="en-US" dirty="0"/>
+              <a:t>长篇文本</a:t>
+            </a:r>
+            <a:endParaRPr lang="en-US" altLang="zh-CN" sz="2800" dirty="0"/>
+          </a:p>
+          <a:p>
+            <a:endParaRPr lang="en-US" altLang="zh-CN" dirty="0"/>
+          </a:p>
+          <a:p>
+            <a:endParaRPr lang="en-US" altLang="zh-CN" sz="2800" dirty="0"/>
+          </a:p>
+          <a:p>
+            <a:r>
+              <a:rPr lang="zh-CN" altLang="en-US" sz="2800" dirty="0"/>
+              <a:t>历史类数据</a:t>
+            </a:r>
+            <a:r>
+              <a:rPr lang="en-US" altLang="zh-CN" sz="2800" dirty="0"/>
+              <a:t>: </a:t>
+            </a:r>
+            <a:r>
+              <a:rPr lang="zh-CN" altLang="en-US" sz="2800" dirty="0"/>
+              <a:t>非文本</a:t>
+            </a:r>
+            <a:r>
+              <a:rPr lang="en-US" altLang="zh-CN" sz="2800" dirty="0"/>
+              <a:t>,</a:t>
+            </a:r>
+            <a:r>
+              <a:rPr lang="zh-CN" altLang="en-US" sz="2800" dirty="0"/>
+              <a:t>以作者历史数据分为五类，以数据形式呈现</a:t>
+            </a:r>
+            <a:endParaRPr lang="zh-CN" altLang="en-US" dirty="0"/>
+          </a:p>
+        </p:txBody>
+      </p:sp>
     </p:spTree>
     <p:extLst>
       <p:ext uri="{BB962C8B-B14F-4D97-AF65-F5344CB8AC3E}">
-        <p14:creationId xmlns:p14="http://schemas.microsoft.com/office/powerpoint/2010/main" val="2119905817"/>
+        <p14:creationId xmlns:p14="http://schemas.microsoft.com/office/powerpoint/2010/main" val="1449692536"/>
       </p:ext>
     </p:extLst>
   </p:cSld>
@@ -3682,12 +4233,54 @@
           <a:chExt cx="0" cy="0"/>
         </a:xfrm>
       </p:grpSpPr>
+      <p:sp>
+        <p:nvSpPr>
+          <p:cNvPr id="3" name="副标题 2">
+            <a:extLst>
+              <a:ext uri="{FF2B5EF4-FFF2-40B4-BE49-F238E27FC236}">
+                <a16:creationId xmlns:a16="http://schemas.microsoft.com/office/drawing/2014/main" id="{03C3AE35-A340-AC9E-AF74-842A17FAF6E0}"/>
+              </a:ext>
+            </a:extLst>
+          </p:cNvPr>
+          <p:cNvSpPr>
+            <a:spLocks noGrp="1"/>
+          </p:cNvSpPr>
+          <p:nvPr>
+            <p:ph type="subTitle" idx="1"/>
+          </p:nvPr>
+        </p:nvSpPr>
+        <p:spPr>
+          <a:xfrm>
+            <a:off x="1818969" y="481781"/>
+            <a:ext cx="8034670" cy="997117"/>
+          </a:xfrm>
+        </p:spPr>
+        <p:txBody>
+          <a:bodyPr>
+            <a:normAutofit fontScale="92500" lnSpcReduction="10000"/>
+          </a:bodyPr>
+          <a:lstStyle/>
+          <a:p>
+            <a:r>
+              <a:rPr lang="en-US" altLang="zh-CN" sz="3200" dirty="0"/>
+              <a:t>Compare With </a:t>
+            </a:r>
+          </a:p>
+          <a:p>
+            <a:r>
+              <a:rPr lang="en-US" altLang="zh-CN" sz="3200" dirty="0"/>
+              <a:t>Traditional Machine Learning methods </a:t>
+            </a:r>
+            <a:endParaRPr lang="zh-CN" altLang="en-US" sz="3200" dirty="0"/>
+          </a:p>
+        </p:txBody>
+      </p:sp>
       <p:pic>
         <p:nvPicPr>
-          <p:cNvPr id="5" name="图片 4">
-            <a:extLst>
-              <a:ext uri="{FF2B5EF4-FFF2-40B4-BE49-F238E27FC236}">
-                <a16:creationId xmlns:a16="http://schemas.microsoft.com/office/drawing/2014/main" id="{F62DBCA9-1FAB-104F-CA02-0E0E97AC587B}"/>
+          <p:cNvPr id="4" name="图片 3">
+            <a:extLst>
+              <a:ext uri="{FF2B5EF4-FFF2-40B4-BE49-F238E27FC236}">
+                <a16:creationId xmlns:a16="http://schemas.microsoft.com/office/drawing/2014/main" id="{45C6D931-C752-6700-4C1A-24B4D9063FCD}"/>
               </a:ext>
             </a:extLst>
           </p:cNvPr>
@@ -3704,48 +4297,60 @@
         </p:blipFill>
         <p:spPr>
           <a:xfrm>
-            <a:off x="1179871" y="1417600"/>
-            <a:ext cx="6357257" cy="4844820"/>
+            <a:off x="1818969" y="1895555"/>
+            <a:ext cx="6891387" cy="4480664"/>
           </a:xfrm>
           <a:prstGeom prst="rect">
             <a:avLst/>
           </a:prstGeom>
         </p:spPr>
       </p:pic>
-      <p:pic>
-        <p:nvPicPr>
-          <p:cNvPr id="6" name="图片 5">
-            <a:extLst>
-              <a:ext uri="{FF2B5EF4-FFF2-40B4-BE49-F238E27FC236}">
-                <a16:creationId xmlns:a16="http://schemas.microsoft.com/office/drawing/2014/main" id="{EBD55A02-888D-064C-A945-CF28786FA292}"/>
-              </a:ext>
-            </a:extLst>
-          </p:cNvPr>
-          <p:cNvPicPr>
-            <a:picLocks noChangeAspect="1"/>
-          </p:cNvPicPr>
+      <p:sp>
+        <p:nvSpPr>
+          <p:cNvPr id="5" name="文本框 4">
+            <a:extLst>
+              <a:ext uri="{FF2B5EF4-FFF2-40B4-BE49-F238E27FC236}">
+                <a16:creationId xmlns:a16="http://schemas.microsoft.com/office/drawing/2014/main" id="{3A48D04A-91E3-2852-4F86-43E13A4BBD4C}"/>
+              </a:ext>
+            </a:extLst>
+          </p:cNvPr>
+          <p:cNvSpPr txBox="1"/>
           <p:nvPr/>
-        </p:nvPicPr>
-        <p:blipFill>
-          <a:blip r:embed="rId3"/>
-          <a:stretch>
-            <a:fillRect/>
-          </a:stretch>
-        </p:blipFill>
-        <p:spPr>
-          <a:xfrm>
-            <a:off x="5057969" y="664465"/>
-            <a:ext cx="7058002" cy="3897703"/>
+        </p:nvSpPr>
+        <p:spPr>
+          <a:xfrm>
+            <a:off x="9589479" y="2021840"/>
+            <a:ext cx="1810041" cy="646331"/>
           </a:xfrm>
           <a:prstGeom prst="rect">
             <a:avLst/>
           </a:prstGeom>
-        </p:spPr>
-      </p:pic>
+          <a:noFill/>
+        </p:spPr>
+        <p:txBody>
+          <a:bodyPr wrap="square" rtlCol="0">
+            <a:spAutoFit/>
+          </a:bodyPr>
+          <a:lstStyle/>
+          <a:p>
+            <a:r>
+              <a:rPr lang="en-US" altLang="zh-CN" dirty="0"/>
+              <a:t>random</a:t>
+            </a:r>
+          </a:p>
+          <a:p>
+            <a:r>
+              <a:rPr lang="en-US" altLang="zh-CN" dirty="0"/>
+              <a:t>majority</a:t>
+            </a:r>
+            <a:endParaRPr lang="zh-CN" altLang="en-US" dirty="0"/>
+          </a:p>
+        </p:txBody>
+      </p:sp>
     </p:spTree>
     <p:extLst>
       <p:ext uri="{BB962C8B-B14F-4D97-AF65-F5344CB8AC3E}">
-        <p14:creationId xmlns:p14="http://schemas.microsoft.com/office/powerpoint/2010/main" val="3516153449"/>
+        <p14:creationId xmlns:p14="http://schemas.microsoft.com/office/powerpoint/2010/main" val="380577017"/>
       </p:ext>
     </p:extLst>
   </p:cSld>
@@ -3774,10 +4379,10 @@
       </p:grpSpPr>
       <p:pic>
         <p:nvPicPr>
-          <p:cNvPr id="6" name="图片 5">
-            <a:extLst>
-              <a:ext uri="{FF2B5EF4-FFF2-40B4-BE49-F238E27FC236}">
-                <a16:creationId xmlns:a16="http://schemas.microsoft.com/office/drawing/2014/main" id="{D22B91C6-6F8D-D477-166E-D3971E37755F}"/>
+          <p:cNvPr id="3" name="图片 2">
+            <a:extLst>
+              <a:ext uri="{FF2B5EF4-FFF2-40B4-BE49-F238E27FC236}">
+                <a16:creationId xmlns:a16="http://schemas.microsoft.com/office/drawing/2014/main" id="{A7F26AB2-214B-00EF-061A-A4DC8F5E409B}"/>
               </a:ext>
             </a:extLst>
           </p:cNvPr>
@@ -3794,48 +4399,135 @@
         </p:blipFill>
         <p:spPr>
           <a:xfrm>
-            <a:off x="927220" y="990362"/>
-            <a:ext cx="7643522" cy="5486875"/>
+            <a:off x="6207760" y="1154601"/>
+            <a:ext cx="5544457" cy="4548798"/>
           </a:xfrm>
           <a:prstGeom prst="rect">
             <a:avLst/>
           </a:prstGeom>
         </p:spPr>
       </p:pic>
-      <p:pic>
-        <p:nvPicPr>
-          <p:cNvPr id="8" name="图片 7">
-            <a:extLst>
-              <a:ext uri="{FF2B5EF4-FFF2-40B4-BE49-F238E27FC236}">
-                <a16:creationId xmlns:a16="http://schemas.microsoft.com/office/drawing/2014/main" id="{B565E974-C005-57A5-8335-7185AA3E85A0}"/>
-              </a:ext>
-            </a:extLst>
-          </p:cNvPr>
-          <p:cNvPicPr>
-            <a:picLocks noChangeAspect="1"/>
-          </p:cNvPicPr>
+      <p:sp>
+        <p:nvSpPr>
+          <p:cNvPr id="8" name="文本框 7">
+            <a:extLst>
+              <a:ext uri="{FF2B5EF4-FFF2-40B4-BE49-F238E27FC236}">
+                <a16:creationId xmlns:a16="http://schemas.microsoft.com/office/drawing/2014/main" id="{B10F24A9-F4E2-C8A3-2AC8-F0D344CD0E94}"/>
+              </a:ext>
+            </a:extLst>
+          </p:cNvPr>
+          <p:cNvSpPr txBox="1"/>
           <p:nvPr/>
-        </p:nvPicPr>
-        <p:blipFill>
-          <a:blip r:embed="rId3"/>
-          <a:stretch>
-            <a:fillRect/>
-          </a:stretch>
-        </p:blipFill>
-        <p:spPr>
-          <a:xfrm>
-            <a:off x="550606" y="2320412"/>
-            <a:ext cx="11390739" cy="3547225"/>
+        </p:nvSpPr>
+        <p:spPr>
+          <a:xfrm>
+            <a:off x="762000" y="568960"/>
+            <a:ext cx="4185920" cy="369332"/>
           </a:xfrm>
           <a:prstGeom prst="rect">
             <a:avLst/>
           </a:prstGeom>
-        </p:spPr>
-      </p:pic>
+          <a:noFill/>
+        </p:spPr>
+        <p:txBody>
+          <a:bodyPr wrap="square" rtlCol="0">
+            <a:spAutoFit/>
+          </a:bodyPr>
+          <a:lstStyle/>
+          <a:p>
+            <a:r>
+              <a:rPr lang="en-US" altLang="zh-CN" dirty="0"/>
+              <a:t>Wang’s model</a:t>
+            </a:r>
+            <a:endParaRPr lang="zh-CN" altLang="en-US" dirty="0"/>
+          </a:p>
+        </p:txBody>
+      </p:sp>
+      <p:sp>
+        <p:nvSpPr>
+          <p:cNvPr id="10" name="文本框 9">
+            <a:extLst>
+              <a:ext uri="{FF2B5EF4-FFF2-40B4-BE49-F238E27FC236}">
+                <a16:creationId xmlns:a16="http://schemas.microsoft.com/office/drawing/2014/main" id="{7C0D86A3-1452-1685-3094-3916F66E14F6}"/>
+              </a:ext>
+            </a:extLst>
+          </p:cNvPr>
+          <p:cNvSpPr txBox="1"/>
+          <p:nvPr/>
+        </p:nvSpPr>
+        <p:spPr>
+          <a:xfrm>
+            <a:off x="223520" y="1398955"/>
+            <a:ext cx="6096000" cy="646331"/>
+          </a:xfrm>
+          <a:prstGeom prst="rect">
+            <a:avLst/>
+          </a:prstGeom>
+          <a:noFill/>
+        </p:spPr>
+        <p:txBody>
+          <a:bodyPr wrap="square">
+            <a:spAutoFit/>
+          </a:bodyPr>
+          <a:lstStyle/>
+          <a:p>
+            <a:r>
+              <a:rPr lang="en-US" altLang="zh-CN" dirty="0"/>
+              <a:t>“Liar, Liar Pants on Fire”: A New Benchmark Dataset for Fake News Detection - ACL Anthology</a:t>
+            </a:r>
+            <a:endParaRPr lang="zh-CN" altLang="en-US" dirty="0"/>
+          </a:p>
+        </p:txBody>
+      </p:sp>
+      <p:sp>
+        <p:nvSpPr>
+          <p:cNvPr id="11" name="文本框 10">
+            <a:extLst>
+              <a:ext uri="{FF2B5EF4-FFF2-40B4-BE49-F238E27FC236}">
+                <a16:creationId xmlns:a16="http://schemas.microsoft.com/office/drawing/2014/main" id="{43DD50EE-62C5-74CB-EA3E-4BCE1E8276A3}"/>
+              </a:ext>
+            </a:extLst>
+          </p:cNvPr>
+          <p:cNvSpPr txBox="1"/>
+          <p:nvPr/>
+        </p:nvSpPr>
+        <p:spPr>
+          <a:xfrm>
+            <a:off x="304800" y="3429000"/>
+            <a:ext cx="4287520" cy="923330"/>
+          </a:xfrm>
+          <a:prstGeom prst="rect">
+            <a:avLst/>
+          </a:prstGeom>
+          <a:noFill/>
+        </p:spPr>
+        <p:txBody>
+          <a:bodyPr wrap="square" rtlCol="0">
+            <a:spAutoFit/>
+          </a:bodyPr>
+          <a:lstStyle/>
+          <a:p>
+            <a:r>
+              <a:rPr lang="en-US" altLang="zh-CN" dirty="0"/>
+              <a:t>Bidirectional-LSTM:</a:t>
+            </a:r>
+          </a:p>
+          <a:p>
+            <a:endParaRPr lang="en-US" altLang="zh-CN" dirty="0"/>
+          </a:p>
+          <a:p>
+            <a:r>
+              <a:rPr lang="en-US" altLang="zh-CN" dirty="0"/>
+              <a:t>metadata</a:t>
+            </a:r>
+            <a:endParaRPr lang="zh-CN" altLang="en-US" dirty="0"/>
+          </a:p>
+        </p:txBody>
+      </p:sp>
     </p:spTree>
     <p:extLst>
       <p:ext uri="{BB962C8B-B14F-4D97-AF65-F5344CB8AC3E}">
-        <p14:creationId xmlns:p14="http://schemas.microsoft.com/office/powerpoint/2010/main" val="3517391363"/>
+        <p14:creationId xmlns:p14="http://schemas.microsoft.com/office/powerpoint/2010/main" val="1791230757"/>
       </p:ext>
     </p:extLst>
   </p:cSld>
@@ -3862,12 +4554,149 @@
           <a:chExt cx="0" cy="0"/>
         </a:xfrm>
       </p:grpSpPr>
+      <p:sp>
+        <p:nvSpPr>
+          <p:cNvPr id="2" name="文本框 1">
+            <a:extLst>
+              <a:ext uri="{FF2B5EF4-FFF2-40B4-BE49-F238E27FC236}">
+                <a16:creationId xmlns:a16="http://schemas.microsoft.com/office/drawing/2014/main" id="{58A1F3F9-C7A6-8F1D-2750-D353045CBC60}"/>
+              </a:ext>
+            </a:extLst>
+          </p:cNvPr>
+          <p:cNvSpPr txBox="1"/>
+          <p:nvPr/>
+        </p:nvSpPr>
+        <p:spPr>
+          <a:xfrm>
+            <a:off x="2733040" y="243840"/>
+            <a:ext cx="5608320" cy="369332"/>
+          </a:xfrm>
+          <a:prstGeom prst="rect">
+            <a:avLst/>
+          </a:prstGeom>
+          <a:noFill/>
+        </p:spPr>
+        <p:txBody>
+          <a:bodyPr wrap="square" rtlCol="0">
+            <a:spAutoFit/>
+          </a:bodyPr>
+          <a:lstStyle/>
+          <a:p>
+            <a:pPr algn="ctr"/>
+            <a:r>
+              <a:rPr lang="zh-CN" altLang="en-US" dirty="0"/>
+              <a:t>模型模块优化</a:t>
+            </a:r>
+          </a:p>
+        </p:txBody>
+      </p:sp>
+      <p:sp>
+        <p:nvSpPr>
+          <p:cNvPr id="3" name="文本框 2">
+            <a:extLst>
+              <a:ext uri="{FF2B5EF4-FFF2-40B4-BE49-F238E27FC236}">
+                <a16:creationId xmlns:a16="http://schemas.microsoft.com/office/drawing/2014/main" id="{67E536EA-C75E-EB3D-8375-3FE380D5E0F4}"/>
+              </a:ext>
+            </a:extLst>
+          </p:cNvPr>
+          <p:cNvSpPr txBox="1"/>
+          <p:nvPr/>
+        </p:nvSpPr>
+        <p:spPr>
+          <a:xfrm>
+            <a:off x="1391920" y="1305341"/>
+            <a:ext cx="8290560" cy="4524315"/>
+          </a:xfrm>
+          <a:prstGeom prst="rect">
+            <a:avLst/>
+          </a:prstGeom>
+          <a:noFill/>
+        </p:spPr>
+        <p:txBody>
+          <a:bodyPr wrap="square" rtlCol="0">
+            <a:spAutoFit/>
+          </a:bodyPr>
+          <a:lstStyle/>
+          <a:p>
+            <a:r>
+              <a:rPr lang="zh-CN" altLang="en-US" dirty="0"/>
+              <a:t>模块一：</a:t>
+            </a:r>
+            <a:endParaRPr lang="en-US" altLang="zh-CN" dirty="0"/>
+          </a:p>
+          <a:p>
+            <a:r>
+              <a:rPr lang="zh-CN" altLang="en-US" dirty="0"/>
+              <a:t>特征提取部分替换成其他算法</a:t>
+            </a:r>
+            <a:endParaRPr lang="en-US" altLang="zh-CN" dirty="0"/>
+          </a:p>
+          <a:p>
+            <a:endParaRPr lang="en-US" altLang="zh-CN" dirty="0"/>
+          </a:p>
+          <a:p>
+            <a:endParaRPr lang="en-US" altLang="zh-CN" dirty="0"/>
+          </a:p>
+          <a:p>
+            <a:r>
+              <a:rPr lang="zh-CN" altLang="en-US" dirty="0"/>
+              <a:t>模块二：</a:t>
+            </a:r>
+            <a:endParaRPr lang="en-US" altLang="zh-CN" dirty="0"/>
+          </a:p>
+          <a:p>
+            <a:r>
+              <a:rPr lang="zh-CN" altLang="en-US" dirty="0"/>
+              <a:t>来源分析，使用同样权重</a:t>
+            </a:r>
+            <a:endParaRPr lang="en-US" altLang="zh-CN" dirty="0"/>
+          </a:p>
+          <a:p>
+            <a:endParaRPr lang="en-US" altLang="zh-CN" dirty="0"/>
+          </a:p>
+          <a:p>
+            <a:endParaRPr lang="en-US" altLang="zh-CN" dirty="0"/>
+          </a:p>
+          <a:p>
+            <a:endParaRPr lang="en-US" altLang="zh-CN" dirty="0"/>
+          </a:p>
+          <a:p>
+            <a:r>
+              <a:rPr lang="zh-CN" altLang="en-US" dirty="0"/>
+              <a:t>模块三：</a:t>
+            </a:r>
+            <a:endParaRPr lang="en-US" altLang="zh-CN" dirty="0"/>
+          </a:p>
+          <a:p>
+            <a:r>
+              <a:rPr lang="zh-CN" altLang="en-US" dirty="0"/>
+              <a:t>虚假性辨别分类器替换</a:t>
+            </a:r>
+            <a:endParaRPr lang="en-US" altLang="zh-CN" dirty="0"/>
+          </a:p>
+          <a:p>
+            <a:endParaRPr lang="en-US" altLang="zh-CN" dirty="0"/>
+          </a:p>
+          <a:p>
+            <a:endParaRPr lang="en-US" altLang="zh-CN" dirty="0"/>
+          </a:p>
+          <a:p>
+            <a:endParaRPr lang="en-US" altLang="zh-CN" dirty="0"/>
+          </a:p>
+          <a:p>
+            <a:endParaRPr lang="en-US" altLang="zh-CN" dirty="0"/>
+          </a:p>
+          <a:p>
+            <a:endParaRPr lang="zh-CN" altLang="en-US" dirty="0"/>
+          </a:p>
+        </p:txBody>
+      </p:sp>
       <p:pic>
         <p:nvPicPr>
           <p:cNvPr id="5" name="图片 4">
             <a:extLst>
               <a:ext uri="{FF2B5EF4-FFF2-40B4-BE49-F238E27FC236}">
-                <a16:creationId xmlns:a16="http://schemas.microsoft.com/office/drawing/2014/main" id="{D12A441D-8203-A31D-AC26-96C764EB5937}"/>
+                <a16:creationId xmlns:a16="http://schemas.microsoft.com/office/drawing/2014/main" id="{5279BF98-0568-C720-45EB-96E15B2C063B}"/>
               </a:ext>
             </a:extLst>
           </p:cNvPr>
@@ -3884,8 +4713,8 @@
         </p:blipFill>
         <p:spPr>
           <a:xfrm>
-            <a:off x="1193597" y="277857"/>
-            <a:ext cx="9411516" cy="6302286"/>
+            <a:off x="5110479" y="1662962"/>
+            <a:ext cx="6903305" cy="3809072"/>
           </a:xfrm>
           <a:prstGeom prst="rect">
             <a:avLst/>
@@ -3895,7 +4724,7 @@
     </p:spTree>
     <p:extLst>
       <p:ext uri="{BB962C8B-B14F-4D97-AF65-F5344CB8AC3E}">
-        <p14:creationId xmlns:p14="http://schemas.microsoft.com/office/powerpoint/2010/main" val="298512034"/>
+        <p14:creationId xmlns:p14="http://schemas.microsoft.com/office/powerpoint/2010/main" val="1936535814"/>
       </p:ext>
     </p:extLst>
   </p:cSld>
@@ -3922,40 +4751,135 @@
           <a:chExt cx="0" cy="0"/>
         </a:xfrm>
       </p:grpSpPr>
-      <p:pic>
-        <p:nvPicPr>
-          <p:cNvPr id="5" name="图片 4">
-            <a:extLst>
-              <a:ext uri="{FF2B5EF4-FFF2-40B4-BE49-F238E27FC236}">
-                <a16:creationId xmlns:a16="http://schemas.microsoft.com/office/drawing/2014/main" id="{0EB585C8-0509-92E5-F6C1-414DA206B297}"/>
-              </a:ext>
-            </a:extLst>
-          </p:cNvPr>
-          <p:cNvPicPr>
-            <a:picLocks noChangeAspect="1"/>
-          </p:cNvPicPr>
+      <p:sp>
+        <p:nvSpPr>
+          <p:cNvPr id="2" name="文本框 1">
+            <a:extLst>
+              <a:ext uri="{FF2B5EF4-FFF2-40B4-BE49-F238E27FC236}">
+                <a16:creationId xmlns:a16="http://schemas.microsoft.com/office/drawing/2014/main" id="{B71BBB28-7839-ABFD-7452-D1C3D62DC6E4}"/>
+              </a:ext>
+            </a:extLst>
+          </p:cNvPr>
+          <p:cNvSpPr txBox="1"/>
           <p:nvPr/>
-        </p:nvPicPr>
-        <p:blipFill>
-          <a:blip r:embed="rId2"/>
-          <a:stretch>
-            <a:fillRect/>
-          </a:stretch>
-        </p:blipFill>
-        <p:spPr>
-          <a:xfrm>
-            <a:off x="629766" y="698091"/>
-            <a:ext cx="9041327" cy="3313470"/>
+        </p:nvSpPr>
+        <p:spPr>
+          <a:xfrm>
+            <a:off x="796413" y="442452"/>
+            <a:ext cx="2723536" cy="646331"/>
           </a:xfrm>
           <a:prstGeom prst="rect">
             <a:avLst/>
           </a:prstGeom>
-        </p:spPr>
-      </p:pic>
+          <a:noFill/>
+        </p:spPr>
+        <p:txBody>
+          <a:bodyPr wrap="square" rtlCol="0">
+            <a:spAutoFit/>
+          </a:bodyPr>
+          <a:lstStyle/>
+          <a:p>
+            <a:r>
+              <a:rPr lang="zh-CN" altLang="en-US" sz="3600" dirty="0"/>
+              <a:t>存在问题：</a:t>
+            </a:r>
+          </a:p>
+        </p:txBody>
+      </p:sp>
+      <p:sp>
+        <p:nvSpPr>
+          <p:cNvPr id="4" name="文本框 3">
+            <a:extLst>
+              <a:ext uri="{FF2B5EF4-FFF2-40B4-BE49-F238E27FC236}">
+                <a16:creationId xmlns:a16="http://schemas.microsoft.com/office/drawing/2014/main" id="{076BBF96-BD40-3543-134B-EF54C20C336B}"/>
+              </a:ext>
+            </a:extLst>
+          </p:cNvPr>
+          <p:cNvSpPr txBox="1"/>
+          <p:nvPr/>
+        </p:nvSpPr>
+        <p:spPr>
+          <a:xfrm>
+            <a:off x="3165987" y="1275541"/>
+            <a:ext cx="6980903" cy="3416320"/>
+          </a:xfrm>
+          <a:prstGeom prst="rect">
+            <a:avLst/>
+          </a:prstGeom>
+          <a:noFill/>
+        </p:spPr>
+        <p:txBody>
+          <a:bodyPr wrap="square" rtlCol="0">
+            <a:spAutoFit/>
+          </a:bodyPr>
+          <a:lstStyle/>
+          <a:p>
+            <a:r>
+              <a:rPr lang="en-US" altLang="zh-CN" dirty="0"/>
+              <a:t>1.</a:t>
+            </a:r>
+          </a:p>
+          <a:p>
+            <a:endParaRPr lang="en-US" altLang="zh-CN" dirty="0"/>
+          </a:p>
+          <a:p>
+            <a:r>
+              <a:rPr lang="zh-CN" altLang="en-US" dirty="0"/>
+              <a:t>对于小数据</a:t>
+            </a:r>
+            <a:r>
+              <a:rPr lang="en-US" altLang="zh-CN" dirty="0"/>
+              <a:t>,</a:t>
+            </a:r>
+            <a:r>
+              <a:rPr lang="zh-CN" altLang="en-US" dirty="0"/>
+              <a:t>篇幅较短新闻分类效果避险得分较低</a:t>
+            </a:r>
+            <a:r>
+              <a:rPr lang="en-US" altLang="zh-CN" dirty="0"/>
+              <a:t>(statement , writer’s profile)</a:t>
+            </a:r>
+          </a:p>
+          <a:p>
+            <a:endParaRPr lang="en-US" altLang="zh-CN" dirty="0"/>
+          </a:p>
+          <a:p>
+            <a:r>
+              <a:rPr lang="en-US" altLang="zh-CN" dirty="0"/>
+              <a:t>2.</a:t>
+            </a:r>
+          </a:p>
+          <a:p>
+            <a:endParaRPr lang="en-US" altLang="zh-CN" dirty="0"/>
+          </a:p>
+          <a:p>
+            <a:r>
+              <a:rPr lang="zh-CN" altLang="en-US" dirty="0"/>
+              <a:t>短篇新闻为主流数据来源，尤其在</a:t>
+            </a:r>
+            <a:r>
+              <a:rPr lang="en-US" altLang="zh-CN" dirty="0"/>
+              <a:t>social media</a:t>
+            </a:r>
+          </a:p>
+          <a:p>
+            <a:endParaRPr lang="en-US" altLang="zh-CN" dirty="0"/>
+          </a:p>
+          <a:p>
+            <a:endParaRPr lang="en-US" altLang="zh-CN" dirty="0"/>
+          </a:p>
+          <a:p>
+            <a:endParaRPr lang="en-US" altLang="zh-CN" dirty="0"/>
+          </a:p>
+          <a:p>
+            <a:endParaRPr lang="zh-CN" altLang="en-US" dirty="0"/>
+          </a:p>
+        </p:txBody>
+      </p:sp>
     </p:spTree>
     <p:extLst>
       <p:ext uri="{BB962C8B-B14F-4D97-AF65-F5344CB8AC3E}">
-        <p14:creationId xmlns:p14="http://schemas.microsoft.com/office/powerpoint/2010/main" val="3153903300"/>
+        <p14:creationId xmlns:p14="http://schemas.microsoft.com/office/powerpoint/2010/main" val="623378819"/>
       </p:ext>
     </p:extLst>
   </p:cSld>
@@ -3984,43 +4908,153 @@
       </p:grpSpPr>
       <p:pic>
         <p:nvPicPr>
-          <p:cNvPr id="5" name="内容占位符 4">
-            <a:extLst>
-              <a:ext uri="{FF2B5EF4-FFF2-40B4-BE49-F238E27FC236}">
-                <a16:creationId xmlns:a16="http://schemas.microsoft.com/office/drawing/2014/main" id="{70010E08-9764-E591-5D27-D506530010FB}"/>
+          <p:cNvPr id="3" name="图片 2">
+            <a:extLst>
+              <a:ext uri="{FF2B5EF4-FFF2-40B4-BE49-F238E27FC236}">
+                <a16:creationId xmlns:a16="http://schemas.microsoft.com/office/drawing/2014/main" id="{FD08F34E-D3D8-A571-243D-4ADC964D36CA}"/>
               </a:ext>
             </a:extLst>
           </p:cNvPr>
           <p:cNvPicPr>
-            <a:picLocks noGrp="1" noChangeAspect="1"/>
+            <a:picLocks noChangeAspect="1"/>
           </p:cNvPicPr>
-          <p:nvPr>
-            <p:ph idx="1"/>
-          </p:nvPr>
+          <p:nvPr/>
         </p:nvPicPr>
         <p:blipFill>
-          <a:blip r:embed="rId2">
-            <a:extLst>
-              <a:ext uri="{28A0092B-C50C-407E-A947-70E740481C1C}">
-                <a14:useLocalDpi xmlns:a14="http://schemas.microsoft.com/office/drawing/2010/main" val="0"/>
-              </a:ext>
-            </a:extLst>
-          </a:blip>
+          <a:blip r:embed="rId2"/>
           <a:stretch>
             <a:fillRect/>
           </a:stretch>
         </p:blipFill>
         <p:spPr>
           <a:xfrm>
-            <a:off x="1510389" y="635922"/>
-            <a:ext cx="7735712" cy="4351338"/>
-          </a:xfrm>
+            <a:off x="1740310" y="1601612"/>
+            <a:ext cx="3935595" cy="3654775"/>
+          </a:xfrm>
+          <a:prstGeom prst="rect">
+            <a:avLst/>
+          </a:prstGeom>
         </p:spPr>
       </p:pic>
+      <p:sp>
+        <p:nvSpPr>
+          <p:cNvPr id="4" name="文本框 3">
+            <a:extLst>
+              <a:ext uri="{FF2B5EF4-FFF2-40B4-BE49-F238E27FC236}">
+                <a16:creationId xmlns:a16="http://schemas.microsoft.com/office/drawing/2014/main" id="{D2982AF3-B098-23FA-2009-3CD39AA13085}"/>
+              </a:ext>
+            </a:extLst>
+          </p:cNvPr>
+          <p:cNvSpPr txBox="1"/>
+          <p:nvPr/>
+        </p:nvSpPr>
+        <p:spPr>
+          <a:xfrm>
+            <a:off x="7069393" y="1601612"/>
+            <a:ext cx="2782529" cy="369332"/>
+          </a:xfrm>
+          <a:prstGeom prst="rect">
+            <a:avLst/>
+          </a:prstGeom>
+          <a:noFill/>
+        </p:spPr>
+        <p:txBody>
+          <a:bodyPr wrap="square" rtlCol="0">
+            <a:spAutoFit/>
+          </a:bodyPr>
+          <a:lstStyle/>
+          <a:p>
+            <a:r>
+              <a:rPr lang="zh-CN" altLang="en-US" dirty="0"/>
+              <a:t>传统神经网络：</a:t>
+            </a:r>
+          </a:p>
+        </p:txBody>
+      </p:sp>
+      <p:sp>
+        <p:nvSpPr>
+          <p:cNvPr id="6" name="文本框 5">
+            <a:extLst>
+              <a:ext uri="{FF2B5EF4-FFF2-40B4-BE49-F238E27FC236}">
+                <a16:creationId xmlns:a16="http://schemas.microsoft.com/office/drawing/2014/main" id="{AA5259EA-BFAC-030E-5EAA-FBF5C7E1C687}"/>
+              </a:ext>
+            </a:extLst>
+          </p:cNvPr>
+          <p:cNvSpPr txBox="1"/>
+          <p:nvPr/>
+        </p:nvSpPr>
+        <p:spPr>
+          <a:xfrm>
+            <a:off x="6931741" y="2381552"/>
+            <a:ext cx="6096000" cy="2585323"/>
+          </a:xfrm>
+          <a:prstGeom prst="rect">
+            <a:avLst/>
+          </a:prstGeom>
+          <a:noFill/>
+        </p:spPr>
+        <p:txBody>
+          <a:bodyPr wrap="square">
+            <a:spAutoFit/>
+          </a:bodyPr>
+          <a:lstStyle/>
+          <a:p>
+            <a:pPr marL="285750" indent="-285750">
+              <a:buFont typeface="Arial" panose="020B0604020202020204" pitchFamily="34" charset="0"/>
+              <a:buChar char="•"/>
+            </a:pPr>
+            <a:r>
+              <a:rPr lang="zh-CN" altLang="en-US" dirty="0"/>
+              <a:t>层与层之间存在连接，同层的节点无法连接</a:t>
+            </a:r>
+            <a:endParaRPr lang="en-US" altLang="zh-CN" dirty="0"/>
+          </a:p>
+          <a:p>
+            <a:pPr marL="285750" indent="-285750">
+              <a:buFont typeface="Arial" panose="020B0604020202020204" pitchFamily="34" charset="0"/>
+              <a:buChar char="•"/>
+            </a:pPr>
+            <a:endParaRPr lang="en-US" altLang="zh-CN" dirty="0"/>
+          </a:p>
+          <a:p>
+            <a:pPr marL="285750" indent="-285750">
+              <a:buFont typeface="Arial" panose="020B0604020202020204" pitchFamily="34" charset="0"/>
+              <a:buChar char="•"/>
+            </a:pPr>
+            <a:endParaRPr lang="en-US" altLang="zh-CN" dirty="0"/>
+          </a:p>
+          <a:p>
+            <a:pPr marL="285750" indent="-285750">
+              <a:buFont typeface="Arial" panose="020B0604020202020204" pitchFamily="34" charset="0"/>
+              <a:buChar char="•"/>
+            </a:pPr>
+            <a:r>
+              <a:rPr lang="zh-CN" altLang="en-US" dirty="0"/>
+              <a:t>输⼊和输出的维数都是固定的，不能任意改变</a:t>
+            </a:r>
+            <a:endParaRPr lang="en-US" altLang="zh-CN" dirty="0"/>
+          </a:p>
+          <a:p>
+            <a:endParaRPr lang="en-US" altLang="zh-CN" dirty="0"/>
+          </a:p>
+          <a:p>
+            <a:endParaRPr lang="en-US" altLang="zh-CN" dirty="0"/>
+          </a:p>
+          <a:p>
+            <a:endParaRPr lang="en-US" altLang="zh-CN" dirty="0"/>
+          </a:p>
+          <a:p>
+            <a:endParaRPr lang="en-US" altLang="zh-CN" dirty="0"/>
+          </a:p>
+          <a:p>
+            <a:endParaRPr lang="zh-CN" altLang="en-US" dirty="0"/>
+          </a:p>
+        </p:txBody>
+      </p:sp>
     </p:spTree>
     <p:extLst>
       <p:ext uri="{BB962C8B-B14F-4D97-AF65-F5344CB8AC3E}">
-        <p14:creationId xmlns:p14="http://schemas.microsoft.com/office/powerpoint/2010/main" val="2736446251"/>
+        <p14:creationId xmlns:p14="http://schemas.microsoft.com/office/powerpoint/2010/main" val="2867727045"/>
       </p:ext>
     </p:extLst>
   </p:cSld>
@@ -4049,55 +5083,38 @@
       </p:grpSpPr>
       <p:pic>
         <p:nvPicPr>
-          <p:cNvPr id="1026" name="Picture 2">
-            <a:extLst>
-              <a:ext uri="{FF2B5EF4-FFF2-40B4-BE49-F238E27FC236}">
-                <a16:creationId xmlns:a16="http://schemas.microsoft.com/office/drawing/2014/main" id="{6801727D-023A-FEA0-B03C-E8FE340CD5CC}"/>
+          <p:cNvPr id="3" name="图片 2">
+            <a:extLst>
+              <a:ext uri="{FF2B5EF4-FFF2-40B4-BE49-F238E27FC236}">
+                <a16:creationId xmlns:a16="http://schemas.microsoft.com/office/drawing/2014/main" id="{4A36E2A7-7D66-F23C-B93F-3987A0DA1A8C}"/>
               </a:ext>
             </a:extLst>
           </p:cNvPr>
           <p:cNvPicPr>
-            <a:picLocks noChangeAspect="1" noChangeArrowheads="1"/>
+            <a:picLocks noChangeAspect="1"/>
           </p:cNvPicPr>
           <p:nvPr/>
         </p:nvPicPr>
         <p:blipFill>
-          <a:blip r:embed="rId2">
-            <a:extLst>
-              <a:ext uri="{28A0092B-C50C-407E-A947-70E740481C1C}">
-                <a14:useLocalDpi xmlns:a14="http://schemas.microsoft.com/office/drawing/2010/main" val="0"/>
-              </a:ext>
-            </a:extLst>
-          </a:blip>
-          <a:srcRect/>
+          <a:blip r:embed="rId2"/>
           <a:stretch>
             <a:fillRect/>
           </a:stretch>
         </p:blipFill>
-        <p:spPr bwMode="auto">
-          <a:xfrm>
-            <a:off x="3372465" y="555254"/>
-            <a:ext cx="5971560" cy="6302746"/>
+        <p:spPr>
+          <a:xfrm>
+            <a:off x="563006" y="1948318"/>
+            <a:ext cx="11065987" cy="3433313"/>
           </a:xfrm>
           <a:prstGeom prst="rect">
             <a:avLst/>
           </a:prstGeom>
-          <a:noFill/>
-          <a:extLst>
-            <a:ext uri="{909E8E84-426E-40DD-AFC4-6F175D3DCCD1}">
-              <a14:hiddenFill xmlns:a14="http://schemas.microsoft.com/office/drawing/2010/main">
-                <a:solidFill>
-                  <a:srgbClr val="FFFFFF"/>
-                </a:solidFill>
-              </a14:hiddenFill>
-            </a:ext>
-          </a:extLst>
         </p:spPr>
       </p:pic>
     </p:spTree>
     <p:extLst>
       <p:ext uri="{BB962C8B-B14F-4D97-AF65-F5344CB8AC3E}">
-        <p14:creationId xmlns:p14="http://schemas.microsoft.com/office/powerpoint/2010/main" val="2231472290"/>
+        <p14:creationId xmlns:p14="http://schemas.microsoft.com/office/powerpoint/2010/main" val="1182259074"/>
       </p:ext>
     </p:extLst>
   </p:cSld>
@@ -4126,10 +5143,10 @@
       </p:grpSpPr>
       <p:pic>
         <p:nvPicPr>
-          <p:cNvPr id="6" name="图片 5">
-            <a:extLst>
-              <a:ext uri="{FF2B5EF4-FFF2-40B4-BE49-F238E27FC236}">
-                <a16:creationId xmlns:a16="http://schemas.microsoft.com/office/drawing/2014/main" id="{9D5FC18B-3561-F9C9-D809-64F2D08017C5}"/>
+          <p:cNvPr id="5" name="图片 4">
+            <a:extLst>
+              <a:ext uri="{FF2B5EF4-FFF2-40B4-BE49-F238E27FC236}">
+                <a16:creationId xmlns:a16="http://schemas.microsoft.com/office/drawing/2014/main" id="{8BFA4055-0DDF-CC16-8613-E607B53D0F9F}"/>
               </a:ext>
             </a:extLst>
           </p:cNvPr>
@@ -4146,18 +5163,53 @@
         </p:blipFill>
         <p:spPr>
           <a:xfrm>
-            <a:off x="2831188" y="657025"/>
-            <a:ext cx="8771380" cy="6035563"/>
+            <a:off x="1863986" y="957435"/>
+            <a:ext cx="8626588" cy="3337849"/>
           </a:xfrm>
           <a:prstGeom prst="rect">
             <a:avLst/>
           </a:prstGeom>
         </p:spPr>
       </p:pic>
+      <p:sp>
+        <p:nvSpPr>
+          <p:cNvPr id="7" name="文本框 6">
+            <a:extLst>
+              <a:ext uri="{FF2B5EF4-FFF2-40B4-BE49-F238E27FC236}">
+                <a16:creationId xmlns:a16="http://schemas.microsoft.com/office/drawing/2014/main" id="{1BCACBAC-D085-C99E-E70D-4887D7BB0F59}"/>
+              </a:ext>
+            </a:extLst>
+          </p:cNvPr>
+          <p:cNvSpPr txBox="1"/>
+          <p:nvPr/>
+        </p:nvSpPr>
+        <p:spPr>
+          <a:xfrm>
+            <a:off x="3845186" y="4947920"/>
+            <a:ext cx="3677920" cy="369332"/>
+          </a:xfrm>
+          <a:prstGeom prst="rect">
+            <a:avLst/>
+          </a:prstGeom>
+          <a:noFill/>
+        </p:spPr>
+        <p:txBody>
+          <a:bodyPr wrap="square" rtlCol="0">
+            <a:spAutoFit/>
+          </a:bodyPr>
+          <a:lstStyle/>
+          <a:p>
+            <a:r>
+              <a:rPr lang="zh-CN" altLang="en-US" dirty="0"/>
+              <a:t>循环神经网络，重复结构较为简单</a:t>
+            </a:r>
+          </a:p>
+        </p:txBody>
+      </p:sp>
     </p:spTree>
     <p:extLst>
       <p:ext uri="{BB962C8B-B14F-4D97-AF65-F5344CB8AC3E}">
-        <p14:creationId xmlns:p14="http://schemas.microsoft.com/office/powerpoint/2010/main" val="1395262912"/>
+        <p14:creationId xmlns:p14="http://schemas.microsoft.com/office/powerpoint/2010/main" val="1260144030"/>
       </p:ext>
     </p:extLst>
   </p:cSld>
@@ -4186,10 +5238,43 @@
       </p:grpSpPr>
       <p:sp>
         <p:nvSpPr>
+          <p:cNvPr id="2" name="标题 1">
+            <a:extLst>
+              <a:ext uri="{FF2B5EF4-FFF2-40B4-BE49-F238E27FC236}">
+                <a16:creationId xmlns:a16="http://schemas.microsoft.com/office/drawing/2014/main" id="{F446428C-7F6B-0599-9104-E9AFBE2E15CB}"/>
+              </a:ext>
+            </a:extLst>
+          </p:cNvPr>
+          <p:cNvSpPr>
+            <a:spLocks noGrp="1"/>
+          </p:cNvSpPr>
+          <p:nvPr>
+            <p:ph type="ctrTitle"/>
+          </p:nvPr>
+        </p:nvSpPr>
+        <p:spPr>
+          <a:xfrm>
+            <a:off x="2316480" y="883920"/>
+            <a:ext cx="7152640" cy="1569402"/>
+          </a:xfrm>
+        </p:spPr>
+        <p:txBody>
+          <a:bodyPr/>
+          <a:lstStyle/>
+          <a:p>
+            <a:r>
+              <a:rPr lang="zh-CN" altLang="en-US" dirty="0"/>
+              <a:t>目录</a:t>
+            </a:r>
+          </a:p>
+        </p:txBody>
+      </p:sp>
+      <p:sp>
+        <p:nvSpPr>
           <p:cNvPr id="3" name="副标题 2">
             <a:extLst>
               <a:ext uri="{FF2B5EF4-FFF2-40B4-BE49-F238E27FC236}">
-                <a16:creationId xmlns:a16="http://schemas.microsoft.com/office/drawing/2014/main" id="{ABA0674D-0CB3-BBFE-7316-6E4AEE5A77F0}"/>
+                <a16:creationId xmlns:a16="http://schemas.microsoft.com/office/drawing/2014/main" id="{32DE3B2F-8BED-0DFC-5672-D5A440535DEA}"/>
               </a:ext>
             </a:extLst>
           </p:cNvPr>
@@ -4202,118 +5287,45 @@
         </p:nvSpPr>
         <p:spPr>
           <a:xfrm>
-            <a:off x="639096" y="1447797"/>
-            <a:ext cx="10471355" cy="3851789"/>
-          </a:xfrm>
-        </p:spPr>
-        <p:txBody>
-          <a:bodyPr>
-            <a:normAutofit/>
-          </a:bodyPr>
-          <a:lstStyle/>
-          <a:p>
+            <a:off x="-660400" y="2911158"/>
+            <a:ext cx="9144000" cy="1655762"/>
+          </a:xfrm>
+        </p:spPr>
+        <p:txBody>
+          <a:bodyPr/>
+          <a:lstStyle/>
+          <a:p>
+            <a:r>
+              <a:rPr lang="en-US" altLang="zh-CN" dirty="0"/>
+              <a:t>	              1.</a:t>
+            </a:r>
+            <a:r>
+              <a:rPr lang="zh-CN" altLang="en-US" dirty="0"/>
+              <a:t>模型讲解   论文</a:t>
+            </a:r>
             <a:endParaRPr lang="en-US" altLang="zh-CN" dirty="0"/>
           </a:p>
           <a:p>
-            <a:pPr algn="l"/>
             <a:r>
               <a:rPr lang="en-US" altLang="zh-CN" dirty="0"/>
-              <a:t>Definition:</a:t>
-            </a:r>
-          </a:p>
-          <a:p>
-            <a:pPr algn="l"/>
+              <a:t>                          2.RNN LSTM </a:t>
+            </a:r>
+            <a:r>
+              <a:rPr lang="zh-CN" altLang="en-US" dirty="0"/>
+              <a:t>介绍</a:t>
+            </a:r>
             <a:endParaRPr lang="en-US" altLang="zh-CN" dirty="0"/>
           </a:p>
           <a:p>
-            <a:pPr algn="l"/>
+            <a:r>
+              <a:rPr lang="en-US" altLang="zh-CN" dirty="0"/>
+              <a:t>               3.</a:t>
+            </a:r>
+            <a:r>
+              <a:rPr lang="zh-CN" altLang="en-US" dirty="0"/>
+              <a:t>代码复现</a:t>
+            </a:r>
             <a:endParaRPr lang="en-US" altLang="zh-CN" dirty="0"/>
-          </a:p>
-          <a:p>
-            <a:pPr algn="l"/>
-            <a:endParaRPr lang="en-US" altLang="zh-CN" dirty="0"/>
-          </a:p>
-          <a:p>
-            <a:pPr algn="l"/>
-            <a:r>
-              <a:rPr lang="en-US" altLang="zh-CN" dirty="0"/>
-              <a:t>Degree:</a:t>
-            </a:r>
-          </a:p>
-          <a:p>
-            <a:pPr algn="l"/>
-            <a:endParaRPr lang="en-US" altLang="zh-CN" dirty="0"/>
-          </a:p>
-          <a:p>
-            <a:pPr algn="l"/>
-            <a:endParaRPr lang="en-US" altLang="zh-CN" dirty="0"/>
-          </a:p>
-          <a:p>
-            <a:pPr algn="l"/>
-            <a:endParaRPr lang="en-US" altLang="zh-CN" dirty="0"/>
-          </a:p>
-          <a:p>
-            <a:pPr algn="l"/>
-            <a:endParaRPr lang="en-US" altLang="zh-CN" dirty="0"/>
-          </a:p>
-          <a:p>
-            <a:pPr algn="l"/>
-            <a:endParaRPr lang="en-US" altLang="zh-CN" dirty="0"/>
-          </a:p>
-          <a:p>
-            <a:pPr algn="l"/>
-            <a:endParaRPr lang="en-US" altLang="zh-CN" dirty="0"/>
-          </a:p>
-          <a:p>
-            <a:pPr algn="l"/>
-            <a:endParaRPr lang="en-US" altLang="zh-CN" dirty="0"/>
-          </a:p>
-          <a:p>
-            <a:pPr algn="l"/>
-            <a:endParaRPr lang="en-US" altLang="zh-CN" dirty="0"/>
-          </a:p>
-          <a:p>
-            <a:pPr algn="l"/>
-            <a:endParaRPr lang="en-US" altLang="zh-CN" dirty="0"/>
-          </a:p>
-          <a:p>
-            <a:pPr algn="l"/>
-            <a:endParaRPr lang="en-US" altLang="zh-CN" dirty="0"/>
-          </a:p>
-        </p:txBody>
-      </p:sp>
-      <p:sp>
-        <p:nvSpPr>
-          <p:cNvPr id="4" name="文本框 3">
-            <a:extLst>
-              <a:ext uri="{FF2B5EF4-FFF2-40B4-BE49-F238E27FC236}">
-                <a16:creationId xmlns:a16="http://schemas.microsoft.com/office/drawing/2014/main" id="{A92DCE3A-1465-F3DC-E699-F00E70BEF97F}"/>
-              </a:ext>
-            </a:extLst>
-          </p:cNvPr>
-          <p:cNvSpPr txBox="1"/>
-          <p:nvPr/>
-        </p:nvSpPr>
-        <p:spPr>
-          <a:xfrm>
-            <a:off x="639097" y="403123"/>
-            <a:ext cx="4680155" cy="984885"/>
-          </a:xfrm>
-          <a:prstGeom prst="rect">
-            <a:avLst/>
-          </a:prstGeom>
-          <a:noFill/>
-        </p:spPr>
-        <p:txBody>
-          <a:bodyPr wrap="square" rtlCol="0">
-            <a:spAutoFit/>
-          </a:bodyPr>
-          <a:lstStyle/>
-          <a:p>
-            <a:r>
-              <a:rPr lang="en-US" altLang="zh-CN" sz="4000" dirty="0"/>
-              <a:t>What is fake news?</a:t>
-            </a:r>
           </a:p>
           <a:p>
             <a:endParaRPr lang="zh-CN" altLang="en-US" dirty="0"/>
@@ -4323,7 +5335,7 @@
     </p:spTree>
     <p:extLst>
       <p:ext uri="{BB962C8B-B14F-4D97-AF65-F5344CB8AC3E}">
-        <p14:creationId xmlns:p14="http://schemas.microsoft.com/office/powerpoint/2010/main" val="913391431"/>
+        <p14:creationId xmlns:p14="http://schemas.microsoft.com/office/powerpoint/2010/main" val="3472798503"/>
       </p:ext>
     </p:extLst>
   </p:cSld>
@@ -4352,38 +5364,97 @@
       </p:grpSpPr>
       <p:pic>
         <p:nvPicPr>
-          <p:cNvPr id="5" name="图片 4">
-            <a:extLst>
-              <a:ext uri="{FF2B5EF4-FFF2-40B4-BE49-F238E27FC236}">
-                <a16:creationId xmlns:a16="http://schemas.microsoft.com/office/drawing/2014/main" id="{C3140A38-6B92-4675-ED81-077D7525B41B}"/>
+          <p:cNvPr id="5122" name="Picture 2">
+            <a:extLst>
+              <a:ext uri="{FF2B5EF4-FFF2-40B4-BE49-F238E27FC236}">
+                <a16:creationId xmlns:a16="http://schemas.microsoft.com/office/drawing/2014/main" id="{DDAE9660-7149-8C0E-40C8-81FB9CB37835}"/>
               </a:ext>
             </a:extLst>
           </p:cNvPr>
           <p:cNvPicPr>
-            <a:picLocks noChangeAspect="1"/>
+            <a:picLocks noGrp="1" noChangeAspect="1" noChangeArrowheads="1"/>
           </p:cNvPicPr>
-          <p:nvPr/>
+          <p:nvPr>
+            <p:ph idx="1"/>
+          </p:nvPr>
         </p:nvPicPr>
         <p:blipFill>
-          <a:blip r:embed="rId2"/>
+          <a:blip r:embed="rId2">
+            <a:extLst>
+              <a:ext uri="{28A0092B-C50C-407E-A947-70E740481C1C}">
+                <a14:useLocalDpi xmlns:a14="http://schemas.microsoft.com/office/drawing/2010/main" val="0"/>
+              </a:ext>
+            </a:extLst>
+          </a:blip>
+          <a:srcRect/>
           <a:stretch>
             <a:fillRect/>
           </a:stretch>
         </p:blipFill>
-        <p:spPr>
-          <a:xfrm>
-            <a:off x="-24710" y="2979175"/>
-            <a:ext cx="12216710" cy="3645309"/>
+        <p:spPr bwMode="auto">
+          <a:xfrm>
+            <a:off x="919480" y="1540103"/>
+            <a:ext cx="10515600" cy="3621901"/>
           </a:xfrm>
           <a:prstGeom prst="rect">
             <a:avLst/>
           </a:prstGeom>
+          <a:noFill/>
+          <a:extLst>
+            <a:ext uri="{909E8E84-426E-40DD-AFC4-6F175D3DCCD1}">
+              <a14:hiddenFill xmlns:a14="http://schemas.microsoft.com/office/drawing/2010/main">
+                <a:solidFill>
+                  <a:srgbClr val="FFFFFF"/>
+                </a:solidFill>
+              </a14:hiddenFill>
+            </a:ext>
+          </a:extLst>
         </p:spPr>
       </p:pic>
+      <p:sp>
+        <p:nvSpPr>
+          <p:cNvPr id="3" name="文本框 2">
+            <a:extLst>
+              <a:ext uri="{FF2B5EF4-FFF2-40B4-BE49-F238E27FC236}">
+                <a16:creationId xmlns:a16="http://schemas.microsoft.com/office/drawing/2014/main" id="{1BE12559-23DE-3AF9-8511-DC976C782C18}"/>
+              </a:ext>
+            </a:extLst>
+          </p:cNvPr>
+          <p:cNvSpPr txBox="1"/>
+          <p:nvPr/>
+        </p:nvSpPr>
+        <p:spPr>
+          <a:xfrm>
+            <a:off x="2892056" y="5308882"/>
+            <a:ext cx="5560828" cy="646331"/>
+          </a:xfrm>
+          <a:prstGeom prst="rect">
+            <a:avLst/>
+          </a:prstGeom>
+          <a:noFill/>
+        </p:spPr>
+        <p:txBody>
+          <a:bodyPr wrap="square" rtlCol="0">
+            <a:spAutoFit/>
+          </a:bodyPr>
+          <a:lstStyle/>
+          <a:p>
+            <a:pPr algn="ctr"/>
+            <a:endParaRPr lang="en-US" altLang="zh-CN" dirty="0"/>
+          </a:p>
+          <a:p>
+            <a:pPr algn="ctr"/>
+            <a:r>
+              <a:rPr lang="zh-CN" altLang="en-US" dirty="0"/>
+              <a:t>长，远程缺乏关联</a:t>
+            </a:r>
+          </a:p>
+        </p:txBody>
+      </p:sp>
     </p:spTree>
     <p:extLst>
       <p:ext uri="{BB962C8B-B14F-4D97-AF65-F5344CB8AC3E}">
-        <p14:creationId xmlns:p14="http://schemas.microsoft.com/office/powerpoint/2010/main" val="2979726913"/>
+        <p14:creationId xmlns:p14="http://schemas.microsoft.com/office/powerpoint/2010/main" val="855150797"/>
       </p:ext>
     </p:extLst>
   </p:cSld>
@@ -4415,7 +5486,7 @@
           <p:cNvPr id="2" name="标题 1">
             <a:extLst>
               <a:ext uri="{FF2B5EF4-FFF2-40B4-BE49-F238E27FC236}">
-                <a16:creationId xmlns:a16="http://schemas.microsoft.com/office/drawing/2014/main" id="{4E83F19A-6A1C-97C9-9201-EF16DB333382}"/>
+                <a16:creationId xmlns:a16="http://schemas.microsoft.com/office/drawing/2014/main" id="{6ABA7F60-ABD9-42BD-D442-9644BC1B2B35}"/>
               </a:ext>
             </a:extLst>
           </p:cNvPr>
@@ -4426,25 +5497,90 @@
             <p:ph type="title"/>
           </p:nvPr>
         </p:nvSpPr>
-        <p:spPr/>
-        <p:txBody>
-          <a:bodyPr/>
-          <a:lstStyle/>
-          <a:p>
-            <a:r>
-              <a:rPr lang="en-US" altLang="zh-CN" dirty="0"/>
-              <a:t>Reference</a:t>
-            </a:r>
-            <a:endParaRPr lang="zh-CN" altLang="en-US" dirty="0"/>
-          </a:p>
-        </p:txBody>
-      </p:sp>
-      <p:sp>
-        <p:nvSpPr>
-          <p:cNvPr id="5" name="文本框 4">
-            <a:extLst>
-              <a:ext uri="{FF2B5EF4-FFF2-40B4-BE49-F238E27FC236}">
-                <a16:creationId xmlns:a16="http://schemas.microsoft.com/office/drawing/2014/main" id="{B7DF7068-8230-2E73-B3AB-C29D2E4A9BF7}"/>
+        <p:spPr>
+          <a:xfrm>
+            <a:off x="304800" y="985519"/>
+            <a:ext cx="5090160" cy="2956560"/>
+          </a:xfrm>
+        </p:spPr>
+        <p:txBody>
+          <a:bodyPr>
+            <a:normAutofit fontScale="90000"/>
+          </a:bodyPr>
+          <a:lstStyle/>
+          <a:p>
+            <a:r>
+              <a:rPr lang="zh-CN" altLang="en-US" sz="2400" dirty="0"/>
+              <a:t>输入层门：</a:t>
+            </a:r>
+            <a:br>
+              <a:rPr lang="en-US" altLang="zh-CN" sz="2400" dirty="0"/>
+            </a:br>
+            <a:r>
+              <a:rPr lang="zh-CN" altLang="en-US" sz="2400" dirty="0"/>
+              <a:t>记录新的输入</a:t>
+            </a:r>
+            <a:r>
+              <a:rPr lang="en-US" altLang="zh-CN" sz="2400" dirty="0"/>
+              <a:t>, </a:t>
+            </a:r>
+            <a:r>
+              <a:rPr lang="zh-CN" altLang="en-US" sz="2400" dirty="0"/>
+              <a:t>更新新的主语</a:t>
+            </a:r>
+            <a:br>
+              <a:rPr lang="en-US" altLang="zh-CN" sz="2400" dirty="0"/>
+            </a:br>
+            <a:br>
+              <a:rPr lang="en-US" altLang="zh-CN" sz="2400" dirty="0"/>
+            </a:br>
+            <a:br>
+              <a:rPr lang="en-US" altLang="zh-CN" sz="2400" dirty="0"/>
+            </a:br>
+            <a:r>
+              <a:rPr lang="zh-CN" altLang="en-US" sz="2400" dirty="0"/>
+              <a:t>遗忘门：</a:t>
+            </a:r>
+            <a:br>
+              <a:rPr lang="en-US" altLang="zh-CN" sz="2400" dirty="0"/>
+            </a:br>
+            <a:r>
+              <a:rPr lang="zh-CN" altLang="en-US" sz="2400" dirty="0"/>
+              <a:t>选择性遗忘先前输入</a:t>
+            </a:r>
+            <a:br>
+              <a:rPr lang="en-US" altLang="zh-CN" sz="2400" dirty="0"/>
+            </a:br>
+            <a:br>
+              <a:rPr lang="en-US" altLang="zh-CN" sz="2400" dirty="0"/>
+            </a:br>
+            <a:br>
+              <a:rPr lang="en-US" altLang="zh-CN" sz="2400" dirty="0"/>
+            </a:br>
+            <a:r>
+              <a:rPr lang="zh-CN" altLang="en-US" sz="2400" dirty="0"/>
+              <a:t>输出层门</a:t>
+            </a:r>
+            <a:r>
+              <a:rPr lang="en-US" altLang="zh-CN" sz="2400" dirty="0"/>
+              <a:t>:</a:t>
+            </a:r>
+            <a:br>
+              <a:rPr lang="en-US" altLang="zh-CN" sz="2400" dirty="0"/>
+            </a:br>
+            <a:r>
+              <a:rPr lang="zh-CN" altLang="en-US" sz="2400" dirty="0"/>
+              <a:t>预测接下来的输出，动词可能性更大</a:t>
+            </a:r>
+          </a:p>
+        </p:txBody>
+      </p:sp>
+      <p:sp>
+        <p:nvSpPr>
+          <p:cNvPr id="4" name="文本框 3">
+            <a:extLst>
+              <a:ext uri="{FF2B5EF4-FFF2-40B4-BE49-F238E27FC236}">
+                <a16:creationId xmlns:a16="http://schemas.microsoft.com/office/drawing/2014/main" id="{B2EACB1D-061C-612C-A20A-D8AAEC0D5B05}"/>
               </a:ext>
             </a:extLst>
           </p:cNvPr>
@@ -4453,8 +5589,8 @@
         </p:nvSpPr>
         <p:spPr>
           <a:xfrm>
-            <a:off x="953729" y="1583445"/>
-            <a:ext cx="8141110" cy="646331"/>
+            <a:off x="8676640" y="2285219"/>
+            <a:ext cx="3017520" cy="646331"/>
           </a:xfrm>
           <a:prstGeom prst="rect">
             <a:avLst/>
@@ -4468,92 +5604,44 @@
           <a:lstStyle/>
           <a:p>
             <a:r>
+              <a:rPr lang="zh-CN" altLang="en-US" dirty="0">
+                <a:solidFill>
+                  <a:srgbClr val="4D4D4D"/>
+                </a:solidFill>
+                <a:latin typeface="-apple-system"/>
+              </a:rPr>
+              <a:t>例子</a:t>
+            </a:r>
+            <a:r>
+              <a:rPr lang="en-US" altLang="zh-CN" dirty="0">
+                <a:solidFill>
+                  <a:srgbClr val="4D4D4D"/>
+                </a:solidFill>
+                <a:latin typeface="-apple-system"/>
+              </a:rPr>
+              <a:t>:</a:t>
+            </a:r>
+          </a:p>
+          <a:p>
+            <a:r>
+              <a:rPr lang="zh-CN" altLang="en-US" b="0" i="0" dirty="0">
+                <a:solidFill>
+                  <a:srgbClr val="4D4D4D"/>
+                </a:solidFill>
+                <a:effectLst/>
+                <a:latin typeface="-apple-system"/>
+              </a:rPr>
+              <a:t>他今天有事，所以我</a:t>
+            </a:r>
+            <a:r>
               <a:rPr lang="en-US" altLang="zh-CN" b="0" i="0" dirty="0">
                 <a:solidFill>
-                  <a:srgbClr val="000000"/>
+                  <a:srgbClr val="4D4D4D"/>
                 </a:solidFill>
                 <a:effectLst/>
-                <a:latin typeface="微软雅黑" panose="020B0503020204020204" pitchFamily="34" charset="-122"/>
-                <a:ea typeface="微软雅黑" panose="020B0503020204020204" pitchFamily="34" charset="-122"/>
+                <a:latin typeface="-apple-system"/>
               </a:rPr>
-              <a:t>[1] S. </a:t>
-            </a:r>
-            <a:r>
-              <a:rPr lang="en-US" altLang="zh-CN" b="0" i="0" dirty="0" err="1">
-                <a:solidFill>
-                  <a:srgbClr val="000000"/>
-                </a:solidFill>
-                <a:effectLst/>
-                <a:latin typeface="微软雅黑" panose="020B0503020204020204" pitchFamily="34" charset="-122"/>
-                <a:ea typeface="微软雅黑" panose="020B0503020204020204" pitchFamily="34" charset="-122"/>
-              </a:rPr>
-              <a:t>Hochreiter</a:t>
-            </a:r>
-            <a:r>
-              <a:rPr lang="en-US" altLang="zh-CN" b="0" i="0" dirty="0">
-                <a:solidFill>
-                  <a:srgbClr val="000000"/>
-                </a:solidFill>
-                <a:effectLst/>
-                <a:latin typeface="微软雅黑" panose="020B0503020204020204" pitchFamily="34" charset="-122"/>
-                <a:ea typeface="微软雅黑" panose="020B0503020204020204" pitchFamily="34" charset="-122"/>
-              </a:rPr>
-              <a:t> and J. </a:t>
-            </a:r>
-            <a:r>
-              <a:rPr lang="en-US" altLang="zh-CN" b="0" i="0" dirty="0" err="1">
-                <a:solidFill>
-                  <a:srgbClr val="000000"/>
-                </a:solidFill>
-                <a:effectLst/>
-                <a:latin typeface="微软雅黑" panose="020B0503020204020204" pitchFamily="34" charset="-122"/>
-                <a:ea typeface="微软雅黑" panose="020B0503020204020204" pitchFamily="34" charset="-122"/>
-              </a:rPr>
-              <a:t>Schmidhuber</a:t>
-            </a:r>
-            <a:r>
-              <a:rPr lang="en-US" altLang="zh-CN" b="0" i="0" dirty="0">
-                <a:solidFill>
-                  <a:srgbClr val="000000"/>
-                </a:solidFill>
-                <a:effectLst/>
-                <a:latin typeface="微软雅黑" panose="020B0503020204020204" pitchFamily="34" charset="-122"/>
-                <a:ea typeface="微软雅黑" panose="020B0503020204020204" pitchFamily="34" charset="-122"/>
-              </a:rPr>
-              <a:t>, “Long Short-Term Memory,” </a:t>
-            </a:r>
-            <a:r>
-              <a:rPr lang="en-US" altLang="zh-CN" b="0" i="1" dirty="0">
-                <a:solidFill>
-                  <a:srgbClr val="000000"/>
-                </a:solidFill>
-                <a:effectLst/>
-                <a:latin typeface="微软雅黑" panose="020B0503020204020204" pitchFamily="34" charset="-122"/>
-                <a:ea typeface="微软雅黑" panose="020B0503020204020204" pitchFamily="34" charset="-122"/>
-              </a:rPr>
-              <a:t>Neural </a:t>
-            </a:r>
-            <a:r>
-              <a:rPr lang="en-US" altLang="zh-CN" b="0" i="1" dirty="0" err="1">
-                <a:solidFill>
-                  <a:srgbClr val="000000"/>
-                </a:solidFill>
-                <a:effectLst/>
-                <a:latin typeface="微软雅黑" panose="020B0503020204020204" pitchFamily="34" charset="-122"/>
-                <a:ea typeface="微软雅黑" panose="020B0503020204020204" pitchFamily="34" charset="-122"/>
-              </a:rPr>
-              <a:t>Comput</a:t>
-            </a:r>
-            <a:r>
-              <a:rPr lang="en-US" altLang="zh-CN" b="0" i="0" dirty="0">
-                <a:solidFill>
-                  <a:srgbClr val="000000"/>
-                </a:solidFill>
-                <a:effectLst/>
-                <a:latin typeface="微软雅黑" panose="020B0503020204020204" pitchFamily="34" charset="-122"/>
-                <a:ea typeface="微软雅黑" panose="020B0503020204020204" pitchFamily="34" charset="-122"/>
-              </a:rPr>
-              <a:t>, vol. 9, no. 8, pp. 1735–1780, Nov. 1997.</a:t>
+              <a:t>……</a:t>
             </a:r>
             <a:endParaRPr lang="zh-CN" altLang="en-US" dirty="0"/>
           </a:p>
@@ -4562,7 +5650,1128 @@
     </p:spTree>
     <p:extLst>
       <p:ext uri="{BB962C8B-B14F-4D97-AF65-F5344CB8AC3E}">
-        <p14:creationId xmlns:p14="http://schemas.microsoft.com/office/powerpoint/2010/main" val="2626959894"/>
+        <p14:creationId xmlns:p14="http://schemas.microsoft.com/office/powerpoint/2010/main" val="1665385837"/>
+      </p:ext>
+    </p:extLst>
+  </p:cSld>
+  <p:clrMapOvr>
+    <a:masterClrMapping/>
+  </p:clrMapOvr>
+</p:sld>
+</file>
+
+<file path=ppt/slides/slide22.xml><?xml version="1.0" encoding="utf-8"?>
+<p:sld xmlns:a="http://schemas.openxmlformats.org/drawingml/2006/main" xmlns:r="http://schemas.openxmlformats.org/officeDocument/2006/relationships" xmlns:p="http://schemas.openxmlformats.org/presentationml/2006/main">
+  <p:cSld>
+    <p:spTree>
+      <p:nvGrpSpPr>
+        <p:cNvPr id="1" name=""/>
+        <p:cNvGrpSpPr/>
+        <p:nvPr/>
+      </p:nvGrpSpPr>
+      <p:grpSpPr>
+        <a:xfrm>
+          <a:off x="0" y="0"/>
+          <a:ext cx="0" cy="0"/>
+          <a:chOff x="0" y="0"/>
+          <a:chExt cx="0" cy="0"/>
+        </a:xfrm>
+      </p:grpSpPr>
+      <p:pic>
+        <p:nvPicPr>
+          <p:cNvPr id="3" name="图片 2">
+            <a:extLst>
+              <a:ext uri="{FF2B5EF4-FFF2-40B4-BE49-F238E27FC236}">
+                <a16:creationId xmlns:a16="http://schemas.microsoft.com/office/drawing/2014/main" id="{632E7C47-F892-5966-31E5-7EBF0FCD7E01}"/>
+              </a:ext>
+            </a:extLst>
+          </p:cNvPr>
+          <p:cNvPicPr>
+            <a:picLocks noChangeAspect="1"/>
+          </p:cNvPicPr>
+          <p:nvPr/>
+        </p:nvPicPr>
+        <p:blipFill>
+          <a:blip r:embed="rId2"/>
+          <a:stretch>
+            <a:fillRect/>
+          </a:stretch>
+        </p:blipFill>
+        <p:spPr>
+          <a:xfrm>
+            <a:off x="1897016" y="664063"/>
+            <a:ext cx="8397968" cy="3375953"/>
+          </a:xfrm>
+          <a:prstGeom prst="rect">
+            <a:avLst/>
+          </a:prstGeom>
+        </p:spPr>
+      </p:pic>
+      <p:sp>
+        <p:nvSpPr>
+          <p:cNvPr id="4" name="文本框 3">
+            <a:extLst>
+              <a:ext uri="{FF2B5EF4-FFF2-40B4-BE49-F238E27FC236}">
+                <a16:creationId xmlns:a16="http://schemas.microsoft.com/office/drawing/2014/main" id="{4C527439-7368-E49E-9414-44785F2D0E47}"/>
+              </a:ext>
+            </a:extLst>
+          </p:cNvPr>
+          <p:cNvSpPr txBox="1"/>
+          <p:nvPr/>
+        </p:nvSpPr>
+        <p:spPr>
+          <a:xfrm>
+            <a:off x="3756473" y="4622800"/>
+            <a:ext cx="4679054" cy="923330"/>
+          </a:xfrm>
+          <a:prstGeom prst="rect">
+            <a:avLst/>
+          </a:prstGeom>
+          <a:noFill/>
+        </p:spPr>
+        <p:txBody>
+          <a:bodyPr wrap="square" rtlCol="0">
+            <a:spAutoFit/>
+          </a:bodyPr>
+          <a:lstStyle/>
+          <a:p>
+            <a:pPr algn="ctr"/>
+            <a:r>
+              <a:rPr lang="zh-CN" altLang="en-US" dirty="0"/>
+              <a:t>四层结构：</a:t>
+            </a:r>
+            <a:endParaRPr lang="en-US" altLang="zh-CN" dirty="0"/>
+          </a:p>
+          <a:p>
+            <a:pPr algn="ctr"/>
+            <a:r>
+              <a:rPr lang="en-US" altLang="zh-CN" b="0" i="0" dirty="0">
+                <a:solidFill>
+                  <a:srgbClr val="4D4D4D"/>
+                </a:solidFill>
+                <a:effectLst/>
+                <a:latin typeface="-apple-system"/>
+              </a:rPr>
+              <a:t>Sigmoid </a:t>
+            </a:r>
+            <a:r>
+              <a:rPr lang="zh-CN" altLang="en-US" b="0" i="0" dirty="0">
+                <a:solidFill>
+                  <a:srgbClr val="4D4D4D"/>
+                </a:solidFill>
+                <a:effectLst/>
+                <a:latin typeface="-apple-system"/>
+              </a:rPr>
+              <a:t>层输出 </a:t>
+            </a:r>
+            <a:r>
+              <a:rPr lang="en-US" altLang="zh-CN" b="0" i="0" dirty="0">
+                <a:solidFill>
+                  <a:srgbClr val="4D4D4D"/>
+                </a:solidFill>
+                <a:effectLst/>
+                <a:latin typeface="-apple-system"/>
+              </a:rPr>
+              <a:t>0 </a:t>
+            </a:r>
+            <a:r>
+              <a:rPr lang="zh-CN" altLang="en-US" b="0" i="0" dirty="0">
+                <a:solidFill>
+                  <a:srgbClr val="4D4D4D"/>
+                </a:solidFill>
+                <a:effectLst/>
+                <a:latin typeface="-apple-system"/>
+              </a:rPr>
+              <a:t>到 </a:t>
+            </a:r>
+            <a:r>
+              <a:rPr lang="en-US" altLang="zh-CN" b="0" i="0" dirty="0">
+                <a:solidFill>
+                  <a:srgbClr val="4D4D4D"/>
+                </a:solidFill>
+                <a:effectLst/>
+                <a:latin typeface="-apple-system"/>
+              </a:rPr>
+              <a:t>1 </a:t>
+            </a:r>
+            <a:r>
+              <a:rPr lang="zh-CN" altLang="en-US" b="0" i="0" dirty="0">
+                <a:solidFill>
+                  <a:srgbClr val="4D4D4D"/>
+                </a:solidFill>
+                <a:effectLst/>
+                <a:latin typeface="-apple-system"/>
+              </a:rPr>
+              <a:t>之间的数值，控制输出</a:t>
+            </a:r>
+            <a:endParaRPr lang="en-US" altLang="zh-CN" b="0" i="0" dirty="0">
+              <a:solidFill>
+                <a:srgbClr val="4D4D4D"/>
+              </a:solidFill>
+              <a:effectLst/>
+              <a:latin typeface="-apple-system"/>
+            </a:endParaRPr>
+          </a:p>
+          <a:p>
+            <a:pPr algn="ctr"/>
+            <a:r>
+              <a:rPr lang="zh-CN" altLang="en-US" dirty="0">
+                <a:solidFill>
+                  <a:srgbClr val="4D4D4D"/>
+                </a:solidFill>
+                <a:latin typeface="-apple-system"/>
+              </a:rPr>
+              <a:t>完全丢弃，完全保留</a:t>
+            </a:r>
+            <a:endParaRPr lang="zh-CN" altLang="en-US" dirty="0"/>
+          </a:p>
+        </p:txBody>
+      </p:sp>
+    </p:spTree>
+    <p:extLst>
+      <p:ext uri="{BB962C8B-B14F-4D97-AF65-F5344CB8AC3E}">
+        <p14:creationId xmlns:p14="http://schemas.microsoft.com/office/powerpoint/2010/main" val="700131616"/>
+      </p:ext>
+    </p:extLst>
+  </p:cSld>
+  <p:clrMapOvr>
+    <a:masterClrMapping/>
+  </p:clrMapOvr>
+</p:sld>
+</file>
+
+<file path=ppt/slides/slide23.xml><?xml version="1.0" encoding="utf-8"?>
+<p:sld xmlns:a="http://schemas.openxmlformats.org/drawingml/2006/main" xmlns:r="http://schemas.openxmlformats.org/officeDocument/2006/relationships" xmlns:p="http://schemas.openxmlformats.org/presentationml/2006/main">
+  <p:cSld>
+    <p:spTree>
+      <p:nvGrpSpPr>
+        <p:cNvPr id="1" name=""/>
+        <p:cNvGrpSpPr/>
+        <p:nvPr/>
+      </p:nvGrpSpPr>
+      <p:grpSpPr>
+        <a:xfrm>
+          <a:off x="0" y="0"/>
+          <a:ext cx="0" cy="0"/>
+          <a:chOff x="0" y="0"/>
+          <a:chExt cx="0" cy="0"/>
+        </a:xfrm>
+      </p:grpSpPr>
+      <p:pic>
+        <p:nvPicPr>
+          <p:cNvPr id="1026" name="Picture 2">
+            <a:extLst>
+              <a:ext uri="{FF2B5EF4-FFF2-40B4-BE49-F238E27FC236}">
+                <a16:creationId xmlns:a16="http://schemas.microsoft.com/office/drawing/2014/main" id="{2EC95A84-1F25-899A-DD7B-0A682CC0775F}"/>
+              </a:ext>
+            </a:extLst>
+          </p:cNvPr>
+          <p:cNvPicPr>
+            <a:picLocks noChangeAspect="1" noChangeArrowheads="1"/>
+          </p:cNvPicPr>
+          <p:nvPr/>
+        </p:nvPicPr>
+        <p:blipFill>
+          <a:blip r:embed="rId2">
+            <a:extLst>
+              <a:ext uri="{28A0092B-C50C-407E-A947-70E740481C1C}">
+                <a14:useLocalDpi xmlns:a14="http://schemas.microsoft.com/office/drawing/2010/main" val="0"/>
+              </a:ext>
+            </a:extLst>
+          </a:blip>
+          <a:srcRect/>
+          <a:stretch>
+            <a:fillRect/>
+          </a:stretch>
+        </p:blipFill>
+        <p:spPr bwMode="auto">
+          <a:xfrm>
+            <a:off x="182880" y="885825"/>
+            <a:ext cx="12192000" cy="3765550"/>
+          </a:xfrm>
+          <a:prstGeom prst="rect">
+            <a:avLst/>
+          </a:prstGeom>
+          <a:noFill/>
+          <a:extLst>
+            <a:ext uri="{909E8E84-426E-40DD-AFC4-6F175D3DCCD1}">
+              <a14:hiddenFill xmlns:a14="http://schemas.microsoft.com/office/drawing/2010/main">
+                <a:solidFill>
+                  <a:srgbClr val="FFFFFF"/>
+                </a:solidFill>
+              </a14:hiddenFill>
+            </a:ext>
+          </a:extLst>
+        </p:spPr>
+      </p:pic>
+      <p:sp>
+        <p:nvSpPr>
+          <p:cNvPr id="2" name="文本框 1">
+            <a:extLst>
+              <a:ext uri="{FF2B5EF4-FFF2-40B4-BE49-F238E27FC236}">
+                <a16:creationId xmlns:a16="http://schemas.microsoft.com/office/drawing/2014/main" id="{2C1C5152-7CA0-6357-04E9-6ADFA1BF1FB1}"/>
+              </a:ext>
+            </a:extLst>
+          </p:cNvPr>
+          <p:cNvSpPr txBox="1"/>
+          <p:nvPr/>
+        </p:nvSpPr>
+        <p:spPr>
+          <a:xfrm>
+            <a:off x="5273040" y="5008881"/>
+            <a:ext cx="2692400" cy="830997"/>
+          </a:xfrm>
+          <a:prstGeom prst="rect">
+            <a:avLst/>
+          </a:prstGeom>
+          <a:noFill/>
+        </p:spPr>
+        <p:txBody>
+          <a:bodyPr wrap="square" rtlCol="0">
+            <a:spAutoFit/>
+          </a:bodyPr>
+          <a:lstStyle/>
+          <a:p>
+            <a:r>
+              <a:rPr lang="en-US" altLang="zh-CN" sz="2400" dirty="0"/>
+              <a:t>0</a:t>
+            </a:r>
+            <a:r>
+              <a:rPr lang="zh-CN" altLang="en-US" sz="2400" dirty="0"/>
+              <a:t>：完全丢弃信息</a:t>
+            </a:r>
+            <a:endParaRPr lang="en-US" altLang="zh-CN" sz="2400" dirty="0"/>
+          </a:p>
+          <a:p>
+            <a:r>
+              <a:rPr lang="en-US" altLang="zh-CN" sz="2400" dirty="0"/>
+              <a:t>1</a:t>
+            </a:r>
+            <a:r>
+              <a:rPr lang="zh-CN" altLang="en-US" sz="2400" dirty="0"/>
+              <a:t>：完全保留</a:t>
+            </a:r>
+          </a:p>
+        </p:txBody>
+      </p:sp>
+      <p:sp>
+        <p:nvSpPr>
+          <p:cNvPr id="3" name="文本框 2">
+            <a:extLst>
+              <a:ext uri="{FF2B5EF4-FFF2-40B4-BE49-F238E27FC236}">
+                <a16:creationId xmlns:a16="http://schemas.microsoft.com/office/drawing/2014/main" id="{16A7BCF0-5F74-C357-91BD-B98B0E34CD23}"/>
+              </a:ext>
+            </a:extLst>
+          </p:cNvPr>
+          <p:cNvSpPr txBox="1"/>
+          <p:nvPr/>
+        </p:nvSpPr>
+        <p:spPr>
+          <a:xfrm>
+            <a:off x="4663440" y="337740"/>
+            <a:ext cx="3302000" cy="369332"/>
+          </a:xfrm>
+          <a:prstGeom prst="rect">
+            <a:avLst/>
+          </a:prstGeom>
+          <a:noFill/>
+        </p:spPr>
+        <p:txBody>
+          <a:bodyPr wrap="square" rtlCol="0">
+            <a:spAutoFit/>
+          </a:bodyPr>
+          <a:lstStyle/>
+          <a:p>
+            <a:pPr algn="ctr"/>
+            <a:r>
+              <a:rPr lang="zh-CN" altLang="en-US" dirty="0"/>
+              <a:t>遗忘门</a:t>
+            </a:r>
+          </a:p>
+        </p:txBody>
+      </p:sp>
+    </p:spTree>
+    <p:extLst>
+      <p:ext uri="{BB962C8B-B14F-4D97-AF65-F5344CB8AC3E}">
+        <p14:creationId xmlns:p14="http://schemas.microsoft.com/office/powerpoint/2010/main" val="4205330547"/>
+      </p:ext>
+    </p:extLst>
+  </p:cSld>
+  <p:clrMapOvr>
+    <a:masterClrMapping/>
+  </p:clrMapOvr>
+</p:sld>
+</file>
+
+<file path=ppt/slides/slide24.xml><?xml version="1.0" encoding="utf-8"?>
+<p:sld xmlns:a="http://schemas.openxmlformats.org/drawingml/2006/main" xmlns:r="http://schemas.openxmlformats.org/officeDocument/2006/relationships" xmlns:p="http://schemas.openxmlformats.org/presentationml/2006/main">
+  <p:cSld>
+    <p:spTree>
+      <p:nvGrpSpPr>
+        <p:cNvPr id="1" name=""/>
+        <p:cNvGrpSpPr/>
+        <p:nvPr/>
+      </p:nvGrpSpPr>
+      <p:grpSpPr>
+        <a:xfrm>
+          <a:off x="0" y="0"/>
+          <a:ext cx="0" cy="0"/>
+          <a:chOff x="0" y="0"/>
+          <a:chExt cx="0" cy="0"/>
+        </a:xfrm>
+      </p:grpSpPr>
+      <p:pic>
+        <p:nvPicPr>
+          <p:cNvPr id="3074" name="Picture 2">
+            <a:extLst>
+              <a:ext uri="{FF2B5EF4-FFF2-40B4-BE49-F238E27FC236}">
+                <a16:creationId xmlns:a16="http://schemas.microsoft.com/office/drawing/2014/main" id="{8B208ACB-D11B-14EE-2019-549C15050583}"/>
+              </a:ext>
+            </a:extLst>
+          </p:cNvPr>
+          <p:cNvPicPr>
+            <a:picLocks noChangeAspect="1" noChangeArrowheads="1"/>
+          </p:cNvPicPr>
+          <p:nvPr/>
+        </p:nvPicPr>
+        <p:blipFill>
+          <a:blip r:embed="rId2">
+            <a:extLst>
+              <a:ext uri="{28A0092B-C50C-407E-A947-70E740481C1C}">
+                <a14:useLocalDpi xmlns:a14="http://schemas.microsoft.com/office/drawing/2010/main" val="0"/>
+              </a:ext>
+            </a:extLst>
+          </a:blip>
+          <a:srcRect/>
+          <a:stretch>
+            <a:fillRect/>
+          </a:stretch>
+        </p:blipFill>
+        <p:spPr bwMode="auto">
+          <a:xfrm>
+            <a:off x="264160" y="2134927"/>
+            <a:ext cx="6634480" cy="2049087"/>
+          </a:xfrm>
+          <a:prstGeom prst="rect">
+            <a:avLst/>
+          </a:prstGeom>
+          <a:noFill/>
+          <a:extLst>
+            <a:ext uri="{909E8E84-426E-40DD-AFC4-6F175D3DCCD1}">
+              <a14:hiddenFill xmlns:a14="http://schemas.microsoft.com/office/drawing/2010/main">
+                <a:solidFill>
+                  <a:srgbClr val="FFFFFF"/>
+                </a:solidFill>
+              </a14:hiddenFill>
+            </a:ext>
+          </a:extLst>
+        </p:spPr>
+      </p:pic>
+      <p:pic>
+        <p:nvPicPr>
+          <p:cNvPr id="3076" name="Picture 4">
+            <a:extLst>
+              <a:ext uri="{FF2B5EF4-FFF2-40B4-BE49-F238E27FC236}">
+                <a16:creationId xmlns:a16="http://schemas.microsoft.com/office/drawing/2014/main" id="{EF74A8ED-250B-44BB-B506-98D3B4F68E5F}"/>
+              </a:ext>
+            </a:extLst>
+          </p:cNvPr>
+          <p:cNvPicPr>
+            <a:picLocks noChangeAspect="1" noChangeArrowheads="1"/>
+          </p:cNvPicPr>
+          <p:nvPr/>
+        </p:nvPicPr>
+        <p:blipFill>
+          <a:blip r:embed="rId3">
+            <a:extLst>
+              <a:ext uri="{28A0092B-C50C-407E-A947-70E740481C1C}">
+                <a14:useLocalDpi xmlns:a14="http://schemas.microsoft.com/office/drawing/2010/main" val="0"/>
+              </a:ext>
+            </a:extLst>
+          </a:blip>
+          <a:srcRect/>
+          <a:stretch>
+            <a:fillRect/>
+          </a:stretch>
+        </p:blipFill>
+        <p:spPr bwMode="auto">
+          <a:xfrm>
+            <a:off x="7010400" y="2268290"/>
+            <a:ext cx="5770879" cy="1782360"/>
+          </a:xfrm>
+          <a:prstGeom prst="rect">
+            <a:avLst/>
+          </a:prstGeom>
+          <a:noFill/>
+          <a:extLst>
+            <a:ext uri="{909E8E84-426E-40DD-AFC4-6F175D3DCCD1}">
+              <a14:hiddenFill xmlns:a14="http://schemas.microsoft.com/office/drawing/2010/main">
+                <a:solidFill>
+                  <a:srgbClr val="FFFFFF"/>
+                </a:solidFill>
+              </a14:hiddenFill>
+            </a:ext>
+          </a:extLst>
+        </p:spPr>
+      </p:pic>
+      <p:sp>
+        <p:nvSpPr>
+          <p:cNvPr id="2" name="文本框 1">
+            <a:extLst>
+              <a:ext uri="{FF2B5EF4-FFF2-40B4-BE49-F238E27FC236}">
+                <a16:creationId xmlns:a16="http://schemas.microsoft.com/office/drawing/2014/main" id="{BF8A7DBC-14F2-21B4-CFB3-4A9A23A11CB5}"/>
+              </a:ext>
+            </a:extLst>
+          </p:cNvPr>
+          <p:cNvSpPr txBox="1"/>
+          <p:nvPr/>
+        </p:nvSpPr>
+        <p:spPr>
+          <a:xfrm>
+            <a:off x="7487920" y="4460240"/>
+            <a:ext cx="3383280" cy="646331"/>
+          </a:xfrm>
+          <a:prstGeom prst="rect">
+            <a:avLst/>
+          </a:prstGeom>
+          <a:noFill/>
+        </p:spPr>
+        <p:txBody>
+          <a:bodyPr wrap="square" rtlCol="0">
+            <a:spAutoFit/>
+          </a:bodyPr>
+          <a:lstStyle/>
+          <a:p>
+            <a:r>
+              <a:rPr lang="zh-CN" altLang="en-US" dirty="0"/>
+              <a:t>更新状态：</a:t>
+            </a:r>
+            <a:endParaRPr lang="en-US" altLang="zh-CN" dirty="0"/>
+          </a:p>
+          <a:p>
+            <a:r>
+              <a:rPr lang="zh-CN" altLang="en-US" dirty="0"/>
+              <a:t>通过确定权重，确定更新值</a:t>
+            </a:r>
+          </a:p>
+        </p:txBody>
+      </p:sp>
+      <p:sp>
+        <p:nvSpPr>
+          <p:cNvPr id="3" name="文本框 2">
+            <a:extLst>
+              <a:ext uri="{FF2B5EF4-FFF2-40B4-BE49-F238E27FC236}">
+                <a16:creationId xmlns:a16="http://schemas.microsoft.com/office/drawing/2014/main" id="{5A487902-86A7-59C0-BC27-BF38B45A033B}"/>
+              </a:ext>
+            </a:extLst>
+          </p:cNvPr>
+          <p:cNvSpPr txBox="1"/>
+          <p:nvPr/>
+        </p:nvSpPr>
+        <p:spPr>
+          <a:xfrm>
+            <a:off x="2367280" y="568296"/>
+            <a:ext cx="5049520" cy="461665"/>
+          </a:xfrm>
+          <a:prstGeom prst="rect">
+            <a:avLst/>
+          </a:prstGeom>
+          <a:noFill/>
+        </p:spPr>
+        <p:txBody>
+          <a:bodyPr wrap="square" rtlCol="0">
+            <a:spAutoFit/>
+          </a:bodyPr>
+          <a:lstStyle/>
+          <a:p>
+            <a:pPr algn="ctr"/>
+            <a:r>
+              <a:rPr lang="zh-CN" altLang="en-US" sz="2400" dirty="0"/>
+              <a:t>输入门和隐藏层</a:t>
+            </a:r>
+          </a:p>
+        </p:txBody>
+      </p:sp>
+      <p:sp>
+        <p:nvSpPr>
+          <p:cNvPr id="4" name="文本框 3">
+            <a:extLst>
+              <a:ext uri="{FF2B5EF4-FFF2-40B4-BE49-F238E27FC236}">
+                <a16:creationId xmlns:a16="http://schemas.microsoft.com/office/drawing/2014/main" id="{D4C3A742-F656-3E8A-D3DD-C15A4E7D7E0D}"/>
+              </a:ext>
+            </a:extLst>
+          </p:cNvPr>
+          <p:cNvSpPr txBox="1"/>
+          <p:nvPr/>
+        </p:nvSpPr>
+        <p:spPr>
+          <a:xfrm>
+            <a:off x="1249680" y="4361318"/>
+            <a:ext cx="3383280" cy="369332"/>
+          </a:xfrm>
+          <a:prstGeom prst="rect">
+            <a:avLst/>
+          </a:prstGeom>
+          <a:noFill/>
+        </p:spPr>
+        <p:txBody>
+          <a:bodyPr wrap="square" rtlCol="0">
+            <a:spAutoFit/>
+          </a:bodyPr>
+          <a:lstStyle/>
+          <a:p>
+            <a:pPr algn="ctr"/>
+            <a:r>
+              <a:rPr lang="en-US" altLang="zh-CN" dirty="0"/>
+              <a:t>Tanh: </a:t>
+            </a:r>
+            <a:r>
+              <a:rPr lang="zh-CN" altLang="en-US" dirty="0"/>
+              <a:t>新输入</a:t>
+            </a:r>
+          </a:p>
+        </p:txBody>
+      </p:sp>
+    </p:spTree>
+    <p:extLst>
+      <p:ext uri="{BB962C8B-B14F-4D97-AF65-F5344CB8AC3E}">
+        <p14:creationId xmlns:p14="http://schemas.microsoft.com/office/powerpoint/2010/main" val="1274576525"/>
+      </p:ext>
+    </p:extLst>
+  </p:cSld>
+  <p:clrMapOvr>
+    <a:masterClrMapping/>
+  </p:clrMapOvr>
+</p:sld>
+</file>
+
+<file path=ppt/slides/slide25.xml><?xml version="1.0" encoding="utf-8"?>
+<p:sld xmlns:a="http://schemas.openxmlformats.org/drawingml/2006/main" xmlns:r="http://schemas.openxmlformats.org/officeDocument/2006/relationships" xmlns:p="http://schemas.openxmlformats.org/presentationml/2006/main">
+  <p:cSld>
+    <p:spTree>
+      <p:nvGrpSpPr>
+        <p:cNvPr id="1" name=""/>
+        <p:cNvGrpSpPr/>
+        <p:nvPr/>
+      </p:nvGrpSpPr>
+      <p:grpSpPr>
+        <a:xfrm>
+          <a:off x="0" y="0"/>
+          <a:ext cx="0" cy="0"/>
+          <a:chOff x="0" y="0"/>
+          <a:chExt cx="0" cy="0"/>
+        </a:xfrm>
+      </p:grpSpPr>
+      <p:pic>
+        <p:nvPicPr>
+          <p:cNvPr id="2050" name="Picture 2">
+            <a:extLst>
+              <a:ext uri="{FF2B5EF4-FFF2-40B4-BE49-F238E27FC236}">
+                <a16:creationId xmlns:a16="http://schemas.microsoft.com/office/drawing/2014/main" id="{F3382EC9-470D-BE06-E337-3513B051A08E}"/>
+              </a:ext>
+            </a:extLst>
+          </p:cNvPr>
+          <p:cNvPicPr>
+            <a:picLocks noChangeAspect="1" noChangeArrowheads="1"/>
+          </p:cNvPicPr>
+          <p:nvPr/>
+        </p:nvPicPr>
+        <p:blipFill>
+          <a:blip r:embed="rId2">
+            <a:extLst>
+              <a:ext uri="{28A0092B-C50C-407E-A947-70E740481C1C}">
+                <a14:useLocalDpi xmlns:a14="http://schemas.microsoft.com/office/drawing/2010/main" val="0"/>
+              </a:ext>
+            </a:extLst>
+          </a:blip>
+          <a:srcRect/>
+          <a:stretch>
+            <a:fillRect/>
+          </a:stretch>
+        </p:blipFill>
+        <p:spPr bwMode="auto">
+          <a:xfrm>
+            <a:off x="243840" y="509905"/>
+            <a:ext cx="12192000" cy="3765550"/>
+          </a:xfrm>
+          <a:prstGeom prst="rect">
+            <a:avLst/>
+          </a:prstGeom>
+          <a:noFill/>
+          <a:extLst>
+            <a:ext uri="{909E8E84-426E-40DD-AFC4-6F175D3DCCD1}">
+              <a14:hiddenFill xmlns:a14="http://schemas.microsoft.com/office/drawing/2010/main">
+                <a:solidFill>
+                  <a:srgbClr val="FFFFFF"/>
+                </a:solidFill>
+              </a14:hiddenFill>
+            </a:ext>
+          </a:extLst>
+        </p:spPr>
+      </p:pic>
+      <p:sp>
+        <p:nvSpPr>
+          <p:cNvPr id="2" name="文本框 1">
+            <a:extLst>
+              <a:ext uri="{FF2B5EF4-FFF2-40B4-BE49-F238E27FC236}">
+                <a16:creationId xmlns:a16="http://schemas.microsoft.com/office/drawing/2014/main" id="{36D1DC3D-3709-07C0-EA75-847BBB8DC46A}"/>
+              </a:ext>
+            </a:extLst>
+          </p:cNvPr>
+          <p:cNvSpPr txBox="1"/>
+          <p:nvPr/>
+        </p:nvSpPr>
+        <p:spPr>
+          <a:xfrm>
+            <a:off x="4754880" y="5049520"/>
+            <a:ext cx="2682240" cy="523220"/>
+          </a:xfrm>
+          <a:prstGeom prst="rect">
+            <a:avLst/>
+          </a:prstGeom>
+          <a:noFill/>
+        </p:spPr>
+        <p:txBody>
+          <a:bodyPr wrap="square" rtlCol="0">
+            <a:spAutoFit/>
+          </a:bodyPr>
+          <a:lstStyle/>
+          <a:p>
+            <a:pPr algn="ctr"/>
+            <a:r>
+              <a:rPr lang="zh-CN" altLang="en-US" sz="2800" dirty="0"/>
+              <a:t>输出信息</a:t>
+            </a:r>
+          </a:p>
+        </p:txBody>
+      </p:sp>
+    </p:spTree>
+    <p:extLst>
+      <p:ext uri="{BB962C8B-B14F-4D97-AF65-F5344CB8AC3E}">
+        <p14:creationId xmlns:p14="http://schemas.microsoft.com/office/powerpoint/2010/main" val="893159161"/>
+      </p:ext>
+    </p:extLst>
+  </p:cSld>
+  <p:clrMapOvr>
+    <a:masterClrMapping/>
+  </p:clrMapOvr>
+</p:sld>
+</file>
+
+<file path=ppt/slides/slide26.xml><?xml version="1.0" encoding="utf-8"?>
+<p:sld xmlns:a="http://schemas.openxmlformats.org/drawingml/2006/main" xmlns:r="http://schemas.openxmlformats.org/officeDocument/2006/relationships" xmlns:p="http://schemas.openxmlformats.org/presentationml/2006/main">
+  <p:cSld>
+    <p:spTree>
+      <p:nvGrpSpPr>
+        <p:cNvPr id="1" name=""/>
+        <p:cNvGrpSpPr/>
+        <p:nvPr/>
+      </p:nvGrpSpPr>
+      <p:grpSpPr>
+        <a:xfrm>
+          <a:off x="0" y="0"/>
+          <a:ext cx="0" cy="0"/>
+          <a:chOff x="0" y="0"/>
+          <a:chExt cx="0" cy="0"/>
+        </a:xfrm>
+      </p:grpSpPr>
+      <p:pic>
+        <p:nvPicPr>
+          <p:cNvPr id="3" name="图片 2">
+            <a:extLst>
+              <a:ext uri="{FF2B5EF4-FFF2-40B4-BE49-F238E27FC236}">
+                <a16:creationId xmlns:a16="http://schemas.microsoft.com/office/drawing/2014/main" id="{6666ACBF-9CC8-813C-BF97-45501E382CE5}"/>
+              </a:ext>
+            </a:extLst>
+          </p:cNvPr>
+          <p:cNvPicPr>
+            <a:picLocks noChangeAspect="1"/>
+          </p:cNvPicPr>
+          <p:nvPr/>
+        </p:nvPicPr>
+        <p:blipFill>
+          <a:blip r:embed="rId2"/>
+          <a:stretch>
+            <a:fillRect/>
+          </a:stretch>
+        </p:blipFill>
+        <p:spPr>
+          <a:xfrm>
+            <a:off x="692944" y="818931"/>
+            <a:ext cx="10988992" cy="5037257"/>
+          </a:xfrm>
+          <a:prstGeom prst="rect">
+            <a:avLst/>
+          </a:prstGeom>
+        </p:spPr>
+      </p:pic>
+    </p:spTree>
+    <p:extLst>
+      <p:ext uri="{BB962C8B-B14F-4D97-AF65-F5344CB8AC3E}">
+        <p14:creationId xmlns:p14="http://schemas.microsoft.com/office/powerpoint/2010/main" val="3625291449"/>
+      </p:ext>
+    </p:extLst>
+  </p:cSld>
+  <p:clrMapOvr>
+    <a:masterClrMapping/>
+  </p:clrMapOvr>
+</p:sld>
+</file>
+
+<file path=ppt/slides/slide27.xml><?xml version="1.0" encoding="utf-8"?>
+<p:sld xmlns:a="http://schemas.openxmlformats.org/drawingml/2006/main" xmlns:r="http://schemas.openxmlformats.org/officeDocument/2006/relationships" xmlns:p="http://schemas.openxmlformats.org/presentationml/2006/main">
+  <p:cSld>
+    <p:spTree>
+      <p:nvGrpSpPr>
+        <p:cNvPr id="1" name=""/>
+        <p:cNvGrpSpPr/>
+        <p:nvPr/>
+      </p:nvGrpSpPr>
+      <p:grpSpPr>
+        <a:xfrm>
+          <a:off x="0" y="0"/>
+          <a:ext cx="0" cy="0"/>
+          <a:chOff x="0" y="0"/>
+          <a:chExt cx="0" cy="0"/>
+        </a:xfrm>
+      </p:grpSpPr>
+      <p:pic>
+        <p:nvPicPr>
+          <p:cNvPr id="3" name="图片 2">
+            <a:extLst>
+              <a:ext uri="{FF2B5EF4-FFF2-40B4-BE49-F238E27FC236}">
+                <a16:creationId xmlns:a16="http://schemas.microsoft.com/office/drawing/2014/main" id="{EC164EB4-32AD-D414-645F-5D2CA21551E3}"/>
+              </a:ext>
+            </a:extLst>
+          </p:cNvPr>
+          <p:cNvPicPr>
+            <a:picLocks noChangeAspect="1"/>
+          </p:cNvPicPr>
+          <p:nvPr/>
+        </p:nvPicPr>
+        <p:blipFill>
+          <a:blip r:embed="rId2"/>
+          <a:stretch>
+            <a:fillRect/>
+          </a:stretch>
+        </p:blipFill>
+        <p:spPr>
+          <a:xfrm>
+            <a:off x="1150375" y="1061883"/>
+            <a:ext cx="5682544" cy="5143478"/>
+          </a:xfrm>
+          <a:prstGeom prst="rect">
+            <a:avLst/>
+          </a:prstGeom>
+        </p:spPr>
+      </p:pic>
+      <p:sp>
+        <p:nvSpPr>
+          <p:cNvPr id="4" name="文本框 3">
+            <a:extLst>
+              <a:ext uri="{FF2B5EF4-FFF2-40B4-BE49-F238E27FC236}">
+                <a16:creationId xmlns:a16="http://schemas.microsoft.com/office/drawing/2014/main" id="{F6844940-C4D9-59E4-16FB-89D0AD43AB30}"/>
+              </a:ext>
+            </a:extLst>
+          </p:cNvPr>
+          <p:cNvSpPr txBox="1"/>
+          <p:nvPr/>
+        </p:nvSpPr>
+        <p:spPr>
+          <a:xfrm>
+            <a:off x="7708490" y="1406012"/>
+            <a:ext cx="2959509" cy="1477328"/>
+          </a:xfrm>
+          <a:prstGeom prst="rect">
+            <a:avLst/>
+          </a:prstGeom>
+          <a:noFill/>
+        </p:spPr>
+        <p:txBody>
+          <a:bodyPr wrap="square" rtlCol="0">
+            <a:spAutoFit/>
+          </a:bodyPr>
+          <a:lstStyle/>
+          <a:p>
+            <a:r>
+              <a:rPr lang="zh-CN" altLang="en-US" dirty="0"/>
+              <a:t>延时单元 </a:t>
+            </a:r>
+            <a:r>
+              <a:rPr lang="en-US" altLang="zh-CN" dirty="0"/>
+              <a:t>Z</a:t>
+            </a:r>
+          </a:p>
+          <a:p>
+            <a:endParaRPr lang="en-US" altLang="zh-CN" dirty="0"/>
+          </a:p>
+          <a:p>
+            <a:r>
+              <a:rPr lang="zh-CN" altLang="en-US" dirty="0"/>
+              <a:t>储存</a:t>
+            </a:r>
+            <a:r>
+              <a:rPr lang="en-US" altLang="zh-CN" dirty="0"/>
+              <a:t>(</a:t>
+            </a:r>
+            <a:r>
+              <a:rPr lang="zh-CN" altLang="en-US" dirty="0"/>
+              <a:t>输入，输出</a:t>
+            </a:r>
+            <a:r>
+              <a:rPr lang="en-US" altLang="zh-CN" dirty="0"/>
+              <a:t>....)</a:t>
+            </a:r>
+          </a:p>
+          <a:p>
+            <a:endParaRPr lang="en-US" altLang="zh-CN" dirty="0"/>
+          </a:p>
+          <a:p>
+            <a:r>
+              <a:rPr lang="zh-CN" altLang="en-US" dirty="0"/>
+              <a:t>增加短时记忆功能</a:t>
+            </a:r>
+          </a:p>
+        </p:txBody>
+      </p:sp>
+    </p:spTree>
+    <p:extLst>
+      <p:ext uri="{BB962C8B-B14F-4D97-AF65-F5344CB8AC3E}">
+        <p14:creationId xmlns:p14="http://schemas.microsoft.com/office/powerpoint/2010/main" val="3923566038"/>
+      </p:ext>
+    </p:extLst>
+  </p:cSld>
+  <p:clrMapOvr>
+    <a:masterClrMapping/>
+  </p:clrMapOvr>
+</p:sld>
+</file>
+
+<file path=ppt/slides/slide28.xml><?xml version="1.0" encoding="utf-8"?>
+<p:sld xmlns:a="http://schemas.openxmlformats.org/drawingml/2006/main" xmlns:r="http://schemas.openxmlformats.org/officeDocument/2006/relationships" xmlns:p="http://schemas.openxmlformats.org/presentationml/2006/main">
+  <p:cSld>
+    <p:spTree>
+      <p:nvGrpSpPr>
+        <p:cNvPr id="1" name=""/>
+        <p:cNvGrpSpPr/>
+        <p:nvPr/>
+      </p:nvGrpSpPr>
+      <p:grpSpPr>
+        <a:xfrm>
+          <a:off x="0" y="0"/>
+          <a:ext cx="0" cy="0"/>
+          <a:chOff x="0" y="0"/>
+          <a:chExt cx="0" cy="0"/>
+        </a:xfrm>
+      </p:grpSpPr>
+      <p:pic>
+        <p:nvPicPr>
+          <p:cNvPr id="6" name="图片 5">
+            <a:extLst>
+              <a:ext uri="{FF2B5EF4-FFF2-40B4-BE49-F238E27FC236}">
+                <a16:creationId xmlns:a16="http://schemas.microsoft.com/office/drawing/2014/main" id="{D22B91C6-6F8D-D477-166E-D3971E37755F}"/>
+              </a:ext>
+            </a:extLst>
+          </p:cNvPr>
+          <p:cNvPicPr>
+            <a:picLocks noChangeAspect="1"/>
+          </p:cNvPicPr>
+          <p:nvPr/>
+        </p:nvPicPr>
+        <p:blipFill>
+          <a:blip r:embed="rId2"/>
+          <a:stretch>
+            <a:fillRect/>
+          </a:stretch>
+        </p:blipFill>
+        <p:spPr>
+          <a:xfrm>
+            <a:off x="679191" y="3957082"/>
+            <a:ext cx="7643522" cy="5486875"/>
+          </a:xfrm>
+          <a:prstGeom prst="rect">
+            <a:avLst/>
+          </a:prstGeom>
+        </p:spPr>
+      </p:pic>
+      <p:pic>
+        <p:nvPicPr>
+          <p:cNvPr id="8" name="图片 7">
+            <a:extLst>
+              <a:ext uri="{FF2B5EF4-FFF2-40B4-BE49-F238E27FC236}">
+                <a16:creationId xmlns:a16="http://schemas.microsoft.com/office/drawing/2014/main" id="{B565E974-C005-57A5-8335-7185AA3E85A0}"/>
+              </a:ext>
+            </a:extLst>
+          </p:cNvPr>
+          <p:cNvPicPr>
+            <a:picLocks noChangeAspect="1"/>
+          </p:cNvPicPr>
+          <p:nvPr/>
+        </p:nvPicPr>
+        <p:blipFill>
+          <a:blip r:embed="rId3"/>
+          <a:stretch>
+            <a:fillRect/>
+          </a:stretch>
+        </p:blipFill>
+        <p:spPr>
+          <a:xfrm>
+            <a:off x="530286" y="1345882"/>
+            <a:ext cx="11390739" cy="3547225"/>
+          </a:xfrm>
+          <a:prstGeom prst="rect">
+            <a:avLst/>
+          </a:prstGeom>
+        </p:spPr>
+      </p:pic>
+      <p:sp>
+        <p:nvSpPr>
+          <p:cNvPr id="2" name="标题 1">
+            <a:extLst>
+              <a:ext uri="{FF2B5EF4-FFF2-40B4-BE49-F238E27FC236}">
+                <a16:creationId xmlns:a16="http://schemas.microsoft.com/office/drawing/2014/main" id="{28996D72-E2AD-A8D8-D646-65D05AF18426}"/>
+              </a:ext>
+            </a:extLst>
+          </p:cNvPr>
+          <p:cNvSpPr txBox="1">
+            <a:spLocks/>
+          </p:cNvSpPr>
+          <p:nvPr/>
+        </p:nvSpPr>
+        <p:spPr>
+          <a:xfrm>
+            <a:off x="121461" y="142239"/>
+            <a:ext cx="5902960" cy="1203643"/>
+          </a:xfrm>
+          <a:prstGeom prst="rect">
+            <a:avLst/>
+          </a:prstGeom>
+        </p:spPr>
+        <p:txBody>
+          <a:bodyPr vert="horz" lIns="91440" tIns="45720" rIns="91440" bIns="45720" rtlCol="0" anchor="ctr">
+            <a:normAutofit/>
+          </a:bodyPr>
+          <a:lstStyle>
+            <a:lvl1pPr algn="l" defTabSz="914400" rtl="0" eaLnBrk="1" latinLnBrk="0" hangingPunct="1">
+              <a:lnSpc>
+                <a:spcPct val="90000"/>
+              </a:lnSpc>
+              <a:spcBef>
+                <a:spcPct val="0"/>
+              </a:spcBef>
+              <a:buNone/>
+              <a:defRPr sz="4400" kern="1200">
+                <a:solidFill>
+                  <a:schemeClr val="tx1"/>
+                </a:solidFill>
+                <a:latin typeface="+mj-lt"/>
+                <a:ea typeface="+mj-ea"/>
+                <a:cs typeface="+mj-cs"/>
+              </a:defRPr>
+            </a:lvl1pPr>
+          </a:lstStyle>
+          <a:p>
+            <a:r>
+              <a:rPr lang="zh-CN" altLang="en-US" dirty="0"/>
+              <a:t>数据集准备</a:t>
+            </a:r>
+          </a:p>
+        </p:txBody>
+      </p:sp>
+    </p:spTree>
+    <p:extLst>
+      <p:ext uri="{BB962C8B-B14F-4D97-AF65-F5344CB8AC3E}">
+        <p14:creationId xmlns:p14="http://schemas.microsoft.com/office/powerpoint/2010/main" val="3517391363"/>
+      </p:ext>
+    </p:extLst>
+  </p:cSld>
+  <p:clrMapOvr>
+    <a:masterClrMapping/>
+  </p:clrMapOvr>
+</p:sld>
+</file>
+
+<file path=ppt/slides/slide29.xml><?xml version="1.0" encoding="utf-8"?>
+<p:sld xmlns:a="http://schemas.openxmlformats.org/drawingml/2006/main" xmlns:r="http://schemas.openxmlformats.org/officeDocument/2006/relationships" xmlns:p="http://schemas.openxmlformats.org/presentationml/2006/main">
+  <p:cSld>
+    <p:spTree>
+      <p:nvGrpSpPr>
+        <p:cNvPr id="1" name=""/>
+        <p:cNvGrpSpPr/>
+        <p:nvPr/>
+      </p:nvGrpSpPr>
+      <p:grpSpPr>
+        <a:xfrm>
+          <a:off x="0" y="0"/>
+          <a:ext cx="0" cy="0"/>
+          <a:chOff x="0" y="0"/>
+          <a:chExt cx="0" cy="0"/>
+        </a:xfrm>
+      </p:grpSpPr>
+      <p:pic>
+        <p:nvPicPr>
+          <p:cNvPr id="6" name="图片 5">
+            <a:extLst>
+              <a:ext uri="{FF2B5EF4-FFF2-40B4-BE49-F238E27FC236}">
+                <a16:creationId xmlns:a16="http://schemas.microsoft.com/office/drawing/2014/main" id="{463D15C5-1DF8-E76B-28AB-5FEB779FC934}"/>
+              </a:ext>
+            </a:extLst>
+          </p:cNvPr>
+          <p:cNvPicPr>
+            <a:picLocks noChangeAspect="1"/>
+          </p:cNvPicPr>
+          <p:nvPr/>
+        </p:nvPicPr>
+        <p:blipFill>
+          <a:blip r:embed="rId2"/>
+          <a:stretch>
+            <a:fillRect/>
+          </a:stretch>
+        </p:blipFill>
+        <p:spPr>
+          <a:xfrm>
+            <a:off x="954077" y="2026479"/>
+            <a:ext cx="6134632" cy="4496190"/>
+          </a:xfrm>
+          <a:prstGeom prst="rect">
+            <a:avLst/>
+          </a:prstGeom>
+        </p:spPr>
+      </p:pic>
+      <p:pic>
+        <p:nvPicPr>
+          <p:cNvPr id="10" name="图片 9">
+            <a:extLst>
+              <a:ext uri="{FF2B5EF4-FFF2-40B4-BE49-F238E27FC236}">
+                <a16:creationId xmlns:a16="http://schemas.microsoft.com/office/drawing/2014/main" id="{C834D18F-93C6-2CA9-FBFF-0D74973F0D0D}"/>
+              </a:ext>
+            </a:extLst>
+          </p:cNvPr>
+          <p:cNvPicPr>
+            <a:picLocks noChangeAspect="1"/>
+          </p:cNvPicPr>
+          <p:nvPr/>
+        </p:nvPicPr>
+        <p:blipFill>
+          <a:blip r:embed="rId3"/>
+          <a:stretch>
+            <a:fillRect/>
+          </a:stretch>
+        </p:blipFill>
+        <p:spPr>
+          <a:xfrm>
+            <a:off x="4937131" y="335331"/>
+            <a:ext cx="7254869" cy="5082980"/>
+          </a:xfrm>
+          <a:prstGeom prst="rect">
+            <a:avLst/>
+          </a:prstGeom>
+        </p:spPr>
+      </p:pic>
+    </p:spTree>
+    <p:extLst>
+      <p:ext uri="{BB962C8B-B14F-4D97-AF65-F5344CB8AC3E}">
+        <p14:creationId xmlns:p14="http://schemas.microsoft.com/office/powerpoint/2010/main" val="2119905817"/>
       </p:ext>
     </p:extLst>
   </p:cSld>
@@ -4589,12 +6798,250 @@
           <a:chExt cx="0" cy="0"/>
         </a:xfrm>
       </p:grpSpPr>
+      <p:sp>
+        <p:nvSpPr>
+          <p:cNvPr id="3" name="副标题 2">
+            <a:extLst>
+              <a:ext uri="{FF2B5EF4-FFF2-40B4-BE49-F238E27FC236}">
+                <a16:creationId xmlns:a16="http://schemas.microsoft.com/office/drawing/2014/main" id="{ABA0674D-0CB3-BBFE-7316-6E4AEE5A77F0}"/>
+              </a:ext>
+            </a:extLst>
+          </p:cNvPr>
+          <p:cNvSpPr>
+            <a:spLocks noGrp="1"/>
+          </p:cNvSpPr>
+          <p:nvPr>
+            <p:ph type="subTitle" idx="1"/>
+          </p:nvPr>
+        </p:nvSpPr>
+        <p:spPr>
+          <a:xfrm>
+            <a:off x="639096" y="1447797"/>
+            <a:ext cx="10471355" cy="3851789"/>
+          </a:xfrm>
+        </p:spPr>
+        <p:txBody>
+          <a:bodyPr>
+            <a:normAutofit fontScale="92500" lnSpcReduction="20000"/>
+          </a:bodyPr>
+          <a:lstStyle/>
+          <a:p>
+            <a:pPr algn="l"/>
+            <a:r>
+              <a:rPr lang="zh-CN" altLang="en-US" dirty="0"/>
+              <a:t>定义</a:t>
+            </a:r>
+            <a:r>
+              <a:rPr lang="en-US" altLang="zh-CN" dirty="0"/>
+              <a:t>:</a:t>
+            </a:r>
+          </a:p>
+          <a:p>
+            <a:pPr algn="l"/>
+            <a:r>
+              <a:rPr lang="en-US" altLang="zh-CN" dirty="0"/>
+              <a:t>1.</a:t>
+            </a:r>
+            <a:r>
+              <a:rPr lang="zh-CN" altLang="en-US" dirty="0"/>
+              <a:t>逻辑上难以自洽，前后矛盾</a:t>
+            </a:r>
+            <a:endParaRPr lang="en-US" altLang="zh-CN" dirty="0"/>
+          </a:p>
+          <a:p>
+            <a:pPr algn="l"/>
+            <a:r>
+              <a:rPr lang="en-US" altLang="zh-CN" dirty="0"/>
+              <a:t>2.</a:t>
+            </a:r>
+            <a:r>
+              <a:rPr lang="zh-CN" altLang="en-US" dirty="0"/>
+              <a:t>明显与常理相违背</a:t>
+            </a:r>
+            <a:endParaRPr lang="en-US" altLang="zh-CN" dirty="0"/>
+          </a:p>
+          <a:p>
+            <a:pPr algn="l"/>
+            <a:r>
+              <a:rPr lang="en-US" altLang="zh-CN" dirty="0"/>
+              <a:t>3.</a:t>
+            </a:r>
+            <a:r>
+              <a:rPr lang="zh-CN" altLang="en-US" dirty="0"/>
+              <a:t>智能合成</a:t>
+            </a:r>
+            <a:r>
+              <a:rPr lang="en-US" altLang="zh-CN" dirty="0"/>
+              <a:t>,</a:t>
+            </a:r>
+            <a:r>
+              <a:rPr lang="zh-CN" altLang="en-US" dirty="0"/>
+              <a:t>机器生成</a:t>
+            </a:r>
+            <a:endParaRPr lang="en-US" altLang="zh-CN" dirty="0"/>
+          </a:p>
+          <a:p>
+            <a:pPr algn="l"/>
+            <a:endParaRPr lang="en-US" altLang="zh-CN" dirty="0"/>
+          </a:p>
+          <a:p>
+            <a:pPr algn="l"/>
+            <a:r>
+              <a:rPr lang="zh-CN" altLang="en-US" dirty="0"/>
+              <a:t>程度</a:t>
+            </a:r>
+            <a:r>
+              <a:rPr lang="en-US" altLang="zh-CN" dirty="0"/>
+              <a:t>:</a:t>
+            </a:r>
+          </a:p>
+          <a:p>
+            <a:pPr algn="l"/>
+            <a:r>
+              <a:rPr lang="en-US" altLang="zh-CN" dirty="0"/>
+              <a:t>1.</a:t>
+            </a:r>
+            <a:r>
+              <a:rPr lang="zh-CN" altLang="en-US" dirty="0"/>
+              <a:t>二分类  </a:t>
+            </a:r>
+            <a:endParaRPr lang="en-US" altLang="zh-CN" dirty="0"/>
+          </a:p>
+          <a:p>
+            <a:pPr algn="l"/>
+            <a:endParaRPr lang="en-US" altLang="zh-CN" dirty="0"/>
+          </a:p>
+          <a:p>
+            <a:pPr algn="l"/>
+            <a:r>
+              <a:rPr lang="en-US" altLang="zh-CN" dirty="0"/>
+              <a:t>2.</a:t>
+            </a:r>
+            <a:r>
+              <a:rPr lang="zh-CN" altLang="en-US" dirty="0"/>
+              <a:t>多梯度分类：</a:t>
+            </a:r>
+            <a:endParaRPr lang="en-US" altLang="zh-CN" dirty="0"/>
+          </a:p>
+          <a:p>
+            <a:pPr algn="l"/>
+            <a:r>
+              <a:rPr lang="en-US" altLang="zh-CN" dirty="0"/>
+              <a:t>True, half True, Fake, half Fake</a:t>
+            </a:r>
+          </a:p>
+          <a:p>
+            <a:pPr algn="l"/>
+            <a:endParaRPr lang="en-US" altLang="zh-CN" dirty="0"/>
+          </a:p>
+          <a:p>
+            <a:pPr algn="l"/>
+            <a:endParaRPr lang="en-US" altLang="zh-CN" dirty="0"/>
+          </a:p>
+          <a:p>
+            <a:pPr algn="l"/>
+            <a:endParaRPr lang="en-US" altLang="zh-CN" dirty="0"/>
+          </a:p>
+          <a:p>
+            <a:pPr algn="l"/>
+            <a:endParaRPr lang="en-US" altLang="zh-CN" dirty="0"/>
+          </a:p>
+          <a:p>
+            <a:pPr algn="l"/>
+            <a:endParaRPr lang="en-US" altLang="zh-CN" dirty="0"/>
+          </a:p>
+          <a:p>
+            <a:pPr algn="l"/>
+            <a:endParaRPr lang="en-US" altLang="zh-CN" dirty="0"/>
+          </a:p>
+          <a:p>
+            <a:pPr algn="l"/>
+            <a:endParaRPr lang="en-US" altLang="zh-CN" dirty="0"/>
+          </a:p>
+          <a:p>
+            <a:pPr algn="l"/>
+            <a:endParaRPr lang="en-US" altLang="zh-CN" dirty="0"/>
+          </a:p>
+          <a:p>
+            <a:pPr algn="l"/>
+            <a:endParaRPr lang="en-US" altLang="zh-CN" dirty="0"/>
+          </a:p>
+        </p:txBody>
+      </p:sp>
+      <p:sp>
+        <p:nvSpPr>
+          <p:cNvPr id="4" name="文本框 3">
+            <a:extLst>
+              <a:ext uri="{FF2B5EF4-FFF2-40B4-BE49-F238E27FC236}">
+                <a16:creationId xmlns:a16="http://schemas.microsoft.com/office/drawing/2014/main" id="{A92DCE3A-1465-F3DC-E699-F00E70BEF97F}"/>
+              </a:ext>
+            </a:extLst>
+          </p:cNvPr>
+          <p:cNvSpPr txBox="1"/>
+          <p:nvPr/>
+        </p:nvSpPr>
+        <p:spPr>
+          <a:xfrm>
+            <a:off x="639097" y="403123"/>
+            <a:ext cx="4680155" cy="984885"/>
+          </a:xfrm>
+          <a:prstGeom prst="rect">
+            <a:avLst/>
+          </a:prstGeom>
+          <a:noFill/>
+        </p:spPr>
+        <p:txBody>
+          <a:bodyPr wrap="square" rtlCol="0">
+            <a:spAutoFit/>
+          </a:bodyPr>
+          <a:lstStyle/>
+          <a:p>
+            <a:r>
+              <a:rPr lang="en-US" altLang="zh-CN" sz="4000" dirty="0"/>
+              <a:t>What is fake news?</a:t>
+            </a:r>
+          </a:p>
+          <a:p>
+            <a:endParaRPr lang="zh-CN" altLang="en-US" dirty="0"/>
+          </a:p>
+        </p:txBody>
+      </p:sp>
+    </p:spTree>
+    <p:extLst>
+      <p:ext uri="{BB962C8B-B14F-4D97-AF65-F5344CB8AC3E}">
+        <p14:creationId xmlns:p14="http://schemas.microsoft.com/office/powerpoint/2010/main" val="913391431"/>
+      </p:ext>
+    </p:extLst>
+  </p:cSld>
+  <p:clrMapOvr>
+    <a:masterClrMapping/>
+  </p:clrMapOvr>
+</p:sld>
+</file>
+
+<file path=ppt/slides/slide30.xml><?xml version="1.0" encoding="utf-8"?>
+<p:sld xmlns:a="http://schemas.openxmlformats.org/drawingml/2006/main" xmlns:r="http://schemas.openxmlformats.org/officeDocument/2006/relationships" xmlns:p="http://schemas.openxmlformats.org/presentationml/2006/main">
+  <p:cSld>
+    <p:spTree>
+      <p:nvGrpSpPr>
+        <p:cNvPr id="1" name=""/>
+        <p:cNvGrpSpPr/>
+        <p:nvPr/>
+      </p:nvGrpSpPr>
+      <p:grpSpPr>
+        <a:xfrm>
+          <a:off x="0" y="0"/>
+          <a:ext cx="0" cy="0"/>
+          <a:chOff x="0" y="0"/>
+          <a:chExt cx="0" cy="0"/>
+        </a:xfrm>
+      </p:grpSpPr>
       <p:pic>
         <p:nvPicPr>
-          <p:cNvPr id="4" name="图片 3">
-            <a:extLst>
-              <a:ext uri="{FF2B5EF4-FFF2-40B4-BE49-F238E27FC236}">
-                <a16:creationId xmlns:a16="http://schemas.microsoft.com/office/drawing/2014/main" id="{FB6FC908-C3D9-64A2-B5C0-7ED7543DEEC4}"/>
+          <p:cNvPr id="5" name="图片 4">
+            <a:extLst>
+              <a:ext uri="{FF2B5EF4-FFF2-40B4-BE49-F238E27FC236}">
+                <a16:creationId xmlns:a16="http://schemas.microsoft.com/office/drawing/2014/main" id="{F62DBCA9-1FAB-104F-CA02-0E0E97AC587B}"/>
               </a:ext>
             </a:extLst>
           </p:cNvPr>
@@ -4611,20 +7058,110 @@
         </p:blipFill>
         <p:spPr>
           <a:xfrm>
-            <a:off x="504804" y="937044"/>
-            <a:ext cx="11400508" cy="2491956"/>
+            <a:off x="397551" y="1773200"/>
+            <a:ext cx="6357257" cy="4844820"/>
           </a:xfrm>
           <a:prstGeom prst="rect">
             <a:avLst/>
           </a:prstGeom>
         </p:spPr>
       </p:pic>
-      <p:sp>
-        <p:nvSpPr>
-          <p:cNvPr id="5" name="文本框 4">
-            <a:extLst>
-              <a:ext uri="{FF2B5EF4-FFF2-40B4-BE49-F238E27FC236}">
-                <a16:creationId xmlns:a16="http://schemas.microsoft.com/office/drawing/2014/main" id="{AFBD5F22-5A24-7DE5-AD0B-CE5E55D8D88D}"/>
+      <p:pic>
+        <p:nvPicPr>
+          <p:cNvPr id="6" name="图片 5">
+            <a:extLst>
+              <a:ext uri="{FF2B5EF4-FFF2-40B4-BE49-F238E27FC236}">
+                <a16:creationId xmlns:a16="http://schemas.microsoft.com/office/drawing/2014/main" id="{EBD55A02-888D-064C-A945-CF28786FA292}"/>
+              </a:ext>
+            </a:extLst>
+          </p:cNvPr>
+          <p:cNvPicPr>
+            <a:picLocks noChangeAspect="1"/>
+          </p:cNvPicPr>
+          <p:nvPr/>
+        </p:nvPicPr>
+        <p:blipFill>
+          <a:blip r:embed="rId3"/>
+          <a:stretch>
+            <a:fillRect/>
+          </a:stretch>
+        </p:blipFill>
+        <p:spPr>
+          <a:xfrm>
+            <a:off x="5057969" y="664465"/>
+            <a:ext cx="7058002" cy="3897703"/>
+          </a:xfrm>
+          <a:prstGeom prst="rect">
+            <a:avLst/>
+          </a:prstGeom>
+        </p:spPr>
+      </p:pic>
+    </p:spTree>
+    <p:extLst>
+      <p:ext uri="{BB962C8B-B14F-4D97-AF65-F5344CB8AC3E}">
+        <p14:creationId xmlns:p14="http://schemas.microsoft.com/office/powerpoint/2010/main" val="3516153449"/>
+      </p:ext>
+    </p:extLst>
+  </p:cSld>
+  <p:clrMapOvr>
+    <a:masterClrMapping/>
+  </p:clrMapOvr>
+</p:sld>
+</file>
+
+<file path=ppt/slides/slide31.xml><?xml version="1.0" encoding="utf-8"?>
+<p:sld xmlns:a="http://schemas.openxmlformats.org/drawingml/2006/main" xmlns:r="http://schemas.openxmlformats.org/officeDocument/2006/relationships" xmlns:p="http://schemas.openxmlformats.org/presentationml/2006/main">
+  <p:cSld>
+    <p:spTree>
+      <p:nvGrpSpPr>
+        <p:cNvPr id="1" name=""/>
+        <p:cNvGrpSpPr/>
+        <p:nvPr/>
+      </p:nvGrpSpPr>
+      <p:grpSpPr>
+        <a:xfrm>
+          <a:off x="0" y="0"/>
+          <a:ext cx="0" cy="0"/>
+          <a:chOff x="0" y="0"/>
+          <a:chExt cx="0" cy="0"/>
+        </a:xfrm>
+      </p:grpSpPr>
+      <p:pic>
+        <p:nvPicPr>
+          <p:cNvPr id="7" name="图片 6">
+            <a:extLst>
+              <a:ext uri="{FF2B5EF4-FFF2-40B4-BE49-F238E27FC236}">
+                <a16:creationId xmlns:a16="http://schemas.microsoft.com/office/drawing/2014/main" id="{69CA5BB5-4E7E-7BCF-E77B-BB9597C3B430}"/>
+              </a:ext>
+            </a:extLst>
+          </p:cNvPr>
+          <p:cNvPicPr>
+            <a:picLocks noChangeAspect="1"/>
+          </p:cNvPicPr>
+          <p:nvPr/>
+        </p:nvPicPr>
+        <p:blipFill>
+          <a:blip r:embed="rId2"/>
+          <a:stretch>
+            <a:fillRect/>
+          </a:stretch>
+        </p:blipFill>
+        <p:spPr>
+          <a:xfrm>
+            <a:off x="5677931" y="759213"/>
+            <a:ext cx="5509737" cy="5685013"/>
+          </a:xfrm>
+          <a:prstGeom prst="rect">
+            <a:avLst/>
+          </a:prstGeom>
+        </p:spPr>
+      </p:pic>
+      <p:sp>
+        <p:nvSpPr>
+          <p:cNvPr id="8" name="文本框 7">
+            <a:extLst>
+              <a:ext uri="{FF2B5EF4-FFF2-40B4-BE49-F238E27FC236}">
+                <a16:creationId xmlns:a16="http://schemas.microsoft.com/office/drawing/2014/main" id="{7AC27096-5EEC-713A-CAF7-86E49D07B06C}"/>
               </a:ext>
             </a:extLst>
           </p:cNvPr>
@@ -4633,8 +7170,8 @@
         </p:nvSpPr>
         <p:spPr>
           <a:xfrm>
-            <a:off x="796954" y="4194495"/>
-            <a:ext cx="4591123" cy="646331"/>
+            <a:off x="1127760" y="467360"/>
+            <a:ext cx="2773680" cy="369332"/>
           </a:xfrm>
           <a:prstGeom prst="rect">
             <a:avLst/>
@@ -4648,46 +7185,43 @@
           <a:lstStyle/>
           <a:p>
             <a:r>
+              <a:rPr lang="zh-CN" altLang="en-US" dirty="0"/>
+              <a:t>其他算法：</a:t>
+            </a:r>
+          </a:p>
+        </p:txBody>
+      </p:sp>
+      <p:sp>
+        <p:nvSpPr>
+          <p:cNvPr id="10" name="文本框 9">
+            <a:extLst>
+              <a:ext uri="{FF2B5EF4-FFF2-40B4-BE49-F238E27FC236}">
+                <a16:creationId xmlns:a16="http://schemas.microsoft.com/office/drawing/2014/main" id="{7E4CCD28-C0B2-6A52-73C3-CC8BF0E51A61}"/>
+              </a:ext>
+            </a:extLst>
+          </p:cNvPr>
+          <p:cNvSpPr txBox="1"/>
+          <p:nvPr/>
+        </p:nvSpPr>
+        <p:spPr>
+          <a:xfrm>
+            <a:off x="162560" y="1551355"/>
+            <a:ext cx="6096000" cy="646331"/>
+          </a:xfrm>
+          <a:prstGeom prst="rect">
+            <a:avLst/>
+          </a:prstGeom>
+          <a:noFill/>
+        </p:spPr>
+        <p:txBody>
+          <a:bodyPr wrap="square">
+            <a:spAutoFit/>
+          </a:bodyPr>
+          <a:lstStyle/>
+          <a:p>
+            <a:r>
               <a:rPr lang="en-US" altLang="zh-CN" dirty="0"/>
-              <a:t>Stage 1: Data mining</a:t>
-            </a:r>
-          </a:p>
-          <a:p>
-            <a:r>
-              <a:rPr lang="en-US" altLang="zh-CN" dirty="0"/>
-              <a:t>Stage 2: Use</a:t>
-            </a:r>
-            <a:r>
-              <a:rPr lang="zh-CN" altLang="en-US" dirty="0"/>
-              <a:t> </a:t>
-            </a:r>
-            <a:r>
-              <a:rPr lang="en-US" altLang="zh-CN" dirty="0"/>
-              <a:t>model</a:t>
-            </a:r>
-            <a:r>
-              <a:rPr lang="zh-CN" altLang="en-US" dirty="0"/>
-              <a:t> </a:t>
-            </a:r>
-            <a:r>
-              <a:rPr lang="en-US" altLang="zh-CN" dirty="0"/>
-              <a:t>check</a:t>
-            </a:r>
-            <a:r>
-              <a:rPr lang="zh-CN" altLang="en-US" dirty="0"/>
-              <a:t> </a:t>
-            </a:r>
-            <a:r>
-              <a:rPr lang="en-US" altLang="zh-CN" dirty="0"/>
-              <a:t>it</a:t>
-            </a:r>
-            <a:r>
-              <a:rPr lang="zh-CN" altLang="en-US" dirty="0"/>
-              <a:t> </a:t>
-            </a:r>
-            <a:r>
-              <a:rPr lang="en-US" altLang="zh-CN" dirty="0"/>
-              <a:t>accuracy</a:t>
+              <a:t>Fake news detection on social networks using Machine learning techniques - ScienceDirect</a:t>
             </a:r>
             <a:endParaRPr lang="zh-CN" altLang="en-US" dirty="0"/>
           </a:p>
@@ -4696,7 +7230,454 @@
     </p:spTree>
     <p:extLst>
       <p:ext uri="{BB962C8B-B14F-4D97-AF65-F5344CB8AC3E}">
-        <p14:creationId xmlns:p14="http://schemas.microsoft.com/office/powerpoint/2010/main" val="2497249415"/>
+        <p14:creationId xmlns:p14="http://schemas.microsoft.com/office/powerpoint/2010/main" val="2736446251"/>
+      </p:ext>
+    </p:extLst>
+  </p:cSld>
+  <p:clrMapOvr>
+    <a:masterClrMapping/>
+  </p:clrMapOvr>
+</p:sld>
+</file>
+
+<file path=ppt/slides/slide32.xml><?xml version="1.0" encoding="utf-8"?>
+<p:sld xmlns:a="http://schemas.openxmlformats.org/drawingml/2006/main" xmlns:r="http://schemas.openxmlformats.org/officeDocument/2006/relationships" xmlns:p="http://schemas.openxmlformats.org/presentationml/2006/main">
+  <p:cSld>
+    <p:spTree>
+      <p:nvGrpSpPr>
+        <p:cNvPr id="1" name=""/>
+        <p:cNvGrpSpPr/>
+        <p:nvPr/>
+      </p:nvGrpSpPr>
+      <p:grpSpPr>
+        <a:xfrm>
+          <a:off x="0" y="0"/>
+          <a:ext cx="0" cy="0"/>
+          <a:chOff x="0" y="0"/>
+          <a:chExt cx="0" cy="0"/>
+        </a:xfrm>
+      </p:grpSpPr>
+      <p:pic>
+        <p:nvPicPr>
+          <p:cNvPr id="5" name="图片 4">
+            <a:extLst>
+              <a:ext uri="{FF2B5EF4-FFF2-40B4-BE49-F238E27FC236}">
+                <a16:creationId xmlns:a16="http://schemas.microsoft.com/office/drawing/2014/main" id="{D12A441D-8203-A31D-AC26-96C764EB5937}"/>
+              </a:ext>
+            </a:extLst>
+          </p:cNvPr>
+          <p:cNvPicPr>
+            <a:picLocks noChangeAspect="1"/>
+          </p:cNvPicPr>
+          <p:nvPr/>
+        </p:nvPicPr>
+        <p:blipFill>
+          <a:blip r:embed="rId2"/>
+          <a:stretch>
+            <a:fillRect/>
+          </a:stretch>
+        </p:blipFill>
+        <p:spPr>
+          <a:xfrm>
+            <a:off x="1193597" y="277857"/>
+            <a:ext cx="9411516" cy="6302286"/>
+          </a:xfrm>
+          <a:prstGeom prst="rect">
+            <a:avLst/>
+          </a:prstGeom>
+        </p:spPr>
+      </p:pic>
+    </p:spTree>
+    <p:extLst>
+      <p:ext uri="{BB962C8B-B14F-4D97-AF65-F5344CB8AC3E}">
+        <p14:creationId xmlns:p14="http://schemas.microsoft.com/office/powerpoint/2010/main" val="298512034"/>
+      </p:ext>
+    </p:extLst>
+  </p:cSld>
+  <p:clrMapOvr>
+    <a:masterClrMapping/>
+  </p:clrMapOvr>
+</p:sld>
+</file>
+
+<file path=ppt/slides/slide33.xml><?xml version="1.0" encoding="utf-8"?>
+<p:sld xmlns:a="http://schemas.openxmlformats.org/drawingml/2006/main" xmlns:r="http://schemas.openxmlformats.org/officeDocument/2006/relationships" xmlns:p="http://schemas.openxmlformats.org/presentationml/2006/main">
+  <p:cSld>
+    <p:spTree>
+      <p:nvGrpSpPr>
+        <p:cNvPr id="1" name=""/>
+        <p:cNvGrpSpPr/>
+        <p:nvPr/>
+      </p:nvGrpSpPr>
+      <p:grpSpPr>
+        <a:xfrm>
+          <a:off x="0" y="0"/>
+          <a:ext cx="0" cy="0"/>
+          <a:chOff x="0" y="0"/>
+          <a:chExt cx="0" cy="0"/>
+        </a:xfrm>
+      </p:grpSpPr>
+      <p:pic>
+        <p:nvPicPr>
+          <p:cNvPr id="5" name="图片 4">
+            <a:extLst>
+              <a:ext uri="{FF2B5EF4-FFF2-40B4-BE49-F238E27FC236}">
+                <a16:creationId xmlns:a16="http://schemas.microsoft.com/office/drawing/2014/main" id="{0EB585C8-0509-92E5-F6C1-414DA206B297}"/>
+              </a:ext>
+            </a:extLst>
+          </p:cNvPr>
+          <p:cNvPicPr>
+            <a:picLocks noChangeAspect="1"/>
+          </p:cNvPicPr>
+          <p:nvPr/>
+        </p:nvPicPr>
+        <p:blipFill>
+          <a:blip r:embed="rId2"/>
+          <a:stretch>
+            <a:fillRect/>
+          </a:stretch>
+        </p:blipFill>
+        <p:spPr>
+          <a:xfrm>
+            <a:off x="629766" y="698091"/>
+            <a:ext cx="9041327" cy="3313470"/>
+          </a:xfrm>
+          <a:prstGeom prst="rect">
+            <a:avLst/>
+          </a:prstGeom>
+        </p:spPr>
+      </p:pic>
+    </p:spTree>
+    <p:extLst>
+      <p:ext uri="{BB962C8B-B14F-4D97-AF65-F5344CB8AC3E}">
+        <p14:creationId xmlns:p14="http://schemas.microsoft.com/office/powerpoint/2010/main" val="3153903300"/>
+      </p:ext>
+    </p:extLst>
+  </p:cSld>
+  <p:clrMapOvr>
+    <a:masterClrMapping/>
+  </p:clrMapOvr>
+</p:sld>
+</file>
+
+<file path=ppt/slides/slide34.xml><?xml version="1.0" encoding="utf-8"?>
+<p:sld xmlns:a="http://schemas.openxmlformats.org/drawingml/2006/main" xmlns:r="http://schemas.openxmlformats.org/officeDocument/2006/relationships" xmlns:p="http://schemas.openxmlformats.org/presentationml/2006/main">
+  <p:cSld>
+    <p:spTree>
+      <p:nvGrpSpPr>
+        <p:cNvPr id="1" name=""/>
+        <p:cNvGrpSpPr/>
+        <p:nvPr/>
+      </p:nvGrpSpPr>
+      <p:grpSpPr>
+        <a:xfrm>
+          <a:off x="0" y="0"/>
+          <a:ext cx="0" cy="0"/>
+          <a:chOff x="0" y="0"/>
+          <a:chExt cx="0" cy="0"/>
+        </a:xfrm>
+      </p:grpSpPr>
+      <p:pic>
+        <p:nvPicPr>
+          <p:cNvPr id="1026" name="Picture 2">
+            <a:extLst>
+              <a:ext uri="{FF2B5EF4-FFF2-40B4-BE49-F238E27FC236}">
+                <a16:creationId xmlns:a16="http://schemas.microsoft.com/office/drawing/2014/main" id="{6801727D-023A-FEA0-B03C-E8FE340CD5CC}"/>
+              </a:ext>
+            </a:extLst>
+          </p:cNvPr>
+          <p:cNvPicPr>
+            <a:picLocks noChangeAspect="1" noChangeArrowheads="1"/>
+          </p:cNvPicPr>
+          <p:nvPr/>
+        </p:nvPicPr>
+        <p:blipFill>
+          <a:blip r:embed="rId2">
+            <a:extLst>
+              <a:ext uri="{28A0092B-C50C-407E-A947-70E740481C1C}">
+                <a14:useLocalDpi xmlns:a14="http://schemas.microsoft.com/office/drawing/2010/main" val="0"/>
+              </a:ext>
+            </a:extLst>
+          </a:blip>
+          <a:srcRect/>
+          <a:stretch>
+            <a:fillRect/>
+          </a:stretch>
+        </p:blipFill>
+        <p:spPr bwMode="auto">
+          <a:xfrm>
+            <a:off x="2172586" y="490014"/>
+            <a:ext cx="6154258" cy="6495577"/>
+          </a:xfrm>
+          <a:prstGeom prst="rect">
+            <a:avLst/>
+          </a:prstGeom>
+          <a:noFill/>
+          <a:extLst>
+            <a:ext uri="{909E8E84-426E-40DD-AFC4-6F175D3DCCD1}">
+              <a14:hiddenFill xmlns:a14="http://schemas.microsoft.com/office/drawing/2010/main">
+                <a:solidFill>
+                  <a:srgbClr val="FFFFFF"/>
+                </a:solidFill>
+              </a14:hiddenFill>
+            </a:ext>
+          </a:extLst>
+        </p:spPr>
+      </p:pic>
+    </p:spTree>
+    <p:extLst>
+      <p:ext uri="{BB962C8B-B14F-4D97-AF65-F5344CB8AC3E}">
+        <p14:creationId xmlns:p14="http://schemas.microsoft.com/office/powerpoint/2010/main" val="2231472290"/>
+      </p:ext>
+    </p:extLst>
+  </p:cSld>
+  <p:clrMapOvr>
+    <a:masterClrMapping/>
+  </p:clrMapOvr>
+</p:sld>
+</file>
+
+<file path=ppt/slides/slide35.xml><?xml version="1.0" encoding="utf-8"?>
+<p:sld xmlns:a="http://schemas.openxmlformats.org/drawingml/2006/main" xmlns:r="http://schemas.openxmlformats.org/officeDocument/2006/relationships" xmlns:p="http://schemas.openxmlformats.org/presentationml/2006/main">
+  <p:cSld>
+    <p:spTree>
+      <p:nvGrpSpPr>
+        <p:cNvPr id="1" name=""/>
+        <p:cNvGrpSpPr/>
+        <p:nvPr/>
+      </p:nvGrpSpPr>
+      <p:grpSpPr>
+        <a:xfrm>
+          <a:off x="0" y="0"/>
+          <a:ext cx="0" cy="0"/>
+          <a:chOff x="0" y="0"/>
+          <a:chExt cx="0" cy="0"/>
+        </a:xfrm>
+      </p:grpSpPr>
+      <p:sp>
+        <p:nvSpPr>
+          <p:cNvPr id="2" name="标题 1">
+            <a:extLst>
+              <a:ext uri="{FF2B5EF4-FFF2-40B4-BE49-F238E27FC236}">
+                <a16:creationId xmlns:a16="http://schemas.microsoft.com/office/drawing/2014/main" id="{4E83F19A-6A1C-97C9-9201-EF16DB333382}"/>
+              </a:ext>
+            </a:extLst>
+          </p:cNvPr>
+          <p:cNvSpPr>
+            <a:spLocks noGrp="1"/>
+          </p:cNvSpPr>
+          <p:nvPr>
+            <p:ph type="title"/>
+          </p:nvPr>
+        </p:nvSpPr>
+        <p:spPr/>
+        <p:txBody>
+          <a:bodyPr/>
+          <a:lstStyle/>
+          <a:p>
+            <a:r>
+              <a:rPr lang="en-US" altLang="zh-CN" dirty="0"/>
+              <a:t>Reference:</a:t>
+            </a:r>
+            <a:endParaRPr lang="zh-CN" altLang="en-US" dirty="0"/>
+          </a:p>
+        </p:txBody>
+      </p:sp>
+      <p:sp>
+        <p:nvSpPr>
+          <p:cNvPr id="5" name="文本框 4">
+            <a:extLst>
+              <a:ext uri="{FF2B5EF4-FFF2-40B4-BE49-F238E27FC236}">
+                <a16:creationId xmlns:a16="http://schemas.microsoft.com/office/drawing/2014/main" id="{B7DF7068-8230-2E73-B3AB-C29D2E4A9BF7}"/>
+              </a:ext>
+            </a:extLst>
+          </p:cNvPr>
+          <p:cNvSpPr txBox="1"/>
+          <p:nvPr/>
+        </p:nvSpPr>
+        <p:spPr>
+          <a:xfrm>
+            <a:off x="943568" y="1290932"/>
+            <a:ext cx="8710795" cy="5078313"/>
+          </a:xfrm>
+          <a:prstGeom prst="rect">
+            <a:avLst/>
+          </a:prstGeom>
+          <a:noFill/>
+        </p:spPr>
+        <p:txBody>
+          <a:bodyPr wrap="square">
+            <a:spAutoFit/>
+          </a:bodyPr>
+          <a:lstStyle/>
+          <a:p>
+            <a:r>
+              <a:rPr lang="en-US" altLang="zh-CN" b="0" i="0" dirty="0">
+                <a:solidFill>
+                  <a:srgbClr val="000000"/>
+                </a:solidFill>
+                <a:effectLst/>
+                <a:latin typeface="微软雅黑" panose="020B0503020204020204" pitchFamily="34" charset="-122"/>
+                <a:ea typeface="微软雅黑" panose="020B0503020204020204" pitchFamily="34" charset="-122"/>
+              </a:rPr>
+              <a:t>[1] </a:t>
+            </a:r>
+          </a:p>
+          <a:p>
+            <a:r>
+              <a:rPr lang="en-US" altLang="zh-CN" b="0" i="0" dirty="0">
+                <a:solidFill>
+                  <a:srgbClr val="000000"/>
+                </a:solidFill>
+                <a:effectLst/>
+                <a:latin typeface="微软雅黑" panose="020B0503020204020204" pitchFamily="34" charset="-122"/>
+                <a:ea typeface="微软雅黑" panose="020B0503020204020204" pitchFamily="34" charset="-122"/>
+              </a:rPr>
+              <a:t>S. Hochreiter and J. Schmidhuber, “Long Short-Term Memory,” </a:t>
+            </a:r>
+            <a:r>
+              <a:rPr lang="en-US" altLang="zh-CN" b="0" i="1" dirty="0">
+                <a:solidFill>
+                  <a:srgbClr val="000000"/>
+                </a:solidFill>
+                <a:effectLst/>
+                <a:latin typeface="微软雅黑" panose="020B0503020204020204" pitchFamily="34" charset="-122"/>
+                <a:ea typeface="微软雅黑" panose="020B0503020204020204" pitchFamily="34" charset="-122"/>
+              </a:rPr>
+              <a:t>Neural Compute</a:t>
+            </a:r>
+            <a:r>
+              <a:rPr lang="en-US" altLang="zh-CN" b="0" i="0" dirty="0">
+                <a:solidFill>
+                  <a:srgbClr val="000000"/>
+                </a:solidFill>
+                <a:effectLst/>
+                <a:latin typeface="微软雅黑" panose="020B0503020204020204" pitchFamily="34" charset="-122"/>
+                <a:ea typeface="微软雅黑" panose="020B0503020204020204" pitchFamily="34" charset="-122"/>
+              </a:rPr>
+              <a:t>, vol. 9, no. 8, pp. 1735–1780, Nov. 1997.</a:t>
+            </a:r>
+          </a:p>
+          <a:p>
+            <a:r>
+              <a:rPr lang="en-US" altLang="zh-CN" dirty="0">
+                <a:solidFill>
+                  <a:srgbClr val="000000"/>
+                </a:solidFill>
+                <a:latin typeface="微软雅黑" panose="020B0503020204020204" pitchFamily="34" charset="-122"/>
+                <a:ea typeface="微软雅黑" panose="020B0503020204020204" pitchFamily="34" charset="-122"/>
+              </a:rPr>
+              <a:t>[2] https://www.researchgate.net/publication/12314435_Neural_system_identification_model_of_human_sound_localization</a:t>
+            </a:r>
+          </a:p>
+          <a:p>
+            <a:r>
+              <a:rPr lang="en-US" altLang="zh-CN" dirty="0">
+                <a:solidFill>
+                  <a:srgbClr val="000000"/>
+                </a:solidFill>
+                <a:latin typeface="微软雅黑" panose="020B0503020204020204" pitchFamily="34" charset="-122"/>
+                <a:ea typeface="微软雅黑" panose="020B0503020204020204" pitchFamily="34" charset="-122"/>
+              </a:rPr>
+              <a:t>[3]</a:t>
+            </a:r>
+          </a:p>
+          <a:p>
+            <a:r>
+              <a:rPr lang="en-US" altLang="zh-CN" dirty="0"/>
+              <a:t>“</a:t>
+            </a:r>
+            <a:r>
+              <a:rPr lang="en-US" altLang="zh-CN" dirty="0">
+                <a:solidFill>
+                  <a:srgbClr val="000000"/>
+                </a:solidFill>
+                <a:latin typeface="微软雅黑" panose="020B0503020204020204" pitchFamily="34" charset="-122"/>
+                <a:ea typeface="微软雅黑" panose="020B0503020204020204" pitchFamily="34" charset="-122"/>
+              </a:rPr>
+              <a:t>Liar, Liar Pants on Fire”: A New Benchmark Dataset for Fake News Detection, Proceedings of the 55th Annual Meeting of the Association for Computational Linguistics (Volume 2: Short Papers)</a:t>
+            </a:r>
+          </a:p>
+          <a:p>
+            <a:r>
+              <a:rPr lang="en-US" altLang="zh-CN" dirty="0">
+                <a:solidFill>
+                  <a:srgbClr val="000000"/>
+                </a:solidFill>
+                <a:latin typeface="微软雅黑" panose="020B0503020204020204" pitchFamily="34" charset="-122"/>
+                <a:ea typeface="微软雅黑" panose="020B0503020204020204" pitchFamily="34" charset="-122"/>
+              </a:rPr>
+              <a:t>[4]</a:t>
+            </a:r>
+          </a:p>
+          <a:p>
+            <a:r>
+              <a:rPr lang="en-US" altLang="zh-CN" dirty="0">
+                <a:solidFill>
+                  <a:srgbClr val="000000"/>
+                </a:solidFill>
+                <a:latin typeface="微软雅黑" panose="020B0503020204020204" pitchFamily="34" charset="-122"/>
+                <a:ea typeface="微软雅黑" panose="020B0503020204020204" pitchFamily="34" charset="-122"/>
+              </a:rPr>
+              <a:t>A Survey of Fake News: Fundamental Theories, Detection Methods, and Opportunities</a:t>
+            </a:r>
+          </a:p>
+          <a:p>
+            <a:r>
+              <a:rPr lang="en-US" altLang="zh-CN" dirty="0">
+                <a:solidFill>
+                  <a:srgbClr val="000000"/>
+                </a:solidFill>
+                <a:latin typeface="微软雅黑" panose="020B0503020204020204" pitchFamily="34" charset="-122"/>
+                <a:ea typeface="微软雅黑" panose="020B0503020204020204" pitchFamily="34" charset="-122"/>
+              </a:rPr>
+              <a:t>[5]</a:t>
+            </a:r>
+          </a:p>
+          <a:p>
+            <a:pPr algn="l"/>
+            <a:r>
+              <a:rPr lang="en-US" altLang="zh-CN" dirty="0">
+                <a:solidFill>
+                  <a:srgbClr val="000000"/>
+                </a:solidFill>
+                <a:latin typeface="微软雅黑" panose="020B0503020204020204" pitchFamily="34" charset="-122"/>
+                <a:ea typeface="微软雅黑" panose="020B0503020204020204" pitchFamily="34" charset="-122"/>
+              </a:rPr>
+              <a:t>FAKEDETECTOR: Effective Fake News Detection with Deep Diffusive Neural Network, 2020 IEEE 36th International Conference on Data Engineering (ICDE)</a:t>
+            </a:r>
+          </a:p>
+          <a:p>
+            <a:pPr algn="l"/>
+            <a:r>
+              <a:rPr lang="en-US" altLang="zh-CN" dirty="0">
+                <a:solidFill>
+                  <a:srgbClr val="000000"/>
+                </a:solidFill>
+                <a:latin typeface="微软雅黑" panose="020B0503020204020204" pitchFamily="34" charset="-122"/>
+                <a:ea typeface="微软雅黑" panose="020B0503020204020204" pitchFamily="34" charset="-122"/>
+              </a:rPr>
+              <a:t>[6]</a:t>
+            </a:r>
+          </a:p>
+          <a:p>
+            <a:r>
+              <a:rPr lang="en-US" altLang="zh-CN" dirty="0">
+                <a:solidFill>
+                  <a:srgbClr val="000000"/>
+                </a:solidFill>
+                <a:latin typeface="微软雅黑" panose="020B0503020204020204" pitchFamily="34" charset="-122"/>
+                <a:ea typeface="微软雅黑" panose="020B0503020204020204" pitchFamily="34" charset="-122"/>
+              </a:rPr>
+              <a:t>https://scholar.google.com/citations?user=DaFHynwAAAAJ&amp;hl=en</a:t>
+            </a:r>
+          </a:p>
+        </p:txBody>
+      </p:sp>
+    </p:spTree>
+    <p:extLst>
+      <p:ext uri="{BB962C8B-B14F-4D97-AF65-F5344CB8AC3E}">
+        <p14:creationId xmlns:p14="http://schemas.microsoft.com/office/powerpoint/2010/main" val="2626959894"/>
       </p:ext>
     </p:extLst>
   </p:cSld>
@@ -4723,12 +7704,42 @@
           <a:chExt cx="0" cy="0"/>
         </a:xfrm>
       </p:grpSpPr>
-      <p:sp>
-        <p:nvSpPr>
-          <p:cNvPr id="3" name="文本框 2">
-            <a:extLst>
-              <a:ext uri="{FF2B5EF4-FFF2-40B4-BE49-F238E27FC236}">
-                <a16:creationId xmlns:a16="http://schemas.microsoft.com/office/drawing/2014/main" id="{63B49F5B-971E-2EC3-D425-3FD8FA071C24}"/>
+      <p:pic>
+        <p:nvPicPr>
+          <p:cNvPr id="4" name="图片 3">
+            <a:extLst>
+              <a:ext uri="{FF2B5EF4-FFF2-40B4-BE49-F238E27FC236}">
+                <a16:creationId xmlns:a16="http://schemas.microsoft.com/office/drawing/2014/main" id="{FB6FC908-C3D9-64A2-B5C0-7ED7543DEEC4}"/>
+              </a:ext>
+            </a:extLst>
+          </p:cNvPr>
+          <p:cNvPicPr>
+            <a:picLocks noChangeAspect="1"/>
+          </p:cNvPicPr>
+          <p:nvPr/>
+        </p:nvPicPr>
+        <p:blipFill>
+          <a:blip r:embed="rId2"/>
+          <a:stretch>
+            <a:fillRect/>
+          </a:stretch>
+        </p:blipFill>
+        <p:spPr>
+          <a:xfrm>
+            <a:off x="504804" y="937044"/>
+            <a:ext cx="11400508" cy="2491956"/>
+          </a:xfrm>
+          <a:prstGeom prst="rect">
+            <a:avLst/>
+          </a:prstGeom>
+        </p:spPr>
+      </p:pic>
+      <p:sp>
+        <p:nvSpPr>
+          <p:cNvPr id="5" name="文本框 4">
+            <a:extLst>
+              <a:ext uri="{FF2B5EF4-FFF2-40B4-BE49-F238E27FC236}">
+                <a16:creationId xmlns:a16="http://schemas.microsoft.com/office/drawing/2014/main" id="{AFBD5F22-5A24-7DE5-AD0B-CE5E55D8D88D}"/>
               </a:ext>
             </a:extLst>
           </p:cNvPr>
@@ -4737,8 +7748,8 @@
         </p:nvSpPr>
         <p:spPr>
           <a:xfrm>
-            <a:off x="838200" y="2357090"/>
-            <a:ext cx="4832758" cy="3416320"/>
+            <a:off x="1006438" y="3387977"/>
+            <a:ext cx="4591123" cy="2031325"/>
           </a:xfrm>
           <a:prstGeom prst="rect">
             <a:avLst/>
@@ -4753,7 +7764,15 @@
           <a:p>
             <a:r>
               <a:rPr lang="en-US" altLang="zh-CN" dirty="0"/>
-              <a:t>KB: knowledge based</a:t>
+              <a:t>Stage 1:</a:t>
+            </a:r>
+            <a:r>
+              <a:rPr lang="zh-CN" altLang="en-US" dirty="0"/>
+              <a:t>构建</a:t>
+            </a:r>
+            <a:r>
+              <a:rPr lang="en-US" altLang="zh-CN" dirty="0"/>
+              <a:t>raw “facts”</a:t>
             </a:r>
           </a:p>
           <a:p>
@@ -4765,42 +7784,79 @@
           <a:p>
             <a:r>
               <a:rPr lang="en-US" altLang="zh-CN" dirty="0"/>
-              <a:t>KG: knowledge graph</a:t>
-            </a:r>
-          </a:p>
-          <a:p>
+              <a:t>Stage 2:</a:t>
+            </a:r>
+            <a:r>
+              <a:rPr lang="zh-CN" altLang="en-US" dirty="0"/>
+              <a:t>从新闻中提取知识</a:t>
+            </a:r>
             <a:endParaRPr lang="en-US" altLang="zh-CN" dirty="0"/>
           </a:p>
           <a:p>
             <a:endParaRPr lang="en-US" altLang="zh-CN" dirty="0"/>
           </a:p>
           <a:p>
+            <a:endParaRPr lang="en-US" altLang="zh-CN" dirty="0"/>
+          </a:p>
+          <a:p>
             <a:r>
               <a:rPr lang="en-US" altLang="zh-CN" dirty="0"/>
+              <a:t>Stage 3:</a:t>
+            </a:r>
+            <a:r>
+              <a:rPr lang="zh-CN" altLang="en-US" dirty="0"/>
+              <a:t>与事实比较，评估真实性</a:t>
+            </a:r>
+          </a:p>
+        </p:txBody>
+      </p:sp>
+      <p:sp>
+        <p:nvSpPr>
+          <p:cNvPr id="6" name="文本框 5">
+            <a:extLst>
+              <a:ext uri="{FF2B5EF4-FFF2-40B4-BE49-F238E27FC236}">
+                <a16:creationId xmlns:a16="http://schemas.microsoft.com/office/drawing/2014/main" id="{9FA1FFC6-A4F9-37AC-5C10-5ED453812B8B}"/>
+              </a:ext>
+            </a:extLst>
+          </p:cNvPr>
+          <p:cNvSpPr txBox="1"/>
+          <p:nvPr/>
+        </p:nvSpPr>
+        <p:spPr>
+          <a:xfrm>
+            <a:off x="6096000" y="4172807"/>
+            <a:ext cx="6096000" cy="369332"/>
+          </a:xfrm>
+          <a:prstGeom prst="rect">
+            <a:avLst/>
+          </a:prstGeom>
+          <a:noFill/>
+        </p:spPr>
+        <p:txBody>
+          <a:bodyPr wrap="square">
+            <a:spAutoFit/>
+          </a:bodyPr>
+          <a:lstStyle/>
+          <a:p>
+            <a:r>
+              <a:rPr lang="en-US" altLang="zh-CN" sz="1800" dirty="0"/>
               <a:t>(Subject, Predicate, Object) (SPO) </a:t>
             </a:r>
-          </a:p>
-          <a:p>
-            <a:endParaRPr lang="en-US" altLang="zh-CN" dirty="0"/>
-          </a:p>
-          <a:p>
-            <a:endParaRPr lang="en-US" altLang="zh-CN" dirty="0"/>
-          </a:p>
-          <a:p>
-            <a:endParaRPr lang="en-US" altLang="zh-CN" dirty="0"/>
-          </a:p>
-          <a:p>
-            <a:endParaRPr lang="en-US" altLang="zh-CN" dirty="0"/>
-          </a:p>
-          <a:p>
-            <a:endParaRPr lang="zh-CN" altLang="en-US" dirty="0"/>
+            <a:r>
+              <a:rPr lang="zh-CN" altLang="en-US" sz="1800" dirty="0"/>
+              <a:t>主谓宾</a:t>
+            </a:r>
+            <a:r>
+              <a:rPr lang="en-US" altLang="zh-CN" sz="1800" dirty="0"/>
+              <a:t> </a:t>
+            </a:r>
           </a:p>
         </p:txBody>
       </p:sp>
     </p:spTree>
     <p:extLst>
       <p:ext uri="{BB962C8B-B14F-4D97-AF65-F5344CB8AC3E}">
-        <p14:creationId xmlns:p14="http://schemas.microsoft.com/office/powerpoint/2010/main" val="623378819"/>
+        <p14:creationId xmlns:p14="http://schemas.microsoft.com/office/powerpoint/2010/main" val="2497249415"/>
       </p:ext>
     </p:extLst>
   </p:cSld>
@@ -4827,37 +7883,101 @@
           <a:chExt cx="0" cy="0"/>
         </a:xfrm>
       </p:grpSpPr>
-      <p:sp>
-        <p:nvSpPr>
-          <p:cNvPr id="3" name="副标题 2">
-            <a:extLst>
-              <a:ext uri="{FF2B5EF4-FFF2-40B4-BE49-F238E27FC236}">
-                <a16:creationId xmlns:a16="http://schemas.microsoft.com/office/drawing/2014/main" id="{03C3AE35-A340-AC9E-AF74-842A17FAF6E0}"/>
-              </a:ext>
-            </a:extLst>
-          </p:cNvPr>
-          <p:cNvSpPr>
-            <a:spLocks noGrp="1"/>
-          </p:cNvSpPr>
-          <p:nvPr>
-            <p:ph type="subTitle" idx="1"/>
-          </p:nvPr>
-        </p:nvSpPr>
-        <p:spPr>
-          <a:xfrm>
-            <a:off x="39149" y="209725"/>
-            <a:ext cx="7818541" cy="738231"/>
-          </a:xfrm>
-        </p:spPr>
-        <p:txBody>
-          <a:bodyPr>
-            <a:normAutofit/>
+      <p:pic>
+        <p:nvPicPr>
+          <p:cNvPr id="4" name="图片 3">
+            <a:extLst>
+              <a:ext uri="{FF2B5EF4-FFF2-40B4-BE49-F238E27FC236}">
+                <a16:creationId xmlns:a16="http://schemas.microsoft.com/office/drawing/2014/main" id="{792A4043-480B-EF54-C721-1DDF8E628276}"/>
+              </a:ext>
+            </a:extLst>
+          </p:cNvPr>
+          <p:cNvPicPr>
+            <a:picLocks noChangeAspect="1"/>
+          </p:cNvPicPr>
+          <p:nvPr/>
+        </p:nvPicPr>
+        <p:blipFill>
+          <a:blip r:embed="rId2"/>
+          <a:stretch>
+            <a:fillRect/>
+          </a:stretch>
+        </p:blipFill>
+        <p:spPr>
+          <a:xfrm>
+            <a:off x="950678" y="2303811"/>
+            <a:ext cx="3063505" cy="2834886"/>
+          </a:xfrm>
+          <a:prstGeom prst="rect">
+            <a:avLst/>
+          </a:prstGeom>
+        </p:spPr>
+      </p:pic>
+      <p:pic>
+        <p:nvPicPr>
+          <p:cNvPr id="5" name="图片 4">
+            <a:extLst>
+              <a:ext uri="{FF2B5EF4-FFF2-40B4-BE49-F238E27FC236}">
+                <a16:creationId xmlns:a16="http://schemas.microsoft.com/office/drawing/2014/main" id="{8681E67F-0BA2-9985-3849-3A46FC8C7620}"/>
+              </a:ext>
+            </a:extLst>
+          </p:cNvPr>
+          <p:cNvPicPr>
+            <a:picLocks noChangeAspect="1"/>
+          </p:cNvPicPr>
+          <p:nvPr/>
+        </p:nvPicPr>
+        <p:blipFill>
+          <a:blip r:embed="rId3"/>
+          <a:stretch>
+            <a:fillRect/>
+          </a:stretch>
+        </p:blipFill>
+        <p:spPr>
+          <a:xfrm>
+            <a:off x="6849277" y="2405411"/>
+            <a:ext cx="2911092" cy="2834886"/>
+          </a:xfrm>
+          <a:prstGeom prst="rect">
+            <a:avLst/>
+          </a:prstGeom>
+        </p:spPr>
+      </p:pic>
+      <p:sp>
+        <p:nvSpPr>
+          <p:cNvPr id="6" name="文本框 5">
+            <a:extLst>
+              <a:ext uri="{FF2B5EF4-FFF2-40B4-BE49-F238E27FC236}">
+                <a16:creationId xmlns:a16="http://schemas.microsoft.com/office/drawing/2014/main" id="{202BB4C3-4374-B5FA-D3C8-6A668721953C}"/>
+              </a:ext>
+            </a:extLst>
+          </p:cNvPr>
+          <p:cNvSpPr txBox="1"/>
+          <p:nvPr/>
+        </p:nvSpPr>
+        <p:spPr>
+          <a:xfrm>
+            <a:off x="497840" y="581383"/>
+            <a:ext cx="2540000" cy="584775"/>
+          </a:xfrm>
+          <a:prstGeom prst="rect">
+            <a:avLst/>
+          </a:prstGeom>
+          <a:noFill/>
+        </p:spPr>
+        <p:txBody>
+          <a:bodyPr wrap="square" rtlCol="0">
+            <a:spAutoFit/>
           </a:bodyPr>
           <a:lstStyle/>
           <a:p>
             <a:r>
+              <a:rPr lang="zh-CN" altLang="en-US" sz="3200" dirty="0"/>
+              <a:t>检测案例</a:t>
+            </a:r>
+            <a:r>
               <a:rPr lang="en-US" altLang="zh-CN" sz="3200" dirty="0"/>
-              <a:t>Traditional Machine Learning methods </a:t>
+              <a:t>:</a:t>
             </a:r>
             <a:endParaRPr lang="zh-CN" altLang="en-US" sz="3200" dirty="0"/>
           </a:p>
@@ -4866,7 +7986,7 @@
     </p:spTree>
     <p:extLst>
       <p:ext uri="{BB962C8B-B14F-4D97-AF65-F5344CB8AC3E}">
-        <p14:creationId xmlns:p14="http://schemas.microsoft.com/office/powerpoint/2010/main" val="380577017"/>
+        <p14:creationId xmlns:p14="http://schemas.microsoft.com/office/powerpoint/2010/main" val="4287129970"/>
       </p:ext>
     </p:extLst>
   </p:cSld>
@@ -4909,7 +8029,12 @@
             <p:ph type="title"/>
           </p:nvPr>
         </p:nvSpPr>
-        <p:spPr/>
+        <p:spPr>
+          <a:xfrm>
+            <a:off x="297426" y="227473"/>
+            <a:ext cx="10515600" cy="1325563"/>
+          </a:xfrm>
+        </p:spPr>
         <p:txBody>
           <a:bodyPr/>
           <a:lstStyle/>
@@ -4918,6 +8043,158 @@
               <a:rPr lang="en-US" altLang="zh-CN" dirty="0"/>
               <a:t>MMFD(multi class-multi source)</a:t>
             </a:r>
+            <a:endParaRPr lang="zh-CN" altLang="en-US" dirty="0"/>
+          </a:p>
+        </p:txBody>
+      </p:sp>
+      <p:pic>
+        <p:nvPicPr>
+          <p:cNvPr id="4" name="图片 3">
+            <a:extLst>
+              <a:ext uri="{FF2B5EF4-FFF2-40B4-BE49-F238E27FC236}">
+                <a16:creationId xmlns:a16="http://schemas.microsoft.com/office/drawing/2014/main" id="{3C0A2591-F246-167E-5E0C-669E889212BE}"/>
+              </a:ext>
+            </a:extLst>
+          </p:cNvPr>
+          <p:cNvPicPr>
+            <a:picLocks noChangeAspect="1"/>
+          </p:cNvPicPr>
+          <p:nvPr/>
+        </p:nvPicPr>
+        <p:blipFill>
+          <a:blip r:embed="rId2"/>
+          <a:stretch>
+            <a:fillRect/>
+          </a:stretch>
+        </p:blipFill>
+        <p:spPr>
+          <a:xfrm>
+            <a:off x="0" y="1954402"/>
+            <a:ext cx="7788551" cy="3689314"/>
+          </a:xfrm>
+          <a:prstGeom prst="rect">
+            <a:avLst/>
+          </a:prstGeom>
+        </p:spPr>
+      </p:pic>
+      <p:sp>
+        <p:nvSpPr>
+          <p:cNvPr id="5" name="文本框 4">
+            <a:extLst>
+              <a:ext uri="{FF2B5EF4-FFF2-40B4-BE49-F238E27FC236}">
+                <a16:creationId xmlns:a16="http://schemas.microsoft.com/office/drawing/2014/main" id="{743D16F9-1AEB-707A-2B9D-68BE0187DC27}"/>
+              </a:ext>
+            </a:extLst>
+          </p:cNvPr>
+          <p:cNvSpPr txBox="1"/>
+          <p:nvPr/>
+        </p:nvSpPr>
+        <p:spPr>
+          <a:xfrm>
+            <a:off x="7460226" y="1398402"/>
+            <a:ext cx="2979174" cy="4801314"/>
+          </a:xfrm>
+          <a:prstGeom prst="rect">
+            <a:avLst/>
+          </a:prstGeom>
+          <a:noFill/>
+        </p:spPr>
+        <p:txBody>
+          <a:bodyPr wrap="square" rtlCol="0">
+            <a:spAutoFit/>
+          </a:bodyPr>
+          <a:lstStyle/>
+          <a:p>
+            <a:endParaRPr lang="en-US" altLang="zh-CN" dirty="0"/>
+          </a:p>
+          <a:p>
+            <a:r>
+              <a:rPr lang="en-US" altLang="zh-CN" dirty="0"/>
+              <a:t>1.</a:t>
+            </a:r>
+            <a:r>
+              <a:rPr lang="zh-CN" altLang="en-US" dirty="0"/>
+              <a:t>集成多个来源的信息</a:t>
+            </a:r>
+            <a:endParaRPr lang="en-US" altLang="zh-CN" dirty="0"/>
+          </a:p>
+          <a:p>
+            <a:endParaRPr lang="en-US" altLang="zh-CN" dirty="0"/>
+          </a:p>
+          <a:p>
+            <a:endParaRPr lang="en-US" altLang="zh-CN" dirty="0"/>
+          </a:p>
+          <a:p>
+            <a:r>
+              <a:rPr lang="en-US" altLang="zh-CN" dirty="0"/>
+              <a:t>2.</a:t>
+            </a:r>
+            <a:r>
+              <a:rPr lang="zh-CN" altLang="en-US" dirty="0"/>
+              <a:t>提供在数学上区分伪造度的方法</a:t>
+            </a:r>
+            <a:endParaRPr lang="en-US" altLang="zh-CN" dirty="0"/>
+          </a:p>
+          <a:p>
+            <a:endParaRPr lang="en-US" altLang="zh-CN" dirty="0"/>
+          </a:p>
+          <a:p>
+            <a:endParaRPr lang="en-US" altLang="zh-CN" dirty="0"/>
+          </a:p>
+          <a:p>
+            <a:r>
+              <a:rPr lang="en-US" altLang="zh-CN" dirty="0"/>
+              <a:t>3.</a:t>
+            </a:r>
+            <a:r>
+              <a:rPr lang="zh-CN" altLang="en-US" dirty="0"/>
+              <a:t>特征提取，多源融合</a:t>
+            </a:r>
+            <a:endParaRPr lang="en-US" altLang="zh-CN" dirty="0"/>
+          </a:p>
+          <a:p>
+            <a:endParaRPr lang="en-US" altLang="zh-CN" dirty="0"/>
+          </a:p>
+          <a:p>
+            <a:endParaRPr lang="en-US" altLang="zh-CN" dirty="0"/>
+          </a:p>
+          <a:p>
+            <a:r>
+              <a:rPr lang="zh-CN" altLang="en-US" dirty="0"/>
+              <a:t>源头判断真假</a:t>
+            </a:r>
+            <a:r>
+              <a:rPr lang="en-US" altLang="zh-CN" dirty="0"/>
+              <a:t>:</a:t>
+            </a:r>
+          </a:p>
+          <a:p>
+            <a:pPr marL="285750" indent="-285750">
+              <a:buFont typeface="Arial" panose="020B0604020202020204" pitchFamily="34" charset="0"/>
+              <a:buChar char="•"/>
+            </a:pPr>
+            <a:r>
+              <a:rPr lang="en-US" altLang="zh-CN" dirty="0"/>
+              <a:t>Author</a:t>
+            </a:r>
+          </a:p>
+          <a:p>
+            <a:pPr marL="285750" indent="-285750">
+              <a:buFont typeface="Arial" panose="020B0604020202020204" pitchFamily="34" charset="0"/>
+              <a:buChar char="•"/>
+            </a:pPr>
+            <a:r>
+              <a:rPr lang="en-US" altLang="zh-CN" dirty="0"/>
+              <a:t>Organization</a:t>
+            </a:r>
+          </a:p>
+          <a:p>
+            <a:endParaRPr lang="en-US" altLang="zh-CN" dirty="0"/>
+          </a:p>
+          <a:p>
+            <a:endParaRPr lang="en-US" altLang="zh-CN" dirty="0"/>
+          </a:p>
+          <a:p>
             <a:endParaRPr lang="zh-CN" altLang="en-US" dirty="0"/>
           </a:p>
         </p:txBody>
@@ -4954,37 +8231,169 @@
       </p:grpSpPr>
       <p:sp>
         <p:nvSpPr>
-          <p:cNvPr id="2" name="标题 1">
-            <a:extLst>
-              <a:ext uri="{FF2B5EF4-FFF2-40B4-BE49-F238E27FC236}">
-                <a16:creationId xmlns:a16="http://schemas.microsoft.com/office/drawing/2014/main" id="{6E0A3837-472A-1B64-4F66-E90916D8DC74}"/>
-              </a:ext>
-            </a:extLst>
-          </p:cNvPr>
-          <p:cNvSpPr>
-            <a:spLocks noGrp="1"/>
-          </p:cNvSpPr>
-          <p:nvPr>
-            <p:ph type="ctrTitle"/>
-          </p:nvPr>
-        </p:nvSpPr>
-        <p:spPr/>
-        <p:txBody>
-          <a:bodyPr/>
-          <a:lstStyle/>
-          <a:p>
-            <a:r>
-              <a:rPr lang="en-US" altLang="zh-CN" sz="4800" dirty="0"/>
-              <a:t>LSTM</a:t>
+          <p:cNvPr id="4" name="文本框 3">
+            <a:extLst>
+              <a:ext uri="{FF2B5EF4-FFF2-40B4-BE49-F238E27FC236}">
+                <a16:creationId xmlns:a16="http://schemas.microsoft.com/office/drawing/2014/main" id="{F11B3FC0-BA00-7D85-D8F5-03DA71A5A570}"/>
+              </a:ext>
+            </a:extLst>
+          </p:cNvPr>
+          <p:cNvSpPr txBox="1"/>
+          <p:nvPr/>
+        </p:nvSpPr>
+        <p:spPr>
+          <a:xfrm>
+            <a:off x="3367548" y="363794"/>
+            <a:ext cx="4965290" cy="646331"/>
+          </a:xfrm>
+          <a:prstGeom prst="rect">
+            <a:avLst/>
+          </a:prstGeom>
+          <a:noFill/>
+        </p:spPr>
+        <p:txBody>
+          <a:bodyPr wrap="square" rtlCol="0">
+            <a:spAutoFit/>
+          </a:bodyPr>
+          <a:lstStyle/>
+          <a:p>
+            <a:pPr algn="ctr"/>
+            <a:r>
+              <a:rPr lang="zh-CN" altLang="en-US" sz="3600" dirty="0"/>
+              <a:t>特征提取</a:t>
             </a:r>
             <a:endParaRPr lang="zh-CN" altLang="en-US" dirty="0"/>
+          </a:p>
+        </p:txBody>
+      </p:sp>
+      <p:pic>
+        <p:nvPicPr>
+          <p:cNvPr id="6" name="图片 5">
+            <a:extLst>
+              <a:ext uri="{FF2B5EF4-FFF2-40B4-BE49-F238E27FC236}">
+                <a16:creationId xmlns:a16="http://schemas.microsoft.com/office/drawing/2014/main" id="{485798E8-2DC2-F8FD-B95B-8624BD1F944B}"/>
+              </a:ext>
+            </a:extLst>
+          </p:cNvPr>
+          <p:cNvPicPr>
+            <a:picLocks noChangeAspect="1"/>
+          </p:cNvPicPr>
+          <p:nvPr/>
+        </p:nvPicPr>
+        <p:blipFill>
+          <a:blip r:embed="rId2"/>
+          <a:stretch>
+            <a:fillRect/>
+          </a:stretch>
+        </p:blipFill>
+        <p:spPr>
+          <a:xfrm>
+            <a:off x="1423361" y="1524395"/>
+            <a:ext cx="5235394" cy="5067739"/>
+          </a:xfrm>
+          <a:prstGeom prst="rect">
+            <a:avLst/>
+          </a:prstGeom>
+        </p:spPr>
+      </p:pic>
+      <p:sp>
+        <p:nvSpPr>
+          <p:cNvPr id="7" name="文本框 6">
+            <a:extLst>
+              <a:ext uri="{FF2B5EF4-FFF2-40B4-BE49-F238E27FC236}">
+                <a16:creationId xmlns:a16="http://schemas.microsoft.com/office/drawing/2014/main" id="{9630FC49-D131-0DFF-5EFD-2B463D850756}"/>
+              </a:ext>
+            </a:extLst>
+          </p:cNvPr>
+          <p:cNvSpPr txBox="1"/>
+          <p:nvPr/>
+        </p:nvSpPr>
+        <p:spPr>
+          <a:xfrm>
+            <a:off x="7570838" y="2345218"/>
+            <a:ext cx="2605548" cy="3693319"/>
+          </a:xfrm>
+          <a:prstGeom prst="rect">
+            <a:avLst/>
+          </a:prstGeom>
+          <a:noFill/>
+        </p:spPr>
+        <p:txBody>
+          <a:bodyPr wrap="square" rtlCol="0">
+            <a:spAutoFit/>
+          </a:bodyPr>
+          <a:lstStyle/>
+          <a:p>
+            <a:r>
+              <a:rPr lang="en-US" altLang="zh-CN" dirty="0"/>
+              <a:t>1.</a:t>
+            </a:r>
+            <a:r>
+              <a:rPr lang="zh-CN" altLang="en-US" dirty="0"/>
+              <a:t>循环神经网络</a:t>
+            </a:r>
+            <a:endParaRPr lang="en-US" altLang="zh-CN" dirty="0"/>
+          </a:p>
+          <a:p>
+            <a:r>
+              <a:rPr lang="en-US" altLang="zh-CN" dirty="0"/>
+              <a:t>Same feature </a:t>
+            </a:r>
+          </a:p>
+          <a:p>
+            <a:endParaRPr lang="en-US" altLang="zh-CN" dirty="0"/>
+          </a:p>
+          <a:p>
+            <a:endParaRPr lang="en-US" altLang="zh-CN" dirty="0"/>
+          </a:p>
+          <a:p>
+            <a:endParaRPr lang="en-US" altLang="zh-CN" dirty="0"/>
+          </a:p>
+          <a:p>
+            <a:endParaRPr lang="en-US" altLang="zh-CN" dirty="0"/>
+          </a:p>
+          <a:p>
+            <a:r>
+              <a:rPr lang="en-US" altLang="zh-CN" dirty="0"/>
+              <a:t>2.</a:t>
+            </a:r>
+            <a:r>
+              <a:rPr lang="zh-CN" altLang="en-US" dirty="0"/>
+              <a:t>长短期</a:t>
+            </a:r>
+            <a:endParaRPr lang="en-US" altLang="zh-CN" dirty="0"/>
+          </a:p>
+          <a:p>
+            <a:endParaRPr lang="en-US" altLang="zh-CN" dirty="0"/>
+          </a:p>
+          <a:p>
+            <a:endParaRPr lang="en-US" altLang="zh-CN" dirty="0"/>
+          </a:p>
+          <a:p>
+            <a:endParaRPr lang="en-US" altLang="zh-CN" dirty="0"/>
+          </a:p>
+          <a:p>
+            <a:endParaRPr lang="en-US" altLang="zh-CN" dirty="0"/>
+          </a:p>
+          <a:p>
+            <a:endParaRPr lang="en-US" altLang="zh-CN" dirty="0"/>
+          </a:p>
+          <a:p>
+            <a:r>
+              <a:rPr lang="en-US" altLang="zh-CN" dirty="0"/>
+              <a:t>3.</a:t>
+            </a:r>
+            <a:r>
+              <a:rPr lang="zh-CN" altLang="en-US" dirty="0"/>
+              <a:t>全连接</a:t>
+            </a:r>
           </a:p>
         </p:txBody>
       </p:sp>
     </p:spTree>
     <p:extLst>
       <p:ext uri="{BB962C8B-B14F-4D97-AF65-F5344CB8AC3E}">
-        <p14:creationId xmlns:p14="http://schemas.microsoft.com/office/powerpoint/2010/main" val="705445498"/>
+        <p14:creationId xmlns:p14="http://schemas.microsoft.com/office/powerpoint/2010/main" val="1549820542"/>
       </p:ext>
     </p:extLst>
   </p:cSld>
@@ -5013,10 +8422,10 @@
       </p:grpSpPr>
       <p:pic>
         <p:nvPicPr>
-          <p:cNvPr id="6" name="图片 5">
-            <a:extLst>
-              <a:ext uri="{FF2B5EF4-FFF2-40B4-BE49-F238E27FC236}">
-                <a16:creationId xmlns:a16="http://schemas.microsoft.com/office/drawing/2014/main" id="{0E962173-39CA-4BC1-D33B-BD2D043DAEB2}"/>
+          <p:cNvPr id="5" name="图片 4">
+            <a:extLst>
+              <a:ext uri="{FF2B5EF4-FFF2-40B4-BE49-F238E27FC236}">
+                <a16:creationId xmlns:a16="http://schemas.microsoft.com/office/drawing/2014/main" id="{46C48093-A5D1-B701-69EF-CB7D0DE6AE86}"/>
               </a:ext>
             </a:extLst>
           </p:cNvPr>
@@ -5033,54 +8442,259 @@
         </p:blipFill>
         <p:spPr>
           <a:xfrm>
-            <a:off x="455697" y="2272018"/>
-            <a:ext cx="6325148" cy="2156647"/>
+            <a:off x="3248265" y="3854243"/>
+            <a:ext cx="4765023" cy="2199115"/>
           </a:xfrm>
           <a:prstGeom prst="rect">
             <a:avLst/>
           </a:prstGeom>
         </p:spPr>
       </p:pic>
-      <p:pic>
-        <p:nvPicPr>
-          <p:cNvPr id="8" name="图片 7">
-            <a:extLst>
-              <a:ext uri="{FF2B5EF4-FFF2-40B4-BE49-F238E27FC236}">
-                <a16:creationId xmlns:a16="http://schemas.microsoft.com/office/drawing/2014/main" id="{DF6B897C-EE39-354A-C99C-4CBD0BF84F20}"/>
-              </a:ext>
-            </a:extLst>
-          </p:cNvPr>
-          <p:cNvPicPr>
-            <a:picLocks noChangeAspect="1"/>
-          </p:cNvPicPr>
+      <p:sp>
+        <p:nvSpPr>
+          <p:cNvPr id="9" name="文本框 8">
+            <a:extLst>
+              <a:ext uri="{FF2B5EF4-FFF2-40B4-BE49-F238E27FC236}">
+                <a16:creationId xmlns:a16="http://schemas.microsoft.com/office/drawing/2014/main" id="{E6751C43-4E29-52D3-7021-3185D1AEFAF2}"/>
+              </a:ext>
+            </a:extLst>
+          </p:cNvPr>
+          <p:cNvSpPr txBox="1"/>
           <p:nvPr/>
-        </p:nvPicPr>
-        <p:blipFill>
-          <a:blip r:embed="rId3">
-            <a:extLst>
-              <a:ext uri="{28A0092B-C50C-407E-A947-70E740481C1C}">
-                <a14:useLocalDpi xmlns:a14="http://schemas.microsoft.com/office/drawing/2010/main" val="0"/>
-              </a:ext>
-            </a:extLst>
-          </a:blip>
-          <a:stretch>
-            <a:fillRect/>
-          </a:stretch>
-        </p:blipFill>
-        <p:spPr>
-          <a:xfrm>
-            <a:off x="5427382" y="2124533"/>
-            <a:ext cx="6123228" cy="2776239"/>
+        </p:nvSpPr>
+        <p:spPr>
+          <a:xfrm>
+            <a:off x="2772697" y="2505670"/>
+            <a:ext cx="6096000" cy="923330"/>
           </a:xfrm>
           <a:prstGeom prst="rect">
             <a:avLst/>
           </a:prstGeom>
-        </p:spPr>
-      </p:pic>
+          <a:noFill/>
+        </p:spPr>
+        <p:txBody>
+          <a:bodyPr wrap="square">
+            <a:spAutoFit/>
+          </a:bodyPr>
+          <a:lstStyle/>
+          <a:p>
+            <a:pPr algn="l"/>
+            <a:r>
+              <a:rPr lang="zh-CN" altLang="en-US" sz="1800" b="0" i="0" u="none" strike="noStrike" baseline="0" dirty="0">
+                <a:solidFill>
+                  <a:srgbClr val="FF0000"/>
+                </a:solidFill>
+                <a:latin typeface="华文楷体" panose="02010600040101010101" pitchFamily="2" charset="-122"/>
+                <a:ea typeface="华文楷体" panose="02010600040101010101" pitchFamily="2" charset="-122"/>
+              </a:rPr>
+              <a:t>小米</a:t>
+            </a:r>
+            <a:r>
+              <a:rPr lang="zh-CN" altLang="en-US" sz="1800" b="0" i="0" u="none" strike="noStrike" baseline="0" dirty="0">
+                <a:solidFill>
+                  <a:srgbClr val="2A4A75"/>
+                </a:solidFill>
+                <a:latin typeface="华文楷体" panose="02010600040101010101" pitchFamily="2" charset="-122"/>
+                <a:ea typeface="华文楷体" panose="02010600040101010101" pitchFamily="2" charset="-122"/>
+              </a:rPr>
+              <a:t>创始⼈</a:t>
+            </a:r>
+            <a:r>
+              <a:rPr lang="zh-CN" altLang="en-US" sz="1800" b="0" i="0" u="none" strike="noStrike" baseline="0" dirty="0">
+                <a:solidFill>
+                  <a:srgbClr val="ED767C"/>
+                </a:solidFill>
+                <a:latin typeface="华文楷体" panose="02010600040101010101" pitchFamily="2" charset="-122"/>
+                <a:ea typeface="华文楷体" panose="02010600040101010101" pitchFamily="2" charset="-122"/>
+              </a:rPr>
+              <a:t>雷军</a:t>
+            </a:r>
+            <a:r>
+              <a:rPr lang="zh-CN" altLang="en-US" sz="1800" b="0" i="0" u="none" strike="noStrike" baseline="0" dirty="0">
+                <a:solidFill>
+                  <a:srgbClr val="2A4A75"/>
+                </a:solidFill>
+                <a:latin typeface="华文楷体" panose="02010600040101010101" pitchFamily="2" charset="-122"/>
+                <a:ea typeface="华文楷体" panose="02010600040101010101" pitchFamily="2" charset="-122"/>
+              </a:rPr>
+              <a:t>表示，该公司</a:t>
+            </a:r>
+            <a:r>
+              <a:rPr lang="en-US" altLang="zh-CN" sz="1800" b="0" i="0" u="none" strike="noStrike" baseline="0" dirty="0">
+                <a:solidFill>
+                  <a:srgbClr val="1FAFCE"/>
+                </a:solidFill>
+                <a:latin typeface="ArialMT"/>
+                <a:ea typeface="华文楷体" panose="02010600040101010101" pitchFamily="2" charset="-122"/>
+              </a:rPr>
+              <a:t>2015</a:t>
+            </a:r>
+            <a:r>
+              <a:rPr lang="zh-CN" altLang="en-US" sz="1800" b="0" i="0" u="none" strike="noStrike" baseline="0" dirty="0">
+                <a:solidFill>
+                  <a:srgbClr val="1FAFCE"/>
+                </a:solidFill>
+                <a:latin typeface="华文楷体" panose="02010600040101010101" pitchFamily="2" charset="-122"/>
+                <a:ea typeface="华文楷体" panose="02010600040101010101" pitchFamily="2" charset="-122"/>
+              </a:rPr>
+              <a:t>年</a:t>
+            </a:r>
+            <a:r>
+              <a:rPr lang="zh-CN" altLang="en-US" sz="1800" b="0" i="0" u="none" strike="noStrike" baseline="0" dirty="0">
+                <a:solidFill>
+                  <a:srgbClr val="2A4A75"/>
+                </a:solidFill>
+                <a:latin typeface="华文楷体" panose="02010600040101010101" pitchFamily="2" charset="-122"/>
+                <a:ea typeface="华文楷体" panose="02010600040101010101" pitchFamily="2" charset="-122"/>
+              </a:rPr>
+              <a:t>营收达到</a:t>
+            </a:r>
+            <a:r>
+              <a:rPr lang="en-US" altLang="zh-CN" sz="1800" b="0" i="0" u="none" strike="noStrike" baseline="0" dirty="0">
+                <a:solidFill>
+                  <a:srgbClr val="FFC100"/>
+                </a:solidFill>
+                <a:latin typeface="ArialMT"/>
+                <a:ea typeface="华文楷体" panose="02010600040101010101" pitchFamily="2" charset="-122"/>
+              </a:rPr>
+              <a:t>780</a:t>
+            </a:r>
+            <a:r>
+              <a:rPr lang="zh-CN" altLang="en-US" sz="1800" b="0" i="0" u="none" strike="noStrike" baseline="0" dirty="0">
+                <a:solidFill>
+                  <a:srgbClr val="FFC100"/>
+                </a:solidFill>
+                <a:latin typeface="华文楷体" panose="02010600040101010101" pitchFamily="2" charset="-122"/>
+                <a:ea typeface="华文楷体" panose="02010600040101010101" pitchFamily="2" charset="-122"/>
+              </a:rPr>
+              <a:t>亿</a:t>
+            </a:r>
+            <a:r>
+              <a:rPr lang="zh-CN" altLang="en-US" sz="1800" b="0" i="0" u="none" strike="noStrike" baseline="0" dirty="0">
+                <a:solidFill>
+                  <a:srgbClr val="2A4A75"/>
+                </a:solidFill>
+                <a:latin typeface="华文楷体" panose="02010600040101010101" pitchFamily="2" charset="-122"/>
+                <a:ea typeface="华文楷体" panose="02010600040101010101" pitchFamily="2" charset="-122"/>
+              </a:rPr>
+              <a:t>元⼈民币，较</a:t>
+            </a:r>
+            <a:r>
+              <a:rPr lang="en-US" altLang="zh-CN" sz="1800" b="0" i="0" u="none" strike="noStrike" baseline="0" dirty="0">
+                <a:solidFill>
+                  <a:srgbClr val="1FAFCE"/>
+                </a:solidFill>
+                <a:latin typeface="ArialMT"/>
+                <a:ea typeface="华文楷体" panose="02010600040101010101" pitchFamily="2" charset="-122"/>
+              </a:rPr>
+              <a:t>2014</a:t>
+            </a:r>
+            <a:r>
+              <a:rPr lang="zh-CN" altLang="en-US" sz="1800" b="0" i="0" u="none" strike="noStrike" baseline="0" dirty="0">
+                <a:solidFill>
+                  <a:srgbClr val="1FAFCE"/>
+                </a:solidFill>
+                <a:latin typeface="华文楷体" panose="02010600040101010101" pitchFamily="2" charset="-122"/>
+                <a:ea typeface="华文楷体" panose="02010600040101010101" pitchFamily="2" charset="-122"/>
+              </a:rPr>
+              <a:t>年</a:t>
+            </a:r>
+            <a:r>
+              <a:rPr lang="zh-CN" altLang="en-US" sz="1800" b="0" i="0" u="none" strike="noStrike" baseline="0" dirty="0">
+                <a:solidFill>
+                  <a:srgbClr val="2A4A75"/>
+                </a:solidFill>
+                <a:latin typeface="华文楷体" panose="02010600040101010101" pitchFamily="2" charset="-122"/>
+                <a:ea typeface="华文楷体" panose="02010600040101010101" pitchFamily="2" charset="-122"/>
+              </a:rPr>
+              <a:t>的</a:t>
+            </a:r>
+          </a:p>
+          <a:p>
+            <a:pPr algn="l"/>
+            <a:r>
+              <a:rPr lang="en-US" altLang="zh-CN" sz="1800" b="0" i="0" u="none" strike="noStrike" baseline="0" dirty="0">
+                <a:solidFill>
+                  <a:srgbClr val="FFC100"/>
+                </a:solidFill>
+                <a:latin typeface="ArialMT"/>
+                <a:ea typeface="华文楷体" panose="02010600040101010101" pitchFamily="2" charset="-122"/>
+              </a:rPr>
+              <a:t>743</a:t>
+            </a:r>
+            <a:r>
+              <a:rPr lang="zh-CN" altLang="en-US" sz="1800" b="0" i="0" u="none" strike="noStrike" baseline="0" dirty="0">
+                <a:solidFill>
+                  <a:srgbClr val="FFC100"/>
+                </a:solidFill>
+                <a:latin typeface="华文楷体" panose="02010600040101010101" pitchFamily="2" charset="-122"/>
+                <a:ea typeface="华文楷体" panose="02010600040101010101" pitchFamily="2" charset="-122"/>
+              </a:rPr>
+              <a:t>亿</a:t>
+            </a:r>
+            <a:r>
+              <a:rPr lang="zh-CN" altLang="en-US" sz="1800" b="0" i="0" u="none" strike="noStrike" baseline="0" dirty="0">
+                <a:solidFill>
+                  <a:srgbClr val="2A4A75"/>
+                </a:solidFill>
+                <a:latin typeface="华文楷体" panose="02010600040101010101" pitchFamily="2" charset="-122"/>
+                <a:ea typeface="华文楷体" panose="02010600040101010101" pitchFamily="2" charset="-122"/>
+              </a:rPr>
+              <a:t>元⼈民币增长了</a:t>
+            </a:r>
+            <a:r>
+              <a:rPr lang="en-US" altLang="zh-CN" sz="1800" b="0" i="0" u="none" strike="noStrike" baseline="0" dirty="0">
+                <a:solidFill>
+                  <a:srgbClr val="FFC100"/>
+                </a:solidFill>
+                <a:latin typeface="ArialMT"/>
+                <a:ea typeface="华文楷体" panose="02010600040101010101" pitchFamily="2" charset="-122"/>
+              </a:rPr>
+              <a:t>5%</a:t>
+            </a:r>
+            <a:endParaRPr lang="zh-CN" altLang="en-US" dirty="0"/>
+          </a:p>
+        </p:txBody>
+      </p:sp>
+      <p:sp>
+        <p:nvSpPr>
+          <p:cNvPr id="13" name="文本框 12">
+            <a:extLst>
+              <a:ext uri="{FF2B5EF4-FFF2-40B4-BE49-F238E27FC236}">
+                <a16:creationId xmlns:a16="http://schemas.microsoft.com/office/drawing/2014/main" id="{F7334028-BC64-5A9B-E447-87E20FC910F0}"/>
+              </a:ext>
+            </a:extLst>
+          </p:cNvPr>
+          <p:cNvSpPr txBox="1"/>
+          <p:nvPr/>
+        </p:nvSpPr>
+        <p:spPr>
+          <a:xfrm>
+            <a:off x="1845357" y="1191850"/>
+            <a:ext cx="6096000" cy="369332"/>
+          </a:xfrm>
+          <a:prstGeom prst="rect">
+            <a:avLst/>
+          </a:prstGeom>
+          <a:noFill/>
+        </p:spPr>
+        <p:txBody>
+          <a:bodyPr wrap="square">
+            <a:spAutoFit/>
+          </a:bodyPr>
+          <a:lstStyle/>
+          <a:p>
+            <a:r>
+              <a:rPr lang="zh-CN" altLang="en-US" dirty="0"/>
+              <a:t>从⽆结构的⽂本中抽取结构化的信息，形成知识</a:t>
+            </a:r>
+          </a:p>
+        </p:txBody>
+      </p:sp>
     </p:spTree>
     <p:extLst>
       <p:ext uri="{BB962C8B-B14F-4D97-AF65-F5344CB8AC3E}">
-        <p14:creationId xmlns:p14="http://schemas.microsoft.com/office/powerpoint/2010/main" val="1260144030"/>
+        <p14:creationId xmlns:p14="http://schemas.microsoft.com/office/powerpoint/2010/main" val="3885167591"/>
       </p:ext>
     </p:extLst>
   </p:cSld>
@@ -5109,55 +8723,87 @@
       </p:grpSpPr>
       <p:pic>
         <p:nvPicPr>
-          <p:cNvPr id="2050" name="Picture 2" descr="In RNN, there is only a single tanh layer">
-            <a:extLst>
-              <a:ext uri="{FF2B5EF4-FFF2-40B4-BE49-F238E27FC236}">
-                <a16:creationId xmlns:a16="http://schemas.microsoft.com/office/drawing/2014/main" id="{4C96DADC-9D2B-CD24-A358-8F6DC3302A46}"/>
+          <p:cNvPr id="3" name="图片 2">
+            <a:extLst>
+              <a:ext uri="{FF2B5EF4-FFF2-40B4-BE49-F238E27FC236}">
+                <a16:creationId xmlns:a16="http://schemas.microsoft.com/office/drawing/2014/main" id="{FD709E56-DE68-136B-B56B-BE9DA6477F7C}"/>
               </a:ext>
             </a:extLst>
           </p:cNvPr>
           <p:cNvPicPr>
-            <a:picLocks noChangeAspect="1" noChangeArrowheads="1"/>
+            <a:picLocks noChangeAspect="1"/>
           </p:cNvPicPr>
           <p:nvPr/>
         </p:nvPicPr>
         <p:blipFill>
-          <a:blip r:embed="rId2">
-            <a:extLst>
-              <a:ext uri="{28A0092B-C50C-407E-A947-70E740481C1C}">
-                <a14:useLocalDpi xmlns:a14="http://schemas.microsoft.com/office/drawing/2010/main" val="0"/>
-              </a:ext>
-            </a:extLst>
-          </a:blip>
-          <a:srcRect/>
+          <a:blip r:embed="rId2"/>
           <a:stretch>
             <a:fillRect/>
           </a:stretch>
         </p:blipFill>
-        <p:spPr bwMode="auto">
-          <a:xfrm>
-            <a:off x="676887" y="993057"/>
-            <a:ext cx="10659706" cy="4541479"/>
+        <p:spPr>
+          <a:xfrm>
+            <a:off x="2216337" y="1972175"/>
+            <a:ext cx="5143946" cy="4054191"/>
+          </a:xfrm>
+          <a:prstGeom prst="rect">
+            <a:avLst/>
+          </a:prstGeom>
+        </p:spPr>
+      </p:pic>
+      <p:sp>
+        <p:nvSpPr>
+          <p:cNvPr id="4" name="文本框 3">
+            <a:extLst>
+              <a:ext uri="{FF2B5EF4-FFF2-40B4-BE49-F238E27FC236}">
+                <a16:creationId xmlns:a16="http://schemas.microsoft.com/office/drawing/2014/main" id="{DFE58D6A-6D5E-AC3C-7441-DBB8A2566ADA}"/>
+              </a:ext>
+            </a:extLst>
+          </p:cNvPr>
+          <p:cNvSpPr txBox="1"/>
+          <p:nvPr/>
+        </p:nvSpPr>
+        <p:spPr>
+          <a:xfrm>
+            <a:off x="-281057" y="462116"/>
+            <a:ext cx="5958348" cy="1200329"/>
           </a:xfrm>
           <a:prstGeom prst="rect">
             <a:avLst/>
           </a:prstGeom>
           <a:noFill/>
-          <a:extLst>
-            <a:ext uri="{909E8E84-426E-40DD-AFC4-6F175D3DCCD1}">
-              <a14:hiddenFill xmlns:a14="http://schemas.microsoft.com/office/drawing/2010/main">
-                <a:solidFill>
-                  <a:srgbClr val="FFFFFF"/>
-                </a:solidFill>
-              </a14:hiddenFill>
-            </a:ext>
-          </a:extLst>
-        </p:spPr>
-      </p:pic>
+        </p:spPr>
+        <p:txBody>
+          <a:bodyPr wrap="square" rtlCol="0">
+            <a:spAutoFit/>
+          </a:bodyPr>
+          <a:lstStyle/>
+          <a:p>
+            <a:pPr algn="ctr"/>
+            <a:r>
+              <a:rPr lang="zh-CN" altLang="en-US" sz="3600" dirty="0"/>
+              <a:t>多源融合：   </a:t>
+            </a:r>
+            <a:endParaRPr lang="en-US" altLang="zh-CN" sz="3600" dirty="0"/>
+          </a:p>
+          <a:p>
+            <a:pPr algn="ctr"/>
+            <a:r>
+              <a:rPr lang="en-US" altLang="zh-CN" sz="3600" dirty="0"/>
+              <a:t>Attention</a:t>
+            </a:r>
+            <a:r>
+              <a:rPr lang="zh-CN" altLang="en-US" sz="3600" dirty="0"/>
+              <a:t>机制</a:t>
+            </a:r>
+            <a:endParaRPr lang="zh-CN" altLang="en-US" dirty="0"/>
+          </a:p>
+        </p:txBody>
+      </p:sp>
     </p:spTree>
     <p:extLst>
       <p:ext uri="{BB962C8B-B14F-4D97-AF65-F5344CB8AC3E}">
-        <p14:creationId xmlns:p14="http://schemas.microsoft.com/office/powerpoint/2010/main" val="3113945973"/>
+        <p14:creationId xmlns:p14="http://schemas.microsoft.com/office/powerpoint/2010/main" val="3440659485"/>
       </p:ext>
     </p:extLst>
   </p:cSld>
@@ -5460,4 +9106,299 @@
     </a:ext>
   </a:extLst>
 </a:theme>
+</file>
+
+<file path=ppt/theme/theme2.xml><?xml version="1.0" encoding="utf-8"?>
+<a:theme xmlns:a="http://schemas.openxmlformats.org/drawingml/2006/main" name="Office 主题​​">
+  <a:themeElements>
+    <a:clrScheme name="Office">
+      <a:dk1>
+        <a:sysClr val="windowText" lastClr="000000"/>
+      </a:dk1>
+      <a:lt1>
+        <a:sysClr val="window" lastClr="FFFFFF"/>
+      </a:lt1>
+      <a:dk2>
+        <a:srgbClr val="44546A"/>
+      </a:dk2>
+      <a:lt2>
+        <a:srgbClr val="E7E6E6"/>
+      </a:lt2>
+      <a:accent1>
+        <a:srgbClr val="4472C4"/>
+      </a:accent1>
+      <a:accent2>
+        <a:srgbClr val="ED7D31"/>
+      </a:accent2>
+      <a:accent3>
+        <a:srgbClr val="A5A5A5"/>
+      </a:accent3>
+      <a:accent4>
+        <a:srgbClr val="FFC000"/>
+      </a:accent4>
+      <a:accent5>
+        <a:srgbClr val="5B9BD5"/>
+      </a:accent5>
+      <a:accent6>
+        <a:srgbClr val="70AD47"/>
+      </a:accent6>
+      <a:hlink>
+        <a:srgbClr val="0563C1"/>
+      </a:hlink>
+      <a:folHlink>
+        <a:srgbClr val="954F72"/>
+      </a:folHlink>
+    </a:clrScheme>
+    <a:fontScheme name="Office">
+      <a:majorFont>
+        <a:latin typeface="等线 Light" panose="020F0302020204030204"/>
+        <a:ea typeface=""/>
+        <a:cs typeface=""/>
+        <a:font script="Jpan" typeface="游ゴシック Light"/>
+        <a:font script="Hang" typeface="맑은 고딕"/>
+        <a:font script="Hans" typeface="等线 Light"/>
+        <a:font script="Hant" typeface="新細明體"/>
+        <a:font script="Arab" typeface="Times New Roman"/>
+        <a:font script="Hebr" typeface="Times New Roman"/>
+        <a:font script="Thai" typeface="Angsana New"/>
+        <a:font script="Ethi" typeface="Nyala"/>
+        <a:font script="Beng" typeface="Vrinda"/>
+        <a:font script="Gujr" typeface="Shruti"/>
+        <a:font script="Khmr" typeface="MoolBoran"/>
+        <a:font script="Knda" typeface="Tunga"/>
+        <a:font script="Guru" typeface="Raavi"/>
+        <a:font script="Cans" typeface="Euphemia"/>
+        <a:font script="Cher" typeface="Plantagenet Cherokee"/>
+        <a:font script="Yiii" typeface="Microsoft Yi Baiti"/>
+        <a:font script="Tibt" typeface="Microsoft Himalaya"/>
+        <a:font script="Thaa" typeface="MV Boli"/>
+        <a:font script="Deva" typeface="Mangal"/>
+        <a:font script="Telu" typeface="Gautami"/>
+        <a:font script="Taml" typeface="Latha"/>
+        <a:font script="Syrc" typeface="Estrangelo Edessa"/>
+        <a:font script="Orya" typeface="Kalinga"/>
+        <a:font script="Mlym" typeface="Kartika"/>
+        <a:font script="Laoo" typeface="DokChampa"/>
+        <a:font script="Sinh" typeface="Iskoola Pota"/>
+        <a:font script="Mong" typeface="Mongolian Baiti"/>
+        <a:font script="Viet" typeface="Times New Roman"/>
+        <a:font script="Uigh" typeface="Microsoft Uighur"/>
+        <a:font script="Geor" typeface="Sylfaen"/>
+        <a:font script="Armn" typeface="Arial"/>
+        <a:font script="Bugi" typeface="Leelawadee UI"/>
+        <a:font script="Bopo" typeface="Microsoft JhengHei"/>
+        <a:font script="Java" typeface="Javanese Text"/>
+        <a:font script="Lisu" typeface="Segoe UI"/>
+        <a:font script="Mymr" typeface="Myanmar Text"/>
+        <a:font script="Nkoo" typeface="Ebrima"/>
+        <a:font script="Olck" typeface="Nirmala UI"/>
+        <a:font script="Osma" typeface="Ebrima"/>
+        <a:font script="Phag" typeface="Phagspa"/>
+        <a:font script="Syrn" typeface="Estrangelo Edessa"/>
+        <a:font script="Syrj" typeface="Estrangelo Edessa"/>
+        <a:font script="Syre" typeface="Estrangelo Edessa"/>
+        <a:font script="Sora" typeface="Nirmala UI"/>
+        <a:font script="Tale" typeface="Microsoft Tai Le"/>
+        <a:font script="Talu" typeface="Microsoft New Tai Lue"/>
+        <a:font script="Tfng" typeface="Ebrima"/>
+      </a:majorFont>
+      <a:minorFont>
+        <a:latin typeface="等线" panose="020F0502020204030204"/>
+        <a:ea typeface=""/>
+        <a:cs typeface=""/>
+        <a:font script="Jpan" typeface="游ゴシック"/>
+        <a:font script="Hang" typeface="맑은 고딕"/>
+        <a:font script="Hans" typeface="等线"/>
+        <a:font script="Hant" typeface="新細明體"/>
+        <a:font script="Arab" typeface="Arial"/>
+        <a:font script="Hebr" typeface="Arial"/>
+        <a:font script="Thai" typeface="Cordia New"/>
+        <a:font script="Ethi" typeface="Nyala"/>
+        <a:font script="Beng" typeface="Vrinda"/>
+        <a:font script="Gujr" typeface="Shruti"/>
+        <a:font script="Khmr" typeface="DaunPenh"/>
+        <a:font script="Knda" typeface="Tunga"/>
+        <a:font script="Guru" typeface="Raavi"/>
+        <a:font script="Cans" typeface="Euphemia"/>
+        <a:font script="Cher" typeface="Plantagenet Cherokee"/>
+        <a:font script="Yiii" typeface="Microsoft Yi Baiti"/>
+        <a:font script="Tibt" typeface="Microsoft Himalaya"/>
+        <a:font script="Thaa" typeface="MV Boli"/>
+        <a:font script="Deva" typeface="Mangal"/>
+        <a:font script="Telu" typeface="Gautami"/>
+        <a:font script="Taml" typeface="Latha"/>
+        <a:font script="Syrc" typeface="Estrangelo Edessa"/>
+        <a:font script="Orya" typeface="Kalinga"/>
+        <a:font script="Mlym" typeface="Kartika"/>
+        <a:font script="Laoo" typeface="DokChampa"/>
+        <a:font script="Sinh" typeface="Iskoola Pota"/>
+        <a:font script="Mong" typeface="Mongolian Baiti"/>
+        <a:font script="Viet" typeface="Arial"/>
+        <a:font script="Uigh" typeface="Microsoft Uighur"/>
+        <a:font script="Geor" typeface="Sylfaen"/>
+        <a:font script="Armn" typeface="Arial"/>
+        <a:font script="Bugi" typeface="Leelawadee UI"/>
+        <a:font script="Bopo" typeface="Microsoft JhengHei"/>
+        <a:font script="Java" typeface="Javanese Text"/>
+        <a:font script="Lisu" typeface="Segoe UI"/>
+        <a:font script="Mymr" typeface="Myanmar Text"/>
+        <a:font script="Nkoo" typeface="Ebrima"/>
+        <a:font script="Olck" typeface="Nirmala UI"/>
+        <a:font script="Osma" typeface="Ebrima"/>
+        <a:font script="Phag" typeface="Phagspa"/>
+        <a:font script="Syrn" typeface="Estrangelo Edessa"/>
+        <a:font script="Syrj" typeface="Estrangelo Edessa"/>
+        <a:font script="Syre" typeface="Estrangelo Edessa"/>
+        <a:font script="Sora" typeface="Nirmala UI"/>
+        <a:font script="Tale" typeface="Microsoft Tai Le"/>
+        <a:font script="Talu" typeface="Microsoft New Tai Lue"/>
+        <a:font script="Tfng" typeface="Ebrima"/>
+      </a:minorFont>
+    </a:fontScheme>
+    <a:fmtScheme name="Office">
+      <a:fillStyleLst>
+        <a:solidFill>
+          <a:schemeClr val="phClr"/>
+        </a:solidFill>
+        <a:gradFill rotWithShape="1">
+          <a:gsLst>
+            <a:gs pos="0">
+              <a:schemeClr val="phClr">
+                <a:lumMod val="110000"/>
+                <a:satMod val="105000"/>
+                <a:tint val="67000"/>
+              </a:schemeClr>
+            </a:gs>
+            <a:gs pos="50000">
+              <a:schemeClr val="phClr">
+                <a:lumMod val="105000"/>
+                <a:satMod val="103000"/>
+                <a:tint val="73000"/>
+              </a:schemeClr>
+            </a:gs>
+            <a:gs pos="100000">
+              <a:schemeClr val="phClr">
+                <a:lumMod val="105000"/>
+                <a:satMod val="109000"/>
+                <a:tint val="81000"/>
+              </a:schemeClr>
+            </a:gs>
+          </a:gsLst>
+          <a:lin ang="5400000" scaled="0"/>
+        </a:gradFill>
+        <a:gradFill rotWithShape="1">
+          <a:gsLst>
+            <a:gs pos="0">
+              <a:schemeClr val="phClr">
+                <a:satMod val="103000"/>
+                <a:lumMod val="102000"/>
+                <a:tint val="94000"/>
+              </a:schemeClr>
+            </a:gs>
+            <a:gs pos="50000">
+              <a:schemeClr val="phClr">
+                <a:satMod val="110000"/>
+                <a:lumMod val="100000"/>
+                <a:shade val="100000"/>
+              </a:schemeClr>
+            </a:gs>
+            <a:gs pos="100000">
+              <a:schemeClr val="phClr">
+                <a:lumMod val="99000"/>
+                <a:satMod val="120000"/>
+                <a:shade val="78000"/>
+              </a:schemeClr>
+            </a:gs>
+          </a:gsLst>
+          <a:lin ang="5400000" scaled="0"/>
+        </a:gradFill>
+      </a:fillStyleLst>
+      <a:lnStyleLst>
+        <a:ln w="6350" cap="flat" cmpd="sng" algn="ctr">
+          <a:solidFill>
+            <a:schemeClr val="phClr"/>
+          </a:solidFill>
+          <a:prstDash val="solid"/>
+          <a:miter lim="800000"/>
+        </a:ln>
+        <a:ln w="12700" cap="flat" cmpd="sng" algn="ctr">
+          <a:solidFill>
+            <a:schemeClr val="phClr"/>
+          </a:solidFill>
+          <a:prstDash val="solid"/>
+          <a:miter lim="800000"/>
+        </a:ln>
+        <a:ln w="19050" cap="flat" cmpd="sng" algn="ctr">
+          <a:solidFill>
+            <a:schemeClr val="phClr"/>
+          </a:solidFill>
+          <a:prstDash val="solid"/>
+          <a:miter lim="800000"/>
+        </a:ln>
+      </a:lnStyleLst>
+      <a:effectStyleLst>
+        <a:effectStyle>
+          <a:effectLst/>
+        </a:effectStyle>
+        <a:effectStyle>
+          <a:effectLst/>
+        </a:effectStyle>
+        <a:effectStyle>
+          <a:effectLst>
+            <a:outerShdw blurRad="57150" dist="19050" dir="5400000" algn="ctr" rotWithShape="0">
+              <a:srgbClr val="000000">
+                <a:alpha val="63000"/>
+              </a:srgbClr>
+            </a:outerShdw>
+          </a:effectLst>
+        </a:effectStyle>
+      </a:effectStyleLst>
+      <a:bgFillStyleLst>
+        <a:solidFill>
+          <a:schemeClr val="phClr"/>
+        </a:solidFill>
+        <a:solidFill>
+          <a:schemeClr val="phClr">
+            <a:tint val="95000"/>
+            <a:satMod val="170000"/>
+          </a:schemeClr>
+        </a:solidFill>
+        <a:gradFill rotWithShape="1">
+          <a:gsLst>
+            <a:gs pos="0">
+              <a:schemeClr val="phClr">
+                <a:tint val="93000"/>
+                <a:satMod val="150000"/>
+                <a:shade val="98000"/>
+                <a:lumMod val="102000"/>
+              </a:schemeClr>
+            </a:gs>
+            <a:gs pos="50000">
+              <a:schemeClr val="phClr">
+                <a:tint val="98000"/>
+                <a:satMod val="130000"/>
+                <a:shade val="90000"/>
+                <a:lumMod val="103000"/>
+              </a:schemeClr>
+            </a:gs>
+            <a:gs pos="100000">
+              <a:schemeClr val="phClr">
+                <a:shade val="63000"/>
+                <a:satMod val="120000"/>
+              </a:schemeClr>
+            </a:gs>
+          </a:gsLst>
+          <a:lin ang="5400000" scaled="0"/>
+        </a:gradFill>
+      </a:bgFillStyleLst>
+    </a:fmtScheme>
+  </a:themeElements>
+  <a:objectDefaults/>
+  <a:extraClrSchemeLst/>
+  <a:extLst>
+    <a:ext uri="{05A4C25C-085E-4340-85A3-A5531E510DB2}">
+      <thm15:themeFamily xmlns:thm15="http://schemas.microsoft.com/office/thememl/2012/main" name="Office Theme" id="{62F939B6-93AF-4DB8-9C6B-D6C7DFDC589F}" vid="{4A3C46E8-61CC-4603-A589-7422A47A8E4A}"/>
+    </a:ext>
+  </a:extLst>
+</a:theme>
 </file>